--- a/DNSolver.pptx
+++ b/DNSolver.pptx
@@ -11,8 +11,8 @@
     <p:sldId id="256" r:id="rId2"/>
     <p:sldId id="259" r:id="rId3"/>
     <p:sldId id="258" r:id="rId4"/>
-    <p:sldId id="294" r:id="rId5"/>
-    <p:sldId id="295" r:id="rId6"/>
+    <p:sldId id="296" r:id="rId5"/>
+    <p:sldId id="297" r:id="rId6"/>
     <p:sldId id="270" r:id="rId7"/>
     <p:sldId id="274" r:id="rId8"/>
   </p:sldIdLst>
@@ -279,6 +279,11 @@
       </a:defRPr>
     </a:lvl9pPr>
   </p:defaultTextStyle>
+  <p:extLst>
+    <p:ext uri="{EFAFB233-063F-42B5-8137-9DF3F51BA10A}">
+      <p15:sldGuideLst xmlns:p15="http://schemas.microsoft.com/office/powerpoint/2012/main"/>
+    </p:ext>
+  </p:extLst>
 </p:presentation>
 </file>
 
@@ -1040,7 +1045,7 @@
   <p:cSld>
     <p:spTree>
       <p:nvGrpSpPr>
-        <p:cNvPr id="1" name="Shape 396"/>
+        <p:cNvPr id="1" name="Shape 258"/>
         <p:cNvGrpSpPr/>
         <p:nvPr/>
       </p:nvGrpSpPr>
@@ -1054,7 +1059,7 @@
       </p:grpSpPr>
       <p:sp>
         <p:nvSpPr>
-          <p:cNvPr id="397" name="Google Shape;397;g5d564c3ce1_0_27:notes"/>
+          <p:cNvPr id="259" name="Google Shape;259;g5ba3f769e1_0_73:notes"/>
           <p:cNvSpPr>
             <a:spLocks noGrp="1" noRot="1" noChangeAspect="1"/>
           </p:cNvSpPr>
@@ -1095,7 +1100,7 @@
       </p:sp>
       <p:sp>
         <p:nvSpPr>
-          <p:cNvPr id="398" name="Google Shape;398;g5d564c3ce1_0_27:notes"/>
+          <p:cNvPr id="260" name="Google Shape;260;g5ba3f769e1_0_73:notes"/>
           <p:cNvSpPr txBox="1">
             <a:spLocks noGrp="1"/>
           </p:cNvSpPr>
@@ -1134,7 +1139,7 @@
     </p:spTree>
     <p:extLst>
       <p:ext uri="{BB962C8B-B14F-4D97-AF65-F5344CB8AC3E}">
-        <p14:creationId xmlns:p14="http://schemas.microsoft.com/office/powerpoint/2010/main" val="1428291932"/>
+        <p14:creationId xmlns:p14="http://schemas.microsoft.com/office/powerpoint/2010/main" val="3864815364"/>
       </p:ext>
     </p:extLst>
   </p:cSld>
@@ -1149,7 +1154,7 @@
   <p:cSld>
     <p:spTree>
       <p:nvGrpSpPr>
-        <p:cNvPr id="1" name="Shape 396"/>
+        <p:cNvPr id="1" name="Shape 258"/>
         <p:cNvGrpSpPr/>
         <p:nvPr/>
       </p:nvGrpSpPr>
@@ -1163,7 +1168,7 @@
       </p:grpSpPr>
       <p:sp>
         <p:nvSpPr>
-          <p:cNvPr id="397" name="Google Shape;397;g5d564c3ce1_0_27:notes"/>
+          <p:cNvPr id="259" name="Google Shape;259;g5ba3f769e1_0_73:notes"/>
           <p:cNvSpPr>
             <a:spLocks noGrp="1" noRot="1" noChangeAspect="1"/>
           </p:cNvSpPr>
@@ -1204,7 +1209,7 @@
       </p:sp>
       <p:sp>
         <p:nvSpPr>
-          <p:cNvPr id="398" name="Google Shape;398;g5d564c3ce1_0_27:notes"/>
+          <p:cNvPr id="260" name="Google Shape;260;g5ba3f769e1_0_73:notes"/>
           <p:cNvSpPr txBox="1">
             <a:spLocks noGrp="1"/>
           </p:cNvSpPr>
@@ -1243,7 +1248,7 @@
     </p:spTree>
     <p:extLst>
       <p:ext uri="{BB962C8B-B14F-4D97-AF65-F5344CB8AC3E}">
-        <p14:creationId xmlns:p14="http://schemas.microsoft.com/office/powerpoint/2010/main" val="2727743508"/>
+        <p14:creationId xmlns:p14="http://schemas.microsoft.com/office/powerpoint/2010/main" val="2868527245"/>
       </p:ext>
     </p:extLst>
   </p:cSld>
@@ -3531,958 +3536,6 @@
 </file>
 
 <file path=ppt/slideLayouts/slideLayout3.xml><?xml version="1.0" encoding="utf-8"?>
-<p:sldLayout xmlns:a="http://schemas.openxmlformats.org/drawingml/2006/main" xmlns:r="http://schemas.openxmlformats.org/officeDocument/2006/relationships" xmlns:p="http://schemas.openxmlformats.org/presentationml/2006/main" matchingName="THREE COLUMNS 1">
-  <p:cSld name="TITLE_1_1_1">
-    <p:bg>
-      <p:bgPr>
-        <a:gradFill>
-          <a:gsLst>
-            <a:gs pos="0">
-              <a:srgbClr val="052643"/>
-            </a:gs>
-            <a:gs pos="100000">
-              <a:srgbClr val="041523"/>
-            </a:gs>
-          </a:gsLst>
-          <a:path path="circle">
-            <a:fillToRect l="50000" t="50000" r="50000" b="50000"/>
-          </a:path>
-          <a:tileRect/>
-        </a:gradFill>
-        <a:effectLst/>
-      </p:bgPr>
-    </p:bg>
-    <p:spTree>
-      <p:nvGrpSpPr>
-        <p:cNvPr id="1" name="Shape 46"/>
-        <p:cNvGrpSpPr/>
-        <p:nvPr/>
-      </p:nvGrpSpPr>
-      <p:grpSpPr>
-        <a:xfrm>
-          <a:off x="0" y="0"/>
-          <a:ext cx="0" cy="0"/>
-          <a:chOff x="0" y="0"/>
-          <a:chExt cx="0" cy="0"/>
-        </a:xfrm>
-      </p:grpSpPr>
-      <p:sp>
-        <p:nvSpPr>
-          <p:cNvPr id="47" name="Google Shape;47;p7"/>
-          <p:cNvSpPr txBox="1">
-            <a:spLocks noGrp="1"/>
-          </p:cNvSpPr>
-          <p:nvPr>
-            <p:ph type="ctrTitle"/>
-          </p:nvPr>
-        </p:nvSpPr>
-        <p:spPr>
-          <a:xfrm>
-            <a:off x="1557931" y="2064013"/>
-            <a:ext cx="2076000" cy="196200"/>
-          </a:xfrm>
-          <a:prstGeom prst="rect">
-            <a:avLst/>
-          </a:prstGeom>
-        </p:spPr>
-        <p:txBody>
-          <a:bodyPr spcFirstLastPara="1" wrap="square" lIns="91425" tIns="91425" rIns="91425" bIns="91425" anchor="b" anchorCtr="0">
-            <a:noAutofit/>
-          </a:bodyPr>
-          <a:lstStyle>
-            <a:lvl1pPr lvl="0" rtl="0">
-              <a:spcBef>
-                <a:spcPts val="0"/>
-              </a:spcBef>
-              <a:spcAft>
-                <a:spcPts val="0"/>
-              </a:spcAft>
-              <a:buClr>
-                <a:schemeClr val="accent1"/>
-              </a:buClr>
-              <a:buSzPts val="1100"/>
-              <a:buFont typeface="Roboto Black"/>
-              <a:buNone/>
-              <a:defRPr sz="1100" b="0">
-                <a:solidFill>
-                  <a:schemeClr val="accent1"/>
-                </a:solidFill>
-                <a:latin typeface="Roboto Black"/>
-                <a:ea typeface="Roboto Black"/>
-                <a:cs typeface="Roboto Black"/>
-                <a:sym typeface="Roboto Black"/>
-              </a:defRPr>
-            </a:lvl1pPr>
-            <a:lvl2pPr lvl="1" rtl="0">
-              <a:spcBef>
-                <a:spcPts val="0"/>
-              </a:spcBef>
-              <a:spcAft>
-                <a:spcPts val="0"/>
-              </a:spcAft>
-              <a:buClr>
-                <a:schemeClr val="accent1"/>
-              </a:buClr>
-              <a:buSzPts val="1100"/>
-              <a:buFont typeface="Roboto Black"/>
-              <a:buNone/>
-              <a:defRPr sz="1100" b="0">
-                <a:solidFill>
-                  <a:schemeClr val="accent1"/>
-                </a:solidFill>
-                <a:latin typeface="Roboto Black"/>
-                <a:ea typeface="Roboto Black"/>
-                <a:cs typeface="Roboto Black"/>
-                <a:sym typeface="Roboto Black"/>
-              </a:defRPr>
-            </a:lvl2pPr>
-            <a:lvl3pPr lvl="2" rtl="0">
-              <a:spcBef>
-                <a:spcPts val="0"/>
-              </a:spcBef>
-              <a:spcAft>
-                <a:spcPts val="0"/>
-              </a:spcAft>
-              <a:buClr>
-                <a:schemeClr val="accent1"/>
-              </a:buClr>
-              <a:buSzPts val="1100"/>
-              <a:buFont typeface="Roboto Black"/>
-              <a:buNone/>
-              <a:defRPr sz="1100" b="0">
-                <a:solidFill>
-                  <a:schemeClr val="accent1"/>
-                </a:solidFill>
-                <a:latin typeface="Roboto Black"/>
-                <a:ea typeface="Roboto Black"/>
-                <a:cs typeface="Roboto Black"/>
-                <a:sym typeface="Roboto Black"/>
-              </a:defRPr>
-            </a:lvl3pPr>
-            <a:lvl4pPr lvl="3" rtl="0">
-              <a:spcBef>
-                <a:spcPts val="0"/>
-              </a:spcBef>
-              <a:spcAft>
-                <a:spcPts val="0"/>
-              </a:spcAft>
-              <a:buClr>
-                <a:schemeClr val="accent1"/>
-              </a:buClr>
-              <a:buSzPts val="1100"/>
-              <a:buFont typeface="Roboto Black"/>
-              <a:buNone/>
-              <a:defRPr sz="1100" b="0">
-                <a:solidFill>
-                  <a:schemeClr val="accent1"/>
-                </a:solidFill>
-                <a:latin typeface="Roboto Black"/>
-                <a:ea typeface="Roboto Black"/>
-                <a:cs typeface="Roboto Black"/>
-                <a:sym typeface="Roboto Black"/>
-              </a:defRPr>
-            </a:lvl4pPr>
-            <a:lvl5pPr lvl="4" rtl="0">
-              <a:spcBef>
-                <a:spcPts val="0"/>
-              </a:spcBef>
-              <a:spcAft>
-                <a:spcPts val="0"/>
-              </a:spcAft>
-              <a:buClr>
-                <a:schemeClr val="accent1"/>
-              </a:buClr>
-              <a:buSzPts val="1100"/>
-              <a:buFont typeface="Roboto Black"/>
-              <a:buNone/>
-              <a:defRPr sz="1100" b="0">
-                <a:solidFill>
-                  <a:schemeClr val="accent1"/>
-                </a:solidFill>
-                <a:latin typeface="Roboto Black"/>
-                <a:ea typeface="Roboto Black"/>
-                <a:cs typeface="Roboto Black"/>
-                <a:sym typeface="Roboto Black"/>
-              </a:defRPr>
-            </a:lvl5pPr>
-            <a:lvl6pPr lvl="5" rtl="0">
-              <a:spcBef>
-                <a:spcPts val="0"/>
-              </a:spcBef>
-              <a:spcAft>
-                <a:spcPts val="0"/>
-              </a:spcAft>
-              <a:buClr>
-                <a:schemeClr val="accent1"/>
-              </a:buClr>
-              <a:buSzPts val="1100"/>
-              <a:buFont typeface="Roboto Black"/>
-              <a:buNone/>
-              <a:defRPr sz="1100" b="0">
-                <a:solidFill>
-                  <a:schemeClr val="accent1"/>
-                </a:solidFill>
-                <a:latin typeface="Roboto Black"/>
-                <a:ea typeface="Roboto Black"/>
-                <a:cs typeface="Roboto Black"/>
-                <a:sym typeface="Roboto Black"/>
-              </a:defRPr>
-            </a:lvl6pPr>
-            <a:lvl7pPr lvl="6" rtl="0">
-              <a:spcBef>
-                <a:spcPts val="0"/>
-              </a:spcBef>
-              <a:spcAft>
-                <a:spcPts val="0"/>
-              </a:spcAft>
-              <a:buClr>
-                <a:schemeClr val="accent1"/>
-              </a:buClr>
-              <a:buSzPts val="1100"/>
-              <a:buFont typeface="Roboto Black"/>
-              <a:buNone/>
-              <a:defRPr sz="1100" b="0">
-                <a:solidFill>
-                  <a:schemeClr val="accent1"/>
-                </a:solidFill>
-                <a:latin typeface="Roboto Black"/>
-                <a:ea typeface="Roboto Black"/>
-                <a:cs typeface="Roboto Black"/>
-                <a:sym typeface="Roboto Black"/>
-              </a:defRPr>
-            </a:lvl7pPr>
-            <a:lvl8pPr lvl="7" rtl="0">
-              <a:spcBef>
-                <a:spcPts val="0"/>
-              </a:spcBef>
-              <a:spcAft>
-                <a:spcPts val="0"/>
-              </a:spcAft>
-              <a:buClr>
-                <a:schemeClr val="accent1"/>
-              </a:buClr>
-              <a:buSzPts val="1100"/>
-              <a:buFont typeface="Roboto Black"/>
-              <a:buNone/>
-              <a:defRPr sz="1100" b="0">
-                <a:solidFill>
-                  <a:schemeClr val="accent1"/>
-                </a:solidFill>
-                <a:latin typeface="Roboto Black"/>
-                <a:ea typeface="Roboto Black"/>
-                <a:cs typeface="Roboto Black"/>
-                <a:sym typeface="Roboto Black"/>
-              </a:defRPr>
-            </a:lvl8pPr>
-            <a:lvl9pPr lvl="8" rtl="0">
-              <a:spcBef>
-                <a:spcPts val="0"/>
-              </a:spcBef>
-              <a:spcAft>
-                <a:spcPts val="0"/>
-              </a:spcAft>
-              <a:buClr>
-                <a:schemeClr val="accent1"/>
-              </a:buClr>
-              <a:buSzPts val="1100"/>
-              <a:buFont typeface="Roboto Black"/>
-              <a:buNone/>
-              <a:defRPr sz="1100" b="0">
-                <a:solidFill>
-                  <a:schemeClr val="accent1"/>
-                </a:solidFill>
-                <a:latin typeface="Roboto Black"/>
-                <a:ea typeface="Roboto Black"/>
-                <a:cs typeface="Roboto Black"/>
-                <a:sym typeface="Roboto Black"/>
-              </a:defRPr>
-            </a:lvl9pPr>
-          </a:lstStyle>
-          <a:p>
-            <a:endParaRPr/>
-          </a:p>
-        </p:txBody>
-      </p:sp>
-      <p:sp>
-        <p:nvSpPr>
-          <p:cNvPr id="48" name="Google Shape;48;p7"/>
-          <p:cNvSpPr txBox="1">
-            <a:spLocks noGrp="1"/>
-          </p:cNvSpPr>
-          <p:nvPr>
-            <p:ph type="ctrTitle" idx="2"/>
-          </p:nvPr>
-        </p:nvSpPr>
-        <p:spPr>
-          <a:xfrm>
-            <a:off x="1557931" y="3466700"/>
-            <a:ext cx="2076000" cy="196200"/>
-          </a:xfrm>
-          <a:prstGeom prst="rect">
-            <a:avLst/>
-          </a:prstGeom>
-        </p:spPr>
-        <p:txBody>
-          <a:bodyPr spcFirstLastPara="1" wrap="square" lIns="91425" tIns="91425" rIns="91425" bIns="91425" anchor="b" anchorCtr="0">
-            <a:noAutofit/>
-          </a:bodyPr>
-          <a:lstStyle>
-            <a:lvl1pPr lvl="0" rtl="0">
-              <a:spcBef>
-                <a:spcPts val="0"/>
-              </a:spcBef>
-              <a:spcAft>
-                <a:spcPts val="0"/>
-              </a:spcAft>
-              <a:buClr>
-                <a:schemeClr val="accent1"/>
-              </a:buClr>
-              <a:buSzPts val="1100"/>
-              <a:buFont typeface="Roboto Black"/>
-              <a:buNone/>
-              <a:defRPr sz="1100" b="0">
-                <a:solidFill>
-                  <a:schemeClr val="accent1"/>
-                </a:solidFill>
-                <a:latin typeface="Roboto Black"/>
-                <a:ea typeface="Roboto Black"/>
-                <a:cs typeface="Roboto Black"/>
-                <a:sym typeface="Roboto Black"/>
-              </a:defRPr>
-            </a:lvl1pPr>
-            <a:lvl2pPr lvl="1" rtl="0">
-              <a:spcBef>
-                <a:spcPts val="0"/>
-              </a:spcBef>
-              <a:spcAft>
-                <a:spcPts val="0"/>
-              </a:spcAft>
-              <a:buClr>
-                <a:schemeClr val="accent1"/>
-              </a:buClr>
-              <a:buSzPts val="1100"/>
-              <a:buFont typeface="Roboto Black"/>
-              <a:buNone/>
-              <a:defRPr sz="1100" b="0">
-                <a:solidFill>
-                  <a:schemeClr val="accent1"/>
-                </a:solidFill>
-                <a:latin typeface="Roboto Black"/>
-                <a:ea typeface="Roboto Black"/>
-                <a:cs typeface="Roboto Black"/>
-                <a:sym typeface="Roboto Black"/>
-              </a:defRPr>
-            </a:lvl2pPr>
-            <a:lvl3pPr lvl="2" rtl="0">
-              <a:spcBef>
-                <a:spcPts val="0"/>
-              </a:spcBef>
-              <a:spcAft>
-                <a:spcPts val="0"/>
-              </a:spcAft>
-              <a:buClr>
-                <a:schemeClr val="accent1"/>
-              </a:buClr>
-              <a:buSzPts val="1100"/>
-              <a:buFont typeface="Roboto Black"/>
-              <a:buNone/>
-              <a:defRPr sz="1100" b="0">
-                <a:solidFill>
-                  <a:schemeClr val="accent1"/>
-                </a:solidFill>
-                <a:latin typeface="Roboto Black"/>
-                <a:ea typeface="Roboto Black"/>
-                <a:cs typeface="Roboto Black"/>
-                <a:sym typeface="Roboto Black"/>
-              </a:defRPr>
-            </a:lvl3pPr>
-            <a:lvl4pPr lvl="3" rtl="0">
-              <a:spcBef>
-                <a:spcPts val="0"/>
-              </a:spcBef>
-              <a:spcAft>
-                <a:spcPts val="0"/>
-              </a:spcAft>
-              <a:buClr>
-                <a:schemeClr val="accent1"/>
-              </a:buClr>
-              <a:buSzPts val="1100"/>
-              <a:buFont typeface="Roboto Black"/>
-              <a:buNone/>
-              <a:defRPr sz="1100" b="0">
-                <a:solidFill>
-                  <a:schemeClr val="accent1"/>
-                </a:solidFill>
-                <a:latin typeface="Roboto Black"/>
-                <a:ea typeface="Roboto Black"/>
-                <a:cs typeface="Roboto Black"/>
-                <a:sym typeface="Roboto Black"/>
-              </a:defRPr>
-            </a:lvl4pPr>
-            <a:lvl5pPr lvl="4" rtl="0">
-              <a:spcBef>
-                <a:spcPts val="0"/>
-              </a:spcBef>
-              <a:spcAft>
-                <a:spcPts val="0"/>
-              </a:spcAft>
-              <a:buClr>
-                <a:schemeClr val="accent1"/>
-              </a:buClr>
-              <a:buSzPts val="1100"/>
-              <a:buFont typeface="Roboto Black"/>
-              <a:buNone/>
-              <a:defRPr sz="1100" b="0">
-                <a:solidFill>
-                  <a:schemeClr val="accent1"/>
-                </a:solidFill>
-                <a:latin typeface="Roboto Black"/>
-                <a:ea typeface="Roboto Black"/>
-                <a:cs typeface="Roboto Black"/>
-                <a:sym typeface="Roboto Black"/>
-              </a:defRPr>
-            </a:lvl5pPr>
-            <a:lvl6pPr lvl="5" rtl="0">
-              <a:spcBef>
-                <a:spcPts val="0"/>
-              </a:spcBef>
-              <a:spcAft>
-                <a:spcPts val="0"/>
-              </a:spcAft>
-              <a:buClr>
-                <a:schemeClr val="accent1"/>
-              </a:buClr>
-              <a:buSzPts val="1100"/>
-              <a:buFont typeface="Roboto Black"/>
-              <a:buNone/>
-              <a:defRPr sz="1100" b="0">
-                <a:solidFill>
-                  <a:schemeClr val="accent1"/>
-                </a:solidFill>
-                <a:latin typeface="Roboto Black"/>
-                <a:ea typeface="Roboto Black"/>
-                <a:cs typeface="Roboto Black"/>
-                <a:sym typeface="Roboto Black"/>
-              </a:defRPr>
-            </a:lvl6pPr>
-            <a:lvl7pPr lvl="6" rtl="0">
-              <a:spcBef>
-                <a:spcPts val="0"/>
-              </a:spcBef>
-              <a:spcAft>
-                <a:spcPts val="0"/>
-              </a:spcAft>
-              <a:buClr>
-                <a:schemeClr val="accent1"/>
-              </a:buClr>
-              <a:buSzPts val="1100"/>
-              <a:buFont typeface="Roboto Black"/>
-              <a:buNone/>
-              <a:defRPr sz="1100" b="0">
-                <a:solidFill>
-                  <a:schemeClr val="accent1"/>
-                </a:solidFill>
-                <a:latin typeface="Roboto Black"/>
-                <a:ea typeface="Roboto Black"/>
-                <a:cs typeface="Roboto Black"/>
-                <a:sym typeface="Roboto Black"/>
-              </a:defRPr>
-            </a:lvl7pPr>
-            <a:lvl8pPr lvl="7" rtl="0">
-              <a:spcBef>
-                <a:spcPts val="0"/>
-              </a:spcBef>
-              <a:spcAft>
-                <a:spcPts val="0"/>
-              </a:spcAft>
-              <a:buClr>
-                <a:schemeClr val="accent1"/>
-              </a:buClr>
-              <a:buSzPts val="1100"/>
-              <a:buFont typeface="Roboto Black"/>
-              <a:buNone/>
-              <a:defRPr sz="1100" b="0">
-                <a:solidFill>
-                  <a:schemeClr val="accent1"/>
-                </a:solidFill>
-                <a:latin typeface="Roboto Black"/>
-                <a:ea typeface="Roboto Black"/>
-                <a:cs typeface="Roboto Black"/>
-                <a:sym typeface="Roboto Black"/>
-              </a:defRPr>
-            </a:lvl8pPr>
-            <a:lvl9pPr lvl="8" rtl="0">
-              <a:spcBef>
-                <a:spcPts val="0"/>
-              </a:spcBef>
-              <a:spcAft>
-                <a:spcPts val="0"/>
-              </a:spcAft>
-              <a:buClr>
-                <a:schemeClr val="accent1"/>
-              </a:buClr>
-              <a:buSzPts val="1100"/>
-              <a:buFont typeface="Roboto Black"/>
-              <a:buNone/>
-              <a:defRPr sz="1100" b="0">
-                <a:solidFill>
-                  <a:schemeClr val="accent1"/>
-                </a:solidFill>
-                <a:latin typeface="Roboto Black"/>
-                <a:ea typeface="Roboto Black"/>
-                <a:cs typeface="Roboto Black"/>
-                <a:sym typeface="Roboto Black"/>
-              </a:defRPr>
-            </a:lvl9pPr>
-          </a:lstStyle>
-          <a:p>
-            <a:endParaRPr/>
-          </a:p>
-        </p:txBody>
-      </p:sp>
-      <p:sp>
-        <p:nvSpPr>
-          <p:cNvPr id="49" name="Google Shape;49;p7"/>
-          <p:cNvSpPr txBox="1">
-            <a:spLocks noGrp="1"/>
-          </p:cNvSpPr>
-          <p:nvPr>
-            <p:ph type="ctrTitle" idx="3"/>
-          </p:nvPr>
-        </p:nvSpPr>
-        <p:spPr>
-          <a:xfrm>
-            <a:off x="1557931" y="2765356"/>
-            <a:ext cx="2076000" cy="196200"/>
-          </a:xfrm>
-          <a:prstGeom prst="rect">
-            <a:avLst/>
-          </a:prstGeom>
-        </p:spPr>
-        <p:txBody>
-          <a:bodyPr spcFirstLastPara="1" wrap="square" lIns="91425" tIns="91425" rIns="91425" bIns="91425" anchor="b" anchorCtr="0">
-            <a:noAutofit/>
-          </a:bodyPr>
-          <a:lstStyle>
-            <a:lvl1pPr lvl="0" rtl="0">
-              <a:spcBef>
-                <a:spcPts val="0"/>
-              </a:spcBef>
-              <a:spcAft>
-                <a:spcPts val="0"/>
-              </a:spcAft>
-              <a:buClr>
-                <a:schemeClr val="accent1"/>
-              </a:buClr>
-              <a:buSzPts val="1100"/>
-              <a:buFont typeface="Roboto Black"/>
-              <a:buNone/>
-              <a:defRPr sz="1100" b="0">
-                <a:solidFill>
-                  <a:schemeClr val="accent1"/>
-                </a:solidFill>
-                <a:latin typeface="Roboto Black"/>
-                <a:ea typeface="Roboto Black"/>
-                <a:cs typeface="Roboto Black"/>
-                <a:sym typeface="Roboto Black"/>
-              </a:defRPr>
-            </a:lvl1pPr>
-            <a:lvl2pPr lvl="1" rtl="0">
-              <a:spcBef>
-                <a:spcPts val="0"/>
-              </a:spcBef>
-              <a:spcAft>
-                <a:spcPts val="0"/>
-              </a:spcAft>
-              <a:buClr>
-                <a:schemeClr val="accent1"/>
-              </a:buClr>
-              <a:buSzPts val="1100"/>
-              <a:buFont typeface="Roboto Black"/>
-              <a:buNone/>
-              <a:defRPr sz="1100" b="0">
-                <a:solidFill>
-                  <a:schemeClr val="accent1"/>
-                </a:solidFill>
-                <a:latin typeface="Roboto Black"/>
-                <a:ea typeface="Roboto Black"/>
-                <a:cs typeface="Roboto Black"/>
-                <a:sym typeface="Roboto Black"/>
-              </a:defRPr>
-            </a:lvl2pPr>
-            <a:lvl3pPr lvl="2" rtl="0">
-              <a:spcBef>
-                <a:spcPts val="0"/>
-              </a:spcBef>
-              <a:spcAft>
-                <a:spcPts val="0"/>
-              </a:spcAft>
-              <a:buClr>
-                <a:schemeClr val="accent1"/>
-              </a:buClr>
-              <a:buSzPts val="1100"/>
-              <a:buFont typeface="Roboto Black"/>
-              <a:buNone/>
-              <a:defRPr sz="1100" b="0">
-                <a:solidFill>
-                  <a:schemeClr val="accent1"/>
-                </a:solidFill>
-                <a:latin typeface="Roboto Black"/>
-                <a:ea typeface="Roboto Black"/>
-                <a:cs typeface="Roboto Black"/>
-                <a:sym typeface="Roboto Black"/>
-              </a:defRPr>
-            </a:lvl3pPr>
-            <a:lvl4pPr lvl="3" rtl="0">
-              <a:spcBef>
-                <a:spcPts val="0"/>
-              </a:spcBef>
-              <a:spcAft>
-                <a:spcPts val="0"/>
-              </a:spcAft>
-              <a:buClr>
-                <a:schemeClr val="accent1"/>
-              </a:buClr>
-              <a:buSzPts val="1100"/>
-              <a:buFont typeface="Roboto Black"/>
-              <a:buNone/>
-              <a:defRPr sz="1100" b="0">
-                <a:solidFill>
-                  <a:schemeClr val="accent1"/>
-                </a:solidFill>
-                <a:latin typeface="Roboto Black"/>
-                <a:ea typeface="Roboto Black"/>
-                <a:cs typeface="Roboto Black"/>
-                <a:sym typeface="Roboto Black"/>
-              </a:defRPr>
-            </a:lvl4pPr>
-            <a:lvl5pPr lvl="4" rtl="0">
-              <a:spcBef>
-                <a:spcPts val="0"/>
-              </a:spcBef>
-              <a:spcAft>
-                <a:spcPts val="0"/>
-              </a:spcAft>
-              <a:buClr>
-                <a:schemeClr val="accent1"/>
-              </a:buClr>
-              <a:buSzPts val="1100"/>
-              <a:buFont typeface="Roboto Black"/>
-              <a:buNone/>
-              <a:defRPr sz="1100" b="0">
-                <a:solidFill>
-                  <a:schemeClr val="accent1"/>
-                </a:solidFill>
-                <a:latin typeface="Roboto Black"/>
-                <a:ea typeface="Roboto Black"/>
-                <a:cs typeface="Roboto Black"/>
-                <a:sym typeface="Roboto Black"/>
-              </a:defRPr>
-            </a:lvl5pPr>
-            <a:lvl6pPr lvl="5" rtl="0">
-              <a:spcBef>
-                <a:spcPts val="0"/>
-              </a:spcBef>
-              <a:spcAft>
-                <a:spcPts val="0"/>
-              </a:spcAft>
-              <a:buClr>
-                <a:schemeClr val="accent1"/>
-              </a:buClr>
-              <a:buSzPts val="1100"/>
-              <a:buFont typeface="Roboto Black"/>
-              <a:buNone/>
-              <a:defRPr sz="1100" b="0">
-                <a:solidFill>
-                  <a:schemeClr val="accent1"/>
-                </a:solidFill>
-                <a:latin typeface="Roboto Black"/>
-                <a:ea typeface="Roboto Black"/>
-                <a:cs typeface="Roboto Black"/>
-                <a:sym typeface="Roboto Black"/>
-              </a:defRPr>
-            </a:lvl6pPr>
-            <a:lvl7pPr lvl="6" rtl="0">
-              <a:spcBef>
-                <a:spcPts val="0"/>
-              </a:spcBef>
-              <a:spcAft>
-                <a:spcPts val="0"/>
-              </a:spcAft>
-              <a:buClr>
-                <a:schemeClr val="accent1"/>
-              </a:buClr>
-              <a:buSzPts val="1100"/>
-              <a:buFont typeface="Roboto Black"/>
-              <a:buNone/>
-              <a:defRPr sz="1100" b="0">
-                <a:solidFill>
-                  <a:schemeClr val="accent1"/>
-                </a:solidFill>
-                <a:latin typeface="Roboto Black"/>
-                <a:ea typeface="Roboto Black"/>
-                <a:cs typeface="Roboto Black"/>
-                <a:sym typeface="Roboto Black"/>
-              </a:defRPr>
-            </a:lvl7pPr>
-            <a:lvl8pPr lvl="7" rtl="0">
-              <a:spcBef>
-                <a:spcPts val="0"/>
-              </a:spcBef>
-              <a:spcAft>
-                <a:spcPts val="0"/>
-              </a:spcAft>
-              <a:buClr>
-                <a:schemeClr val="accent1"/>
-              </a:buClr>
-              <a:buSzPts val="1100"/>
-              <a:buFont typeface="Roboto Black"/>
-              <a:buNone/>
-              <a:defRPr sz="1100" b="0">
-                <a:solidFill>
-                  <a:schemeClr val="accent1"/>
-                </a:solidFill>
-                <a:latin typeface="Roboto Black"/>
-                <a:ea typeface="Roboto Black"/>
-                <a:cs typeface="Roboto Black"/>
-                <a:sym typeface="Roboto Black"/>
-              </a:defRPr>
-            </a:lvl8pPr>
-            <a:lvl9pPr lvl="8" rtl="0">
-              <a:spcBef>
-                <a:spcPts val="0"/>
-              </a:spcBef>
-              <a:spcAft>
-                <a:spcPts val="0"/>
-              </a:spcAft>
-              <a:buClr>
-                <a:schemeClr val="accent1"/>
-              </a:buClr>
-              <a:buSzPts val="1100"/>
-              <a:buFont typeface="Roboto Black"/>
-              <a:buNone/>
-              <a:defRPr sz="1100" b="0">
-                <a:solidFill>
-                  <a:schemeClr val="accent1"/>
-                </a:solidFill>
-                <a:latin typeface="Roboto Black"/>
-                <a:ea typeface="Roboto Black"/>
-                <a:cs typeface="Roboto Black"/>
-                <a:sym typeface="Roboto Black"/>
-              </a:defRPr>
-            </a:lvl9pPr>
-          </a:lstStyle>
-          <a:p>
-            <a:endParaRPr/>
-          </a:p>
-        </p:txBody>
-      </p:sp>
-      <p:sp>
-        <p:nvSpPr>
-          <p:cNvPr id="50" name="Google Shape;50;p7"/>
-          <p:cNvSpPr txBox="1">
-            <a:spLocks noGrp="1"/>
-          </p:cNvSpPr>
-          <p:nvPr>
-            <p:ph type="ctrTitle" idx="4"/>
-          </p:nvPr>
-        </p:nvSpPr>
-        <p:spPr>
-          <a:xfrm>
-            <a:off x="998325" y="644550"/>
-            <a:ext cx="7833900" cy="606600"/>
-          </a:xfrm>
-          <a:prstGeom prst="rect">
-            <a:avLst/>
-          </a:prstGeom>
-        </p:spPr>
-        <p:txBody>
-          <a:bodyPr spcFirstLastPara="1" wrap="square" lIns="91425" tIns="91425" rIns="91425" bIns="91425" anchor="b" anchorCtr="0">
-            <a:noAutofit/>
-          </a:bodyPr>
-          <a:lstStyle>
-            <a:lvl1pPr lvl="0" rtl="0">
-              <a:spcBef>
-                <a:spcPts val="0"/>
-              </a:spcBef>
-              <a:spcAft>
-                <a:spcPts val="0"/>
-              </a:spcAft>
-              <a:buClr>
-                <a:srgbClr val="FFFFFF"/>
-              </a:buClr>
-              <a:buSzPts val="3000"/>
-              <a:buFont typeface="Roboto Black"/>
-              <a:buNone/>
-              <a:defRPr sz="3000" b="0">
-                <a:solidFill>
-                  <a:srgbClr val="FFFFFF"/>
-                </a:solidFill>
-                <a:latin typeface="Roboto Black"/>
-                <a:ea typeface="Roboto Black"/>
-                <a:cs typeface="Roboto Black"/>
-                <a:sym typeface="Roboto Black"/>
-              </a:defRPr>
-            </a:lvl1pPr>
-            <a:lvl2pPr lvl="1" rtl="0">
-              <a:spcBef>
-                <a:spcPts val="0"/>
-              </a:spcBef>
-              <a:spcAft>
-                <a:spcPts val="0"/>
-              </a:spcAft>
-              <a:buClr>
-                <a:srgbClr val="48FFD5"/>
-              </a:buClr>
-              <a:buSzPts val="5200"/>
-              <a:buNone/>
-              <a:defRPr sz="5200">
-                <a:solidFill>
-                  <a:srgbClr val="48FFD5"/>
-                </a:solidFill>
-              </a:defRPr>
-            </a:lvl2pPr>
-            <a:lvl3pPr lvl="2" rtl="0">
-              <a:spcBef>
-                <a:spcPts val="0"/>
-              </a:spcBef>
-              <a:spcAft>
-                <a:spcPts val="0"/>
-              </a:spcAft>
-              <a:buClr>
-                <a:srgbClr val="48FFD5"/>
-              </a:buClr>
-              <a:buSzPts val="5200"/>
-              <a:buNone/>
-              <a:defRPr sz="5200">
-                <a:solidFill>
-                  <a:srgbClr val="48FFD5"/>
-                </a:solidFill>
-              </a:defRPr>
-            </a:lvl3pPr>
-            <a:lvl4pPr lvl="3" rtl="0">
-              <a:spcBef>
-                <a:spcPts val="0"/>
-              </a:spcBef>
-              <a:spcAft>
-                <a:spcPts val="0"/>
-              </a:spcAft>
-              <a:buClr>
-                <a:srgbClr val="48FFD5"/>
-              </a:buClr>
-              <a:buSzPts val="5200"/>
-              <a:buNone/>
-              <a:defRPr sz="5200">
-                <a:solidFill>
-                  <a:srgbClr val="48FFD5"/>
-                </a:solidFill>
-              </a:defRPr>
-            </a:lvl4pPr>
-            <a:lvl5pPr lvl="4" rtl="0">
-              <a:spcBef>
-                <a:spcPts val="0"/>
-              </a:spcBef>
-              <a:spcAft>
-                <a:spcPts val="0"/>
-              </a:spcAft>
-              <a:buClr>
-                <a:srgbClr val="48FFD5"/>
-              </a:buClr>
-              <a:buSzPts val="5200"/>
-              <a:buNone/>
-              <a:defRPr sz="5200">
-                <a:solidFill>
-                  <a:srgbClr val="48FFD5"/>
-                </a:solidFill>
-              </a:defRPr>
-            </a:lvl5pPr>
-            <a:lvl6pPr lvl="5" rtl="0">
-              <a:spcBef>
-                <a:spcPts val="0"/>
-              </a:spcBef>
-              <a:spcAft>
-                <a:spcPts val="0"/>
-              </a:spcAft>
-              <a:buClr>
-                <a:srgbClr val="48FFD5"/>
-              </a:buClr>
-              <a:buSzPts val="5200"/>
-              <a:buNone/>
-              <a:defRPr sz="5200">
-                <a:solidFill>
-                  <a:srgbClr val="48FFD5"/>
-                </a:solidFill>
-              </a:defRPr>
-            </a:lvl6pPr>
-            <a:lvl7pPr lvl="6" rtl="0">
-              <a:spcBef>
-                <a:spcPts val="0"/>
-              </a:spcBef>
-              <a:spcAft>
-                <a:spcPts val="0"/>
-              </a:spcAft>
-              <a:buClr>
-                <a:srgbClr val="48FFD5"/>
-              </a:buClr>
-              <a:buSzPts val="5200"/>
-              <a:buNone/>
-              <a:defRPr sz="5200">
-                <a:solidFill>
-                  <a:srgbClr val="48FFD5"/>
-                </a:solidFill>
-              </a:defRPr>
-            </a:lvl7pPr>
-            <a:lvl8pPr lvl="7" rtl="0">
-              <a:spcBef>
-                <a:spcPts val="0"/>
-              </a:spcBef>
-              <a:spcAft>
-                <a:spcPts val="0"/>
-              </a:spcAft>
-              <a:buClr>
-                <a:srgbClr val="48FFD5"/>
-              </a:buClr>
-              <a:buSzPts val="5200"/>
-              <a:buNone/>
-              <a:defRPr sz="5200">
-                <a:solidFill>
-                  <a:srgbClr val="48FFD5"/>
-                </a:solidFill>
-              </a:defRPr>
-            </a:lvl8pPr>
-            <a:lvl9pPr lvl="8" rtl="0">
-              <a:spcBef>
-                <a:spcPts val="0"/>
-              </a:spcBef>
-              <a:spcAft>
-                <a:spcPts val="0"/>
-              </a:spcAft>
-              <a:buClr>
-                <a:srgbClr val="48FFD5"/>
-              </a:buClr>
-              <a:buSzPts val="5200"/>
-              <a:buNone/>
-              <a:defRPr sz="5200">
-                <a:solidFill>
-                  <a:srgbClr val="48FFD5"/>
-                </a:solidFill>
-              </a:defRPr>
-            </a:lvl9pPr>
-          </a:lstStyle>
-          <a:p>
-            <a:endParaRPr/>
-          </a:p>
-        </p:txBody>
-      </p:sp>
-    </p:spTree>
-  </p:cSld>
-  <p:clrMapOvr>
-    <a:masterClrMapping/>
-  </p:clrMapOvr>
-</p:sldLayout>
-</file>
-
-<file path=ppt/slideLayouts/slideLayout4.xml><?xml version="1.0" encoding="utf-8"?>
 <p:sldLayout xmlns:a="http://schemas.openxmlformats.org/drawingml/2006/main" xmlns:r="http://schemas.openxmlformats.org/officeDocument/2006/relationships" xmlns:p="http://schemas.openxmlformats.org/presentationml/2006/main" matchingName="TITLE + IMAGE">
   <p:cSld name="TITLE_1_1_2_1">
     <p:bg>
@@ -4723,7 +3776,7 @@
 </p:sldLayout>
 </file>
 
-<file path=ppt/slideLayouts/slideLayout5.xml><?xml version="1.0" encoding="utf-8"?>
+<file path=ppt/slideLayouts/slideLayout4.xml><?xml version="1.0" encoding="utf-8"?>
 <p:sldLayout xmlns:a="http://schemas.openxmlformats.org/drawingml/2006/main" xmlns:r="http://schemas.openxmlformats.org/officeDocument/2006/relationships" xmlns:p="http://schemas.openxmlformats.org/presentationml/2006/main" matchingName="THANKS">
   <p:cSld name="TITLE_1_1_1_2_2_1_1">
     <p:bg>
@@ -5267,7 +4320,7 @@
 </p:sldLayout>
 </file>
 
-<file path=ppt/slideLayouts/slideLayout6.xml><?xml version="1.0" encoding="utf-8"?>
+<file path=ppt/slideLayouts/slideLayout5.xml><?xml version="1.0" encoding="utf-8"?>
 <p:sldLayout xmlns:a="http://schemas.openxmlformats.org/drawingml/2006/main" xmlns:r="http://schemas.openxmlformats.org/officeDocument/2006/relationships" xmlns:p="http://schemas.openxmlformats.org/presentationml/2006/main" matchingName="BLANK SLIDE" type="blank">
   <p:cSld name="BLANK">
     <p:bg>
@@ -5300,7 +4353,7 @@
 </p:sldLayout>
 </file>
 
-<file path=ppt/slideLayouts/slideLayout7.xml><?xml version="1.0" encoding="utf-8"?>
+<file path=ppt/slideLayouts/slideLayout6.xml><?xml version="1.0" encoding="utf-8"?>
 <p:sldLayout xmlns:a="http://schemas.openxmlformats.org/drawingml/2006/main" xmlns:r="http://schemas.openxmlformats.org/officeDocument/2006/relationships" xmlns:p="http://schemas.openxmlformats.org/presentationml/2006/main" matchingName="TITLE + TEXT + IMAGE">
   <p:cSld name="TITLE + TEXT + IMAGE">
     <p:bg>
@@ -6356,11 +5409,10 @@
   <p:sldLayoutIdLst>
     <p:sldLayoutId id="2147483648" r:id="rId1"/>
     <p:sldLayoutId id="2147483651" r:id="rId2"/>
-    <p:sldLayoutId id="2147483653" r:id="rId3"/>
-    <p:sldLayoutId id="2147483656" r:id="rId4"/>
-    <p:sldLayoutId id="2147483660" r:id="rId5"/>
-    <p:sldLayoutId id="2147483663" r:id="rId6"/>
-    <p:sldLayoutId id="2147483667" r:id="rId7"/>
+    <p:sldLayoutId id="2147483656" r:id="rId3"/>
+    <p:sldLayoutId id="2147483660" r:id="rId4"/>
+    <p:sldLayoutId id="2147483663" r:id="rId5"/>
+    <p:sldLayoutId id="2147483667" r:id="rId6"/>
   </p:sldLayoutIdLst>
   <p:hf sldNum="0" hdr="0" ftr="0" dt="0"/>
   <p:txStyles>
@@ -17100,6 +16152,246 @@
           </a:prstGeom>
         </p:spPr>
       </p:pic>
+      <p:sp>
+        <p:nvSpPr>
+          <p:cNvPr id="6" name="Google Shape;263;p24">
+            <a:extLst>
+              <a:ext uri="{FF2B5EF4-FFF2-40B4-BE49-F238E27FC236}">
+                <a16:creationId xmlns:a16="http://schemas.microsoft.com/office/drawing/2014/main" id="{7CF72CDE-7840-CBD3-F35E-58C4A4F8D5FE}"/>
+              </a:ext>
+            </a:extLst>
+          </p:cNvPr>
+          <p:cNvSpPr txBox="1">
+            <a:spLocks noGrp="1"/>
+          </p:cNvSpPr>
+          <p:nvPr>
+            <p:ph type="subTitle" idx="1"/>
+          </p:nvPr>
+        </p:nvSpPr>
+        <p:spPr>
+          <a:xfrm>
+            <a:off x="1035867" y="3464028"/>
+            <a:ext cx="7072263" cy="1420500"/>
+          </a:xfrm>
+          <a:prstGeom prst="rect">
+            <a:avLst/>
+          </a:prstGeom>
+        </p:spPr>
+        <p:txBody>
+          <a:bodyPr spcFirstLastPara="1" wrap="square" lIns="91425" tIns="91425" rIns="91425" bIns="91425" anchor="t" anchorCtr="0">
+            <a:noAutofit/>
+          </a:bodyPr>
+          <a:lstStyle/>
+          <a:p>
+            <a:pPr marL="285750" lvl="0" indent="-285750" algn="l" rtl="0">
+              <a:spcBef>
+                <a:spcPts val="0"/>
+              </a:spcBef>
+              <a:spcAft>
+                <a:spcPts val="0"/>
+              </a:spcAft>
+              <a:buClr>
+                <a:srgbClr val="48FFD5"/>
+              </a:buClr>
+              <a:buSzPct val="100000"/>
+              <a:buFont typeface="Arial" panose="020B0604020202020204" pitchFamily="34" charset="0"/>
+              <a:buChar char="•"/>
+            </a:pPr>
+            <a:r>
+              <a:rPr lang="it-IT" sz="1600" dirty="0"/>
+              <a:t>Client </a:t>
+            </a:r>
+            <a:r>
+              <a:rPr lang="it-IT" sz="1600" dirty="0" err="1"/>
+              <a:t>connects</a:t>
+            </a:r>
+            <a:r>
+              <a:rPr lang="it-IT" sz="1600" dirty="0"/>
+              <a:t> to the </a:t>
+            </a:r>
+            <a:r>
+              <a:rPr lang="it-IT" sz="1600" dirty="0" err="1"/>
+              <a:t>frontend</a:t>
+            </a:r>
+            <a:r>
+              <a:rPr lang="it-IT" sz="1600" dirty="0"/>
+              <a:t> to </a:t>
+            </a:r>
+            <a:r>
+              <a:rPr lang="it-IT" sz="1600" dirty="0" err="1"/>
+              <a:t>get</a:t>
+            </a:r>
+            <a:r>
+              <a:rPr lang="it-IT" sz="1600" dirty="0"/>
+              <a:t> </a:t>
+            </a:r>
+            <a:r>
+              <a:rPr lang="it-IT" sz="1600" dirty="0" err="1"/>
+              <a:t>react</a:t>
+            </a:r>
+            <a:r>
+              <a:rPr lang="it-IT" sz="1600" dirty="0"/>
+              <a:t> </a:t>
+            </a:r>
+            <a:r>
+              <a:rPr lang="it-IT" sz="1600" dirty="0" err="1"/>
+              <a:t>interface</a:t>
+            </a:r>
+            <a:endParaRPr lang="it-IT" sz="1600" dirty="0"/>
+          </a:p>
+          <a:p>
+            <a:pPr marL="285750" lvl="0" indent="-285750" algn="l" rtl="0">
+              <a:spcBef>
+                <a:spcPts val="0"/>
+              </a:spcBef>
+              <a:spcAft>
+                <a:spcPts val="0"/>
+              </a:spcAft>
+              <a:buClr>
+                <a:srgbClr val="48FFD5"/>
+              </a:buClr>
+              <a:buSzPct val="100000"/>
+              <a:buFont typeface="Arial" panose="020B0604020202020204" pitchFamily="34" charset="0"/>
+              <a:buChar char="•"/>
+            </a:pPr>
+            <a:r>
+              <a:rPr lang="it-IT" sz="1600" dirty="0" err="1"/>
+              <a:t>Then</a:t>
+            </a:r>
+            <a:r>
+              <a:rPr lang="it-IT" sz="1600" dirty="0"/>
+              <a:t>, </a:t>
+            </a:r>
+            <a:r>
+              <a:rPr lang="it-IT" sz="1600" dirty="0" err="1"/>
+              <a:t>through</a:t>
+            </a:r>
+            <a:r>
+              <a:rPr lang="it-IT" sz="1600" dirty="0"/>
+              <a:t> REST </a:t>
+            </a:r>
+            <a:r>
+              <a:rPr lang="it-IT" sz="1600" dirty="0" err="1"/>
+              <a:t>APIs</a:t>
+            </a:r>
+            <a:r>
+              <a:rPr lang="it-IT" sz="1600" dirty="0"/>
+              <a:t>, </a:t>
+            </a:r>
+            <a:r>
+              <a:rPr lang="it-IT" sz="1600" dirty="0" err="1"/>
+              <a:t>frontend</a:t>
+            </a:r>
+            <a:r>
+              <a:rPr lang="it-IT" sz="1600" dirty="0"/>
+              <a:t> </a:t>
+            </a:r>
+            <a:r>
+              <a:rPr lang="it-IT" sz="1600" dirty="0" err="1"/>
+              <a:t>connects</a:t>
+            </a:r>
+            <a:r>
+              <a:rPr lang="it-IT" sz="1600" dirty="0"/>
+              <a:t> to </a:t>
+            </a:r>
+            <a:r>
+              <a:rPr lang="it-IT" sz="1600" dirty="0" err="1"/>
+              <a:t>backend</a:t>
+            </a:r>
+            <a:endParaRPr lang="it-IT" sz="1600" dirty="0"/>
+          </a:p>
+          <a:p>
+            <a:pPr marL="285750" lvl="0" indent="-285750" algn="l" rtl="0">
+              <a:spcBef>
+                <a:spcPts val="0"/>
+              </a:spcBef>
+              <a:spcAft>
+                <a:spcPts val="0"/>
+              </a:spcAft>
+              <a:buClr>
+                <a:srgbClr val="48FFD5"/>
+              </a:buClr>
+              <a:buSzPct val="100000"/>
+              <a:buFont typeface="Arial" panose="020B0604020202020204" pitchFamily="34" charset="0"/>
+              <a:buChar char="•"/>
+            </a:pPr>
+            <a:r>
+              <a:rPr lang="it-IT" sz="1600" dirty="0" err="1"/>
+              <a:t>Backend</a:t>
+            </a:r>
+            <a:r>
+              <a:rPr lang="it-IT" sz="1600" dirty="0"/>
+              <a:t> </a:t>
+            </a:r>
+            <a:r>
+              <a:rPr lang="it-IT" sz="1600" dirty="0" err="1"/>
+              <a:t>performs</a:t>
+            </a:r>
+            <a:r>
+              <a:rPr lang="it-IT" sz="1600" dirty="0"/>
+              <a:t> calls to the DNS library and query to </a:t>
+            </a:r>
+            <a:r>
+              <a:rPr lang="it-IT" sz="1600" dirty="0" err="1"/>
+              <a:t>MongoDB</a:t>
+            </a:r>
+            <a:endParaRPr lang="it-IT" sz="1600" dirty="0"/>
+          </a:p>
+          <a:p>
+            <a:pPr marL="285750" lvl="0" indent="-285750" algn="l" rtl="0">
+              <a:spcBef>
+                <a:spcPts val="0"/>
+              </a:spcBef>
+              <a:spcAft>
+                <a:spcPts val="0"/>
+              </a:spcAft>
+              <a:buClr>
+                <a:srgbClr val="48FFD5"/>
+              </a:buClr>
+              <a:buSzPct val="100000"/>
+              <a:buFont typeface="Arial" panose="020B0604020202020204" pitchFamily="34" charset="0"/>
+              <a:buChar char="•"/>
+            </a:pPr>
+            <a:r>
+              <a:rPr lang="it-IT" sz="1600" dirty="0" err="1"/>
+              <a:t>Finally</a:t>
+            </a:r>
+            <a:r>
+              <a:rPr lang="it-IT" sz="1600" dirty="0"/>
+              <a:t>, </a:t>
+            </a:r>
+            <a:r>
+              <a:rPr lang="it-IT" sz="1600" dirty="0" err="1"/>
+              <a:t>results</a:t>
+            </a:r>
+            <a:r>
+              <a:rPr lang="it-IT" sz="1600" dirty="0"/>
+              <a:t> are </a:t>
+            </a:r>
+            <a:r>
+              <a:rPr lang="it-IT" sz="1600" dirty="0" err="1"/>
+              <a:t>sended</a:t>
+            </a:r>
+            <a:r>
+              <a:rPr lang="it-IT" sz="1600" dirty="0"/>
+              <a:t> to the client</a:t>
+            </a:r>
+            <a:endParaRPr sz="1600" dirty="0"/>
+          </a:p>
+          <a:p>
+            <a:pPr marL="0" lvl="0" indent="0" algn="l" rtl="0">
+              <a:spcBef>
+                <a:spcPts val="0"/>
+              </a:spcBef>
+              <a:spcAft>
+                <a:spcPts val="0"/>
+              </a:spcAft>
+              <a:buNone/>
+            </a:pPr>
+            <a:endParaRPr dirty="0"/>
+          </a:p>
+        </p:txBody>
+      </p:sp>
     </p:spTree>
   </p:cSld>
   <p:clrMapOvr>
@@ -17395,7 +16687,7 @@
   <p:cSld>
     <p:spTree>
       <p:nvGrpSpPr>
-        <p:cNvPr id="1" name="Shape 399"/>
+        <p:cNvPr id="1" name="Shape 261"/>
         <p:cNvGrpSpPr/>
         <p:nvPr/>
       </p:nvGrpSpPr>
@@ -17409,13 +16701,232 @@
       </p:grpSpPr>
       <p:sp>
         <p:nvSpPr>
-          <p:cNvPr id="400" name="Google Shape;400;p28"/>
+          <p:cNvPr id="262" name="Google Shape;262;p24"/>
+          <p:cNvSpPr txBox="1">
+            <a:spLocks noGrp="1"/>
+          </p:cNvSpPr>
+          <p:nvPr>
+            <p:ph type="ctrTitle"/>
+          </p:nvPr>
+        </p:nvSpPr>
+        <p:spPr>
+          <a:xfrm>
+            <a:off x="5240287" y="499094"/>
+            <a:ext cx="3530400" cy="606600"/>
+          </a:xfrm>
+          <a:prstGeom prst="rect">
+            <a:avLst/>
+          </a:prstGeom>
+        </p:spPr>
+        <p:txBody>
+          <a:bodyPr spcFirstLastPara="1" wrap="square" lIns="91425" tIns="91425" rIns="91425" bIns="91425" anchor="b" anchorCtr="0">
+            <a:noAutofit/>
+          </a:bodyPr>
+          <a:lstStyle/>
+          <a:p>
+            <a:pPr marL="0" lvl="0" indent="0" algn="l" rtl="0">
+              <a:spcBef>
+                <a:spcPts val="0"/>
+              </a:spcBef>
+              <a:spcAft>
+                <a:spcPts val="0"/>
+              </a:spcAft>
+              <a:buNone/>
+            </a:pPr>
+            <a:r>
+              <a:rPr lang="es" sz="3000" dirty="0"/>
+              <a:t>BACKEND</a:t>
+            </a:r>
+            <a:endParaRPr sz="3000" dirty="0"/>
+          </a:p>
+        </p:txBody>
+      </p:sp>
+      <p:sp>
+        <p:nvSpPr>
+          <p:cNvPr id="263" name="Google Shape;263;p24"/>
+          <p:cNvSpPr txBox="1">
+            <a:spLocks noGrp="1"/>
+          </p:cNvSpPr>
+          <p:nvPr>
+            <p:ph type="subTitle" idx="1"/>
+          </p:nvPr>
+        </p:nvSpPr>
+        <p:spPr>
+          <a:xfrm>
+            <a:off x="5240287" y="1333344"/>
+            <a:ext cx="3457500" cy="1420500"/>
+          </a:xfrm>
+          <a:prstGeom prst="rect">
+            <a:avLst/>
+          </a:prstGeom>
+        </p:spPr>
+        <p:txBody>
+          <a:bodyPr spcFirstLastPara="1" wrap="square" lIns="91425" tIns="91425" rIns="91425" bIns="91425" anchor="t" anchorCtr="0">
+            <a:noAutofit/>
+          </a:bodyPr>
+          <a:lstStyle/>
+          <a:p>
+            <a:pPr marL="0" lvl="0" indent="0" algn="l" rtl="0">
+              <a:spcBef>
+                <a:spcPts val="0"/>
+              </a:spcBef>
+              <a:spcAft>
+                <a:spcPts val="0"/>
+              </a:spcAft>
+              <a:buClr>
+                <a:schemeClr val="dk1"/>
+              </a:buClr>
+              <a:buSzPts val="1100"/>
+              <a:buFont typeface="Arial"/>
+              <a:buNone/>
+            </a:pPr>
+            <a:r>
+              <a:rPr lang="it-IT" sz="1600" dirty="0"/>
+              <a:t>Node.js </a:t>
+            </a:r>
+            <a:r>
+              <a:rPr lang="it-IT" sz="1600" dirty="0" err="1"/>
+              <a:t>is</a:t>
+            </a:r>
+            <a:r>
+              <a:rPr lang="it-IT" sz="1600" dirty="0"/>
+              <a:t> an event-</a:t>
+            </a:r>
+            <a:r>
+              <a:rPr lang="it-IT" sz="1600" dirty="0" err="1"/>
+              <a:t>oriented</a:t>
+            </a:r>
+            <a:r>
+              <a:rPr lang="it-IT" sz="1600" dirty="0"/>
+              <a:t> cross-</a:t>
+            </a:r>
+            <a:r>
+              <a:rPr lang="it-IT" sz="1600" dirty="0" err="1"/>
+              <a:t>platform</a:t>
+            </a:r>
+            <a:r>
+              <a:rPr lang="it-IT" sz="1600" dirty="0"/>
+              <a:t> open source </a:t>
+            </a:r>
+            <a:r>
+              <a:rPr lang="it-IT" sz="1600" dirty="0" err="1"/>
+              <a:t>runtime</a:t>
+            </a:r>
+            <a:r>
+              <a:rPr lang="it-IT" sz="1600" dirty="0"/>
+              <a:t> system for running JavaScript code, </a:t>
+            </a:r>
+            <a:r>
+              <a:rPr lang="it-IT" sz="1600" dirty="0" err="1"/>
+              <a:t>built</a:t>
+            </a:r>
+            <a:r>
+              <a:rPr lang="it-IT" sz="1600" dirty="0"/>
+              <a:t> on Google </a:t>
+            </a:r>
+            <a:r>
+              <a:rPr lang="it-IT" sz="1600" dirty="0" err="1"/>
+              <a:t>Chrome’s</a:t>
+            </a:r>
+            <a:r>
+              <a:rPr lang="it-IT" sz="1600" dirty="0"/>
+              <a:t> V8 JavaScript </a:t>
+            </a:r>
+            <a:r>
+              <a:rPr lang="it-IT" sz="1600" dirty="0" err="1"/>
+              <a:t>engine</a:t>
+            </a:r>
+            <a:r>
+              <a:rPr lang="it-IT" sz="1600" dirty="0"/>
+              <a:t>.</a:t>
+            </a:r>
+            <a:endParaRPr sz="1600" dirty="0"/>
+          </a:p>
+          <a:p>
+            <a:pPr marL="0" lvl="0" indent="0" algn="l" rtl="0">
+              <a:spcBef>
+                <a:spcPts val="0"/>
+              </a:spcBef>
+              <a:spcAft>
+                <a:spcPts val="0"/>
+              </a:spcAft>
+              <a:buNone/>
+            </a:pPr>
+            <a:endParaRPr dirty="0"/>
+          </a:p>
+        </p:txBody>
+      </p:sp>
+      <p:cxnSp>
+        <p:nvCxnSpPr>
+          <p:cNvPr id="264" name="Google Shape;264;p24"/>
+          <p:cNvCxnSpPr/>
+          <p:nvPr/>
+        </p:nvCxnSpPr>
+        <p:spPr>
+          <a:xfrm>
+            <a:off x="5316412" y="1045444"/>
+            <a:ext cx="4448400" cy="0"/>
+          </a:xfrm>
+          <a:prstGeom prst="straightConnector1">
+            <a:avLst/>
+          </a:prstGeom>
+          <a:noFill/>
+          <a:ln w="9525" cap="flat" cmpd="sng">
+            <a:solidFill>
+              <a:schemeClr val="accent1"/>
+            </a:solidFill>
+            <a:prstDash val="solid"/>
+            <a:round/>
+            <a:headEnd type="none" w="med" len="med"/>
+            <a:tailEnd type="none" w="med" len="med"/>
+          </a:ln>
+        </p:spPr>
+      </p:cxnSp>
+      <p:pic>
+        <p:nvPicPr>
+          <p:cNvPr id="3" name="Immagine 2">
+            <a:extLst>
+              <a:ext uri="{FF2B5EF4-FFF2-40B4-BE49-F238E27FC236}">
+                <a16:creationId xmlns:a16="http://schemas.microsoft.com/office/drawing/2014/main" id="{C338286B-1717-1665-608D-32083042DF7F}"/>
+              </a:ext>
+            </a:extLst>
+          </p:cNvPr>
+          <p:cNvPicPr>
+            <a:picLocks noChangeAspect="1"/>
+          </p:cNvPicPr>
+          <p:nvPr/>
+        </p:nvPicPr>
+        <p:blipFill>
+          <a:blip r:embed="rId3"/>
+          <a:stretch>
+            <a:fillRect/>
+          </a:stretch>
+        </p:blipFill>
+        <p:spPr>
+          <a:xfrm>
+            <a:off x="930145" y="1105694"/>
+            <a:ext cx="2565222" cy="2886556"/>
+          </a:xfrm>
+          <a:prstGeom prst="rect">
+            <a:avLst/>
+          </a:prstGeom>
+        </p:spPr>
+      </p:pic>
+      <p:sp>
+        <p:nvSpPr>
+          <p:cNvPr id="9" name="Google Shape;400;p28">
+            <a:extLst>
+              <a:ext uri="{FF2B5EF4-FFF2-40B4-BE49-F238E27FC236}">
+                <a16:creationId xmlns:a16="http://schemas.microsoft.com/office/drawing/2014/main" id="{D683E29D-91B1-DC4D-7515-2284CB64E444}"/>
+              </a:ext>
+            </a:extLst>
+          </p:cNvPr>
           <p:cNvSpPr/>
           <p:nvPr/>
         </p:nvSpPr>
         <p:spPr>
           <a:xfrm>
-            <a:off x="1336225" y="3304888"/>
+            <a:off x="5832712" y="4384194"/>
             <a:ext cx="2326500" cy="381000"/>
           </a:xfrm>
           <a:prstGeom prst="homePlate">
@@ -17455,13 +16966,19 @@
       </p:sp>
       <p:sp>
         <p:nvSpPr>
-          <p:cNvPr id="401" name="Google Shape;401;p28"/>
+          <p:cNvPr id="11" name="Google Shape;401;p28">
+            <a:extLst>
+              <a:ext uri="{FF2B5EF4-FFF2-40B4-BE49-F238E27FC236}">
+                <a16:creationId xmlns:a16="http://schemas.microsoft.com/office/drawing/2014/main" id="{DB8EC351-8DA9-3B1E-6629-6D45517965D1}"/>
+              </a:ext>
+            </a:extLst>
+          </p:cNvPr>
           <p:cNvSpPr/>
           <p:nvPr/>
         </p:nvSpPr>
         <p:spPr>
           <a:xfrm>
-            <a:off x="1336225" y="2603538"/>
+            <a:off x="5832712" y="3682844"/>
             <a:ext cx="2326500" cy="381000"/>
           </a:xfrm>
           <a:prstGeom prst="homePlate">
@@ -17501,13 +17018,19 @@
       </p:sp>
       <p:sp>
         <p:nvSpPr>
-          <p:cNvPr id="402" name="Google Shape;402;p28"/>
+          <p:cNvPr id="12" name="Google Shape;402;p28">
+            <a:extLst>
+              <a:ext uri="{FF2B5EF4-FFF2-40B4-BE49-F238E27FC236}">
+                <a16:creationId xmlns:a16="http://schemas.microsoft.com/office/drawing/2014/main" id="{C5D5296E-A588-5F92-8411-C46BECE11DE0}"/>
+              </a:ext>
+            </a:extLst>
+          </p:cNvPr>
           <p:cNvSpPr/>
           <p:nvPr/>
         </p:nvSpPr>
         <p:spPr>
           <a:xfrm>
-            <a:off x="1336225" y="1902188"/>
+            <a:off x="5832712" y="2981494"/>
             <a:ext cx="2326500" cy="381000"/>
           </a:xfrm>
           <a:prstGeom prst="homePlate">
@@ -17547,63 +17070,319 @@
       </p:sp>
       <p:sp>
         <p:nvSpPr>
-          <p:cNvPr id="403" name="Google Shape;403;p28"/>
+          <p:cNvPr id="13" name="Google Shape;404;p28">
+            <a:extLst>
+              <a:ext uri="{FF2B5EF4-FFF2-40B4-BE49-F238E27FC236}">
+                <a16:creationId xmlns:a16="http://schemas.microsoft.com/office/drawing/2014/main" id="{7ECDEF6B-31C6-3476-F173-33F43A973BCA}"/>
+              </a:ext>
+            </a:extLst>
+          </p:cNvPr>
           <p:cNvSpPr txBox="1">
-            <a:spLocks noGrp="1"/>
+            <a:spLocks/>
           </p:cNvSpPr>
-          <p:nvPr>
-            <p:ph type="ctrTitle" idx="4"/>
-          </p:nvPr>
+          <p:nvPr/>
         </p:nvSpPr>
         <p:spPr>
           <a:xfrm>
-            <a:off x="998325" y="644550"/>
-            <a:ext cx="7833900" cy="606600"/>
+            <a:off x="6083212" y="3166294"/>
+            <a:ext cx="2076000" cy="196200"/>
           </a:xfrm>
           <a:prstGeom prst="rect">
             <a:avLst/>
           </a:prstGeom>
+          <a:noFill/>
+          <a:ln>
+            <a:noFill/>
+          </a:ln>
         </p:spPr>
         <p:txBody>
           <a:bodyPr spcFirstLastPara="1" wrap="square" lIns="91425" tIns="91425" rIns="91425" bIns="91425" anchor="b" anchorCtr="0">
             <a:noAutofit/>
           </a:bodyPr>
-          <a:lstStyle/>
+          <a:lstStyle>
+            <a:defPPr marR="0" lvl="0" algn="l" rtl="0">
+              <a:lnSpc>
+                <a:spcPct val="100000"/>
+              </a:lnSpc>
+              <a:spcBef>
+                <a:spcPts val="0"/>
+              </a:spcBef>
+              <a:spcAft>
+                <a:spcPts val="0"/>
+              </a:spcAft>
+            </a:defPPr>
+            <a:lvl1pPr marR="0" lvl="0" algn="l" rtl="0">
+              <a:lnSpc>
+                <a:spcPct val="100000"/>
+              </a:lnSpc>
+              <a:spcBef>
+                <a:spcPts val="0"/>
+              </a:spcBef>
+              <a:spcAft>
+                <a:spcPts val="0"/>
+              </a:spcAft>
+              <a:buClr>
+                <a:srgbClr val="FFFFFF"/>
+              </a:buClr>
+              <a:buSzPts val="3600"/>
+              <a:buFont typeface="Roboto Black"/>
+              <a:buNone/>
+              <a:defRPr sz="3600" b="0" i="0" u="none" strike="noStrike" cap="none">
+                <a:solidFill>
+                  <a:srgbClr val="FFFFFF"/>
+                </a:solidFill>
+                <a:latin typeface="Roboto Black"/>
+                <a:ea typeface="Roboto Black"/>
+                <a:cs typeface="Roboto Black"/>
+                <a:sym typeface="Roboto Black"/>
+              </a:defRPr>
+            </a:lvl1pPr>
+            <a:lvl2pPr marR="0" lvl="1" algn="ctr" rtl="0">
+              <a:lnSpc>
+                <a:spcPct val="100000"/>
+              </a:lnSpc>
+              <a:spcBef>
+                <a:spcPts val="0"/>
+              </a:spcBef>
+              <a:spcAft>
+                <a:spcPts val="0"/>
+              </a:spcAft>
+              <a:buClr>
+                <a:srgbClr val="FFFFFF"/>
+              </a:buClr>
+              <a:buSzPts val="5200"/>
+              <a:buFont typeface="Bree Serif"/>
+              <a:buNone/>
+              <a:defRPr sz="5200" b="1" i="0" u="none" strike="noStrike" cap="none">
+                <a:solidFill>
+                  <a:srgbClr val="FFFFFF"/>
+                </a:solidFill>
+                <a:latin typeface="Bree Serif"/>
+                <a:ea typeface="Bree Serif"/>
+                <a:cs typeface="Bree Serif"/>
+                <a:sym typeface="Bree Serif"/>
+              </a:defRPr>
+            </a:lvl2pPr>
+            <a:lvl3pPr marR="0" lvl="2" algn="ctr" rtl="0">
+              <a:lnSpc>
+                <a:spcPct val="100000"/>
+              </a:lnSpc>
+              <a:spcBef>
+                <a:spcPts val="0"/>
+              </a:spcBef>
+              <a:spcAft>
+                <a:spcPts val="0"/>
+              </a:spcAft>
+              <a:buClr>
+                <a:srgbClr val="FFFFFF"/>
+              </a:buClr>
+              <a:buSzPts val="5200"/>
+              <a:buFont typeface="Bree Serif"/>
+              <a:buNone/>
+              <a:defRPr sz="5200" b="1" i="0" u="none" strike="noStrike" cap="none">
+                <a:solidFill>
+                  <a:srgbClr val="FFFFFF"/>
+                </a:solidFill>
+                <a:latin typeface="Bree Serif"/>
+                <a:ea typeface="Bree Serif"/>
+                <a:cs typeface="Bree Serif"/>
+                <a:sym typeface="Bree Serif"/>
+              </a:defRPr>
+            </a:lvl3pPr>
+            <a:lvl4pPr marR="0" lvl="3" algn="ctr" rtl="0">
+              <a:lnSpc>
+                <a:spcPct val="100000"/>
+              </a:lnSpc>
+              <a:spcBef>
+                <a:spcPts val="0"/>
+              </a:spcBef>
+              <a:spcAft>
+                <a:spcPts val="0"/>
+              </a:spcAft>
+              <a:buClr>
+                <a:srgbClr val="FFFFFF"/>
+              </a:buClr>
+              <a:buSzPts val="5200"/>
+              <a:buFont typeface="Bree Serif"/>
+              <a:buNone/>
+              <a:defRPr sz="5200" b="1" i="0" u="none" strike="noStrike" cap="none">
+                <a:solidFill>
+                  <a:srgbClr val="FFFFFF"/>
+                </a:solidFill>
+                <a:latin typeface="Bree Serif"/>
+                <a:ea typeface="Bree Serif"/>
+                <a:cs typeface="Bree Serif"/>
+                <a:sym typeface="Bree Serif"/>
+              </a:defRPr>
+            </a:lvl4pPr>
+            <a:lvl5pPr marR="0" lvl="4" algn="ctr" rtl="0">
+              <a:lnSpc>
+                <a:spcPct val="100000"/>
+              </a:lnSpc>
+              <a:spcBef>
+                <a:spcPts val="0"/>
+              </a:spcBef>
+              <a:spcAft>
+                <a:spcPts val="0"/>
+              </a:spcAft>
+              <a:buClr>
+                <a:srgbClr val="FFFFFF"/>
+              </a:buClr>
+              <a:buSzPts val="5200"/>
+              <a:buFont typeface="Bree Serif"/>
+              <a:buNone/>
+              <a:defRPr sz="5200" b="1" i="0" u="none" strike="noStrike" cap="none">
+                <a:solidFill>
+                  <a:srgbClr val="FFFFFF"/>
+                </a:solidFill>
+                <a:latin typeface="Bree Serif"/>
+                <a:ea typeface="Bree Serif"/>
+                <a:cs typeface="Bree Serif"/>
+                <a:sym typeface="Bree Serif"/>
+              </a:defRPr>
+            </a:lvl5pPr>
+            <a:lvl6pPr marR="0" lvl="5" algn="ctr" rtl="0">
+              <a:lnSpc>
+                <a:spcPct val="100000"/>
+              </a:lnSpc>
+              <a:spcBef>
+                <a:spcPts val="0"/>
+              </a:spcBef>
+              <a:spcAft>
+                <a:spcPts val="0"/>
+              </a:spcAft>
+              <a:buClr>
+                <a:srgbClr val="FFFFFF"/>
+              </a:buClr>
+              <a:buSzPts val="5200"/>
+              <a:buFont typeface="Bree Serif"/>
+              <a:buNone/>
+              <a:defRPr sz="5200" b="1" i="0" u="none" strike="noStrike" cap="none">
+                <a:solidFill>
+                  <a:srgbClr val="FFFFFF"/>
+                </a:solidFill>
+                <a:latin typeface="Bree Serif"/>
+                <a:ea typeface="Bree Serif"/>
+                <a:cs typeface="Bree Serif"/>
+                <a:sym typeface="Bree Serif"/>
+              </a:defRPr>
+            </a:lvl6pPr>
+            <a:lvl7pPr marR="0" lvl="6" algn="ctr" rtl="0">
+              <a:lnSpc>
+                <a:spcPct val="100000"/>
+              </a:lnSpc>
+              <a:spcBef>
+                <a:spcPts val="0"/>
+              </a:spcBef>
+              <a:spcAft>
+                <a:spcPts val="0"/>
+              </a:spcAft>
+              <a:buClr>
+                <a:srgbClr val="FFFFFF"/>
+              </a:buClr>
+              <a:buSzPts val="5200"/>
+              <a:buFont typeface="Bree Serif"/>
+              <a:buNone/>
+              <a:defRPr sz="5200" b="1" i="0" u="none" strike="noStrike" cap="none">
+                <a:solidFill>
+                  <a:srgbClr val="FFFFFF"/>
+                </a:solidFill>
+                <a:latin typeface="Bree Serif"/>
+                <a:ea typeface="Bree Serif"/>
+                <a:cs typeface="Bree Serif"/>
+                <a:sym typeface="Bree Serif"/>
+              </a:defRPr>
+            </a:lvl7pPr>
+            <a:lvl8pPr marR="0" lvl="7" algn="ctr" rtl="0">
+              <a:lnSpc>
+                <a:spcPct val="100000"/>
+              </a:lnSpc>
+              <a:spcBef>
+                <a:spcPts val="0"/>
+              </a:spcBef>
+              <a:spcAft>
+                <a:spcPts val="0"/>
+              </a:spcAft>
+              <a:buClr>
+                <a:srgbClr val="FFFFFF"/>
+              </a:buClr>
+              <a:buSzPts val="5200"/>
+              <a:buFont typeface="Bree Serif"/>
+              <a:buNone/>
+              <a:defRPr sz="5200" b="1" i="0" u="none" strike="noStrike" cap="none">
+                <a:solidFill>
+                  <a:srgbClr val="FFFFFF"/>
+                </a:solidFill>
+                <a:latin typeface="Bree Serif"/>
+                <a:ea typeface="Bree Serif"/>
+                <a:cs typeface="Bree Serif"/>
+                <a:sym typeface="Bree Serif"/>
+              </a:defRPr>
+            </a:lvl8pPr>
+            <a:lvl9pPr marR="0" lvl="8" algn="ctr" rtl="0">
+              <a:lnSpc>
+                <a:spcPct val="100000"/>
+              </a:lnSpc>
+              <a:spcBef>
+                <a:spcPts val="0"/>
+              </a:spcBef>
+              <a:spcAft>
+                <a:spcPts val="0"/>
+              </a:spcAft>
+              <a:buClr>
+                <a:srgbClr val="FFFFFF"/>
+              </a:buClr>
+              <a:buSzPts val="5200"/>
+              <a:buFont typeface="Bree Serif"/>
+              <a:buNone/>
+              <a:defRPr sz="5200" b="1" i="0" u="none" strike="noStrike" cap="none">
+                <a:solidFill>
+                  <a:srgbClr val="FFFFFF"/>
+                </a:solidFill>
+                <a:latin typeface="Bree Serif"/>
+                <a:ea typeface="Bree Serif"/>
+                <a:cs typeface="Bree Serif"/>
+                <a:sym typeface="Bree Serif"/>
+              </a:defRPr>
+            </a:lvl9pPr>
+          </a:lstStyle>
           <a:p>
-            <a:pPr marL="0" lvl="0" indent="0" algn="l" rtl="0">
-              <a:spcBef>
-                <a:spcPts val="0"/>
-              </a:spcBef>
-              <a:spcAft>
-                <a:spcPts val="0"/>
-              </a:spcAft>
-              <a:buNone/>
-            </a:pPr>
             <a:r>
-              <a:rPr lang="es" dirty="0"/>
-              <a:t>BACKEND</a:t>
+              <a:rPr lang="it-IT" sz="1100" dirty="0" err="1">
+                <a:solidFill>
+                  <a:schemeClr val="dk1"/>
+                </a:solidFill>
+              </a:rPr>
+              <a:t>Rest</a:t>
             </a:r>
-            <a:endParaRPr dirty="0">
-              <a:solidFill>
-                <a:srgbClr val="FFFFFF"/>
-              </a:solidFill>
-            </a:endParaRPr>
+            <a:r>
+              <a:rPr lang="it-IT" sz="1100" dirty="0">
+                <a:solidFill>
+                  <a:schemeClr val="dk1"/>
+                </a:solidFill>
+              </a:rPr>
+              <a:t> API</a:t>
+            </a:r>
           </a:p>
         </p:txBody>
       </p:sp>
       <p:sp>
         <p:nvSpPr>
-          <p:cNvPr id="404" name="Google Shape;404;p28"/>
+          <p:cNvPr id="14" name="Google Shape;405;p28">
+            <a:extLst>
+              <a:ext uri="{FF2B5EF4-FFF2-40B4-BE49-F238E27FC236}">
+                <a16:creationId xmlns:a16="http://schemas.microsoft.com/office/drawing/2014/main" id="{8F1E806E-EAB6-C379-54E6-B99E3CFF71C9}"/>
+              </a:ext>
+            </a:extLst>
+          </p:cNvPr>
           <p:cNvSpPr txBox="1">
-            <a:spLocks noGrp="1"/>
+            <a:spLocks/>
           </p:cNvSpPr>
-          <p:nvPr>
-            <p:ph type="ctrTitle"/>
-          </p:nvPr>
+          <p:nvPr/>
         </p:nvSpPr>
         <p:spPr>
           <a:xfrm>
-            <a:off x="1586725" y="2086988"/>
+            <a:off x="6054418" y="4569892"/>
             <a:ext cx="2076000" cy="196200"/>
           </a:xfrm>
           <a:prstGeom prst="rect">
@@ -17614,46 +17393,283 @@
           <a:bodyPr spcFirstLastPara="1" wrap="square" lIns="91425" tIns="91425" rIns="91425" bIns="91425" anchor="b" anchorCtr="0">
             <a:noAutofit/>
           </a:bodyPr>
-          <a:lstStyle/>
+          <a:lstStyle>
+            <a:defPPr marR="0" lvl="0" algn="l" rtl="0">
+              <a:lnSpc>
+                <a:spcPct val="100000"/>
+              </a:lnSpc>
+              <a:spcBef>
+                <a:spcPts val="0"/>
+              </a:spcBef>
+              <a:spcAft>
+                <a:spcPts val="0"/>
+              </a:spcAft>
+            </a:defPPr>
+            <a:lvl1pPr marR="0" lvl="0" algn="l" rtl="0">
+              <a:lnSpc>
+                <a:spcPct val="100000"/>
+              </a:lnSpc>
+              <a:spcBef>
+                <a:spcPts val="0"/>
+              </a:spcBef>
+              <a:spcAft>
+                <a:spcPts val="0"/>
+              </a:spcAft>
+              <a:buClr>
+                <a:srgbClr val="000000"/>
+              </a:buClr>
+              <a:buFont typeface="Arial"/>
+              <a:defRPr sz="1400" b="0" i="0" u="none" strike="noStrike" cap="none">
+                <a:solidFill>
+                  <a:srgbClr val="000000"/>
+                </a:solidFill>
+                <a:latin typeface="Arial"/>
+                <a:ea typeface="Arial"/>
+                <a:cs typeface="Arial"/>
+                <a:sym typeface="Arial"/>
+              </a:defRPr>
+            </a:lvl1pPr>
+            <a:lvl2pPr marR="0" lvl="1" algn="l" rtl="0">
+              <a:lnSpc>
+                <a:spcPct val="100000"/>
+              </a:lnSpc>
+              <a:spcBef>
+                <a:spcPts val="0"/>
+              </a:spcBef>
+              <a:spcAft>
+                <a:spcPts val="0"/>
+              </a:spcAft>
+              <a:buClr>
+                <a:srgbClr val="000000"/>
+              </a:buClr>
+              <a:buFont typeface="Arial"/>
+              <a:defRPr sz="1400" b="0" i="0" u="none" strike="noStrike" cap="none">
+                <a:solidFill>
+                  <a:srgbClr val="000000"/>
+                </a:solidFill>
+                <a:latin typeface="Arial"/>
+                <a:ea typeface="Arial"/>
+                <a:cs typeface="Arial"/>
+                <a:sym typeface="Arial"/>
+              </a:defRPr>
+            </a:lvl2pPr>
+            <a:lvl3pPr marR="0" lvl="2" algn="l" rtl="0">
+              <a:lnSpc>
+                <a:spcPct val="100000"/>
+              </a:lnSpc>
+              <a:spcBef>
+                <a:spcPts val="0"/>
+              </a:spcBef>
+              <a:spcAft>
+                <a:spcPts val="0"/>
+              </a:spcAft>
+              <a:buClr>
+                <a:srgbClr val="000000"/>
+              </a:buClr>
+              <a:buFont typeface="Arial"/>
+              <a:defRPr sz="1400" b="0" i="0" u="none" strike="noStrike" cap="none">
+                <a:solidFill>
+                  <a:srgbClr val="000000"/>
+                </a:solidFill>
+                <a:latin typeface="Arial"/>
+                <a:ea typeface="Arial"/>
+                <a:cs typeface="Arial"/>
+                <a:sym typeface="Arial"/>
+              </a:defRPr>
+            </a:lvl3pPr>
+            <a:lvl4pPr marR="0" lvl="3" algn="l" rtl="0">
+              <a:lnSpc>
+                <a:spcPct val="100000"/>
+              </a:lnSpc>
+              <a:spcBef>
+                <a:spcPts val="0"/>
+              </a:spcBef>
+              <a:spcAft>
+                <a:spcPts val="0"/>
+              </a:spcAft>
+              <a:buClr>
+                <a:srgbClr val="000000"/>
+              </a:buClr>
+              <a:buFont typeface="Arial"/>
+              <a:defRPr sz="1400" b="0" i="0" u="none" strike="noStrike" cap="none">
+                <a:solidFill>
+                  <a:srgbClr val="000000"/>
+                </a:solidFill>
+                <a:latin typeface="Arial"/>
+                <a:ea typeface="Arial"/>
+                <a:cs typeface="Arial"/>
+                <a:sym typeface="Arial"/>
+              </a:defRPr>
+            </a:lvl4pPr>
+            <a:lvl5pPr marR="0" lvl="4" algn="l" rtl="0">
+              <a:lnSpc>
+                <a:spcPct val="100000"/>
+              </a:lnSpc>
+              <a:spcBef>
+                <a:spcPts val="0"/>
+              </a:spcBef>
+              <a:spcAft>
+                <a:spcPts val="0"/>
+              </a:spcAft>
+              <a:buClr>
+                <a:srgbClr val="000000"/>
+              </a:buClr>
+              <a:buFont typeface="Arial"/>
+              <a:defRPr sz="1400" b="0" i="0" u="none" strike="noStrike" cap="none">
+                <a:solidFill>
+                  <a:srgbClr val="000000"/>
+                </a:solidFill>
+                <a:latin typeface="Arial"/>
+                <a:ea typeface="Arial"/>
+                <a:cs typeface="Arial"/>
+                <a:sym typeface="Arial"/>
+              </a:defRPr>
+            </a:lvl5pPr>
+            <a:lvl6pPr marR="0" lvl="5" algn="l" rtl="0">
+              <a:lnSpc>
+                <a:spcPct val="100000"/>
+              </a:lnSpc>
+              <a:spcBef>
+                <a:spcPts val="0"/>
+              </a:spcBef>
+              <a:spcAft>
+                <a:spcPts val="0"/>
+              </a:spcAft>
+              <a:buClr>
+                <a:srgbClr val="000000"/>
+              </a:buClr>
+              <a:buFont typeface="Arial"/>
+              <a:defRPr sz="1400" b="0" i="0" u="none" strike="noStrike" cap="none">
+                <a:solidFill>
+                  <a:srgbClr val="000000"/>
+                </a:solidFill>
+                <a:latin typeface="Arial"/>
+                <a:ea typeface="Arial"/>
+                <a:cs typeface="Arial"/>
+                <a:sym typeface="Arial"/>
+              </a:defRPr>
+            </a:lvl6pPr>
+            <a:lvl7pPr marR="0" lvl="6" algn="l" rtl="0">
+              <a:lnSpc>
+                <a:spcPct val="100000"/>
+              </a:lnSpc>
+              <a:spcBef>
+                <a:spcPts val="0"/>
+              </a:spcBef>
+              <a:spcAft>
+                <a:spcPts val="0"/>
+              </a:spcAft>
+              <a:buClr>
+                <a:srgbClr val="000000"/>
+              </a:buClr>
+              <a:buFont typeface="Arial"/>
+              <a:defRPr sz="1400" b="0" i="0" u="none" strike="noStrike" cap="none">
+                <a:solidFill>
+                  <a:srgbClr val="000000"/>
+                </a:solidFill>
+                <a:latin typeface="Arial"/>
+                <a:ea typeface="Arial"/>
+                <a:cs typeface="Arial"/>
+                <a:sym typeface="Arial"/>
+              </a:defRPr>
+            </a:lvl7pPr>
+            <a:lvl8pPr marR="0" lvl="7" algn="l" rtl="0">
+              <a:lnSpc>
+                <a:spcPct val="100000"/>
+              </a:lnSpc>
+              <a:spcBef>
+                <a:spcPts val="0"/>
+              </a:spcBef>
+              <a:spcAft>
+                <a:spcPts val="0"/>
+              </a:spcAft>
+              <a:buClr>
+                <a:srgbClr val="000000"/>
+              </a:buClr>
+              <a:buFont typeface="Arial"/>
+              <a:defRPr sz="1400" b="0" i="0" u="none" strike="noStrike" cap="none">
+                <a:solidFill>
+                  <a:srgbClr val="000000"/>
+                </a:solidFill>
+                <a:latin typeface="Arial"/>
+                <a:ea typeface="Arial"/>
+                <a:cs typeface="Arial"/>
+                <a:sym typeface="Arial"/>
+              </a:defRPr>
+            </a:lvl8pPr>
+            <a:lvl9pPr marR="0" lvl="8" algn="l" rtl="0">
+              <a:lnSpc>
+                <a:spcPct val="100000"/>
+              </a:lnSpc>
+              <a:spcBef>
+                <a:spcPts val="0"/>
+              </a:spcBef>
+              <a:spcAft>
+                <a:spcPts val="0"/>
+              </a:spcAft>
+              <a:buClr>
+                <a:srgbClr val="000000"/>
+              </a:buClr>
+              <a:buFont typeface="Arial"/>
+              <a:defRPr sz="1400" b="0" i="0" u="none" strike="noStrike" cap="none">
+                <a:solidFill>
+                  <a:srgbClr val="000000"/>
+                </a:solidFill>
+                <a:latin typeface="Arial"/>
+                <a:ea typeface="Arial"/>
+                <a:cs typeface="Arial"/>
+                <a:sym typeface="Arial"/>
+              </a:defRPr>
+            </a:lvl9pPr>
+          </a:lstStyle>
           <a:p>
-            <a:pPr marL="0" lvl="0" indent="0" algn="l" rtl="0">
-              <a:spcBef>
-                <a:spcPts val="0"/>
-              </a:spcBef>
-              <a:spcAft>
-                <a:spcPts val="0"/>
-              </a:spcAft>
-              <a:buNone/>
-            </a:pPr>
             <a:r>
-              <a:rPr lang="it-IT" dirty="0">
+              <a:rPr lang="it-IT" sz="1100" dirty="0">
                 <a:solidFill>
                   <a:schemeClr val="dk1"/>
                 </a:solidFill>
+                <a:latin typeface="Roboto Black" panose="02000000000000000000" pitchFamily="2" charset="0"/>
+                <a:ea typeface="Roboto Black" panose="02000000000000000000" pitchFamily="2" charset="0"/>
               </a:rPr>
-              <a:t>REST API</a:t>
+              <a:t>Interaction with </a:t>
             </a:r>
-            <a:endParaRPr dirty="0">
+            <a:r>
+              <a:rPr lang="it-IT" sz="1100" dirty="0" err="1">
+                <a:solidFill>
+                  <a:schemeClr val="dk1"/>
+                </a:solidFill>
+                <a:latin typeface="Roboto Black" panose="02000000000000000000" pitchFamily="2" charset="0"/>
+                <a:ea typeface="Roboto Black" panose="02000000000000000000" pitchFamily="2" charset="0"/>
+              </a:rPr>
+              <a:t>MongoDB</a:t>
+            </a:r>
+            <a:endParaRPr lang="it-IT" sz="1100" dirty="0">
               <a:solidFill>
                 <a:schemeClr val="dk1"/>
               </a:solidFill>
+              <a:latin typeface="Roboto Black" panose="02000000000000000000" pitchFamily="2" charset="0"/>
+              <a:ea typeface="Roboto Black" panose="02000000000000000000" pitchFamily="2" charset="0"/>
             </a:endParaRPr>
           </a:p>
         </p:txBody>
       </p:sp>
       <p:sp>
         <p:nvSpPr>
-          <p:cNvPr id="405" name="Google Shape;405;p28"/>
+          <p:cNvPr id="15" name="Google Shape;406;p28">
+            <a:extLst>
+              <a:ext uri="{FF2B5EF4-FFF2-40B4-BE49-F238E27FC236}">
+                <a16:creationId xmlns:a16="http://schemas.microsoft.com/office/drawing/2014/main" id="{0ED903F3-EB6B-AF27-F916-D472891380D2}"/>
+              </a:ext>
+            </a:extLst>
+          </p:cNvPr>
           <p:cNvSpPr txBox="1">
-            <a:spLocks noGrp="1"/>
+            <a:spLocks/>
           </p:cNvSpPr>
-          <p:nvPr>
-            <p:ph type="ctrTitle" idx="2"/>
-          </p:nvPr>
+          <p:nvPr/>
         </p:nvSpPr>
         <p:spPr>
           <a:xfrm>
-            <a:off x="1557931" y="3490586"/>
+            <a:off x="6054418" y="3868548"/>
             <a:ext cx="2076000" cy="196200"/>
           </a:xfrm>
           <a:prstGeom prst="rect">
@@ -17664,126 +17680,264 @@
           <a:bodyPr spcFirstLastPara="1" wrap="square" lIns="91425" tIns="91425" rIns="91425" bIns="91425" anchor="b" anchorCtr="0">
             <a:noAutofit/>
           </a:bodyPr>
-          <a:lstStyle/>
+          <a:lstStyle>
+            <a:defPPr marR="0" lvl="0" algn="l" rtl="0">
+              <a:lnSpc>
+                <a:spcPct val="100000"/>
+              </a:lnSpc>
+              <a:spcBef>
+                <a:spcPts val="0"/>
+              </a:spcBef>
+              <a:spcAft>
+                <a:spcPts val="0"/>
+              </a:spcAft>
+            </a:defPPr>
+            <a:lvl1pPr marR="0" lvl="0" algn="l" rtl="0">
+              <a:lnSpc>
+                <a:spcPct val="100000"/>
+              </a:lnSpc>
+              <a:spcBef>
+                <a:spcPts val="0"/>
+              </a:spcBef>
+              <a:spcAft>
+                <a:spcPts val="0"/>
+              </a:spcAft>
+              <a:buClr>
+                <a:srgbClr val="000000"/>
+              </a:buClr>
+              <a:buFont typeface="Arial"/>
+              <a:defRPr sz="1400" b="0" i="0" u="none" strike="noStrike" cap="none">
+                <a:solidFill>
+                  <a:srgbClr val="000000"/>
+                </a:solidFill>
+                <a:latin typeface="Arial"/>
+                <a:ea typeface="Arial"/>
+                <a:cs typeface="Arial"/>
+                <a:sym typeface="Arial"/>
+              </a:defRPr>
+            </a:lvl1pPr>
+            <a:lvl2pPr marR="0" lvl="1" algn="l" rtl="0">
+              <a:lnSpc>
+                <a:spcPct val="100000"/>
+              </a:lnSpc>
+              <a:spcBef>
+                <a:spcPts val="0"/>
+              </a:spcBef>
+              <a:spcAft>
+                <a:spcPts val="0"/>
+              </a:spcAft>
+              <a:buClr>
+                <a:srgbClr val="000000"/>
+              </a:buClr>
+              <a:buFont typeface="Arial"/>
+              <a:defRPr sz="1400" b="0" i="0" u="none" strike="noStrike" cap="none">
+                <a:solidFill>
+                  <a:srgbClr val="000000"/>
+                </a:solidFill>
+                <a:latin typeface="Arial"/>
+                <a:ea typeface="Arial"/>
+                <a:cs typeface="Arial"/>
+                <a:sym typeface="Arial"/>
+              </a:defRPr>
+            </a:lvl2pPr>
+            <a:lvl3pPr marR="0" lvl="2" algn="l" rtl="0">
+              <a:lnSpc>
+                <a:spcPct val="100000"/>
+              </a:lnSpc>
+              <a:spcBef>
+                <a:spcPts val="0"/>
+              </a:spcBef>
+              <a:spcAft>
+                <a:spcPts val="0"/>
+              </a:spcAft>
+              <a:buClr>
+                <a:srgbClr val="000000"/>
+              </a:buClr>
+              <a:buFont typeface="Arial"/>
+              <a:defRPr sz="1400" b="0" i="0" u="none" strike="noStrike" cap="none">
+                <a:solidFill>
+                  <a:srgbClr val="000000"/>
+                </a:solidFill>
+                <a:latin typeface="Arial"/>
+                <a:ea typeface="Arial"/>
+                <a:cs typeface="Arial"/>
+                <a:sym typeface="Arial"/>
+              </a:defRPr>
+            </a:lvl3pPr>
+            <a:lvl4pPr marR="0" lvl="3" algn="l" rtl="0">
+              <a:lnSpc>
+                <a:spcPct val="100000"/>
+              </a:lnSpc>
+              <a:spcBef>
+                <a:spcPts val="0"/>
+              </a:spcBef>
+              <a:spcAft>
+                <a:spcPts val="0"/>
+              </a:spcAft>
+              <a:buClr>
+                <a:srgbClr val="000000"/>
+              </a:buClr>
+              <a:buFont typeface="Arial"/>
+              <a:defRPr sz="1400" b="0" i="0" u="none" strike="noStrike" cap="none">
+                <a:solidFill>
+                  <a:srgbClr val="000000"/>
+                </a:solidFill>
+                <a:latin typeface="Arial"/>
+                <a:ea typeface="Arial"/>
+                <a:cs typeface="Arial"/>
+                <a:sym typeface="Arial"/>
+              </a:defRPr>
+            </a:lvl4pPr>
+            <a:lvl5pPr marR="0" lvl="4" algn="l" rtl="0">
+              <a:lnSpc>
+                <a:spcPct val="100000"/>
+              </a:lnSpc>
+              <a:spcBef>
+                <a:spcPts val="0"/>
+              </a:spcBef>
+              <a:spcAft>
+                <a:spcPts val="0"/>
+              </a:spcAft>
+              <a:buClr>
+                <a:srgbClr val="000000"/>
+              </a:buClr>
+              <a:buFont typeface="Arial"/>
+              <a:defRPr sz="1400" b="0" i="0" u="none" strike="noStrike" cap="none">
+                <a:solidFill>
+                  <a:srgbClr val="000000"/>
+                </a:solidFill>
+                <a:latin typeface="Arial"/>
+                <a:ea typeface="Arial"/>
+                <a:cs typeface="Arial"/>
+                <a:sym typeface="Arial"/>
+              </a:defRPr>
+            </a:lvl5pPr>
+            <a:lvl6pPr marR="0" lvl="5" algn="l" rtl="0">
+              <a:lnSpc>
+                <a:spcPct val="100000"/>
+              </a:lnSpc>
+              <a:spcBef>
+                <a:spcPts val="0"/>
+              </a:spcBef>
+              <a:spcAft>
+                <a:spcPts val="0"/>
+              </a:spcAft>
+              <a:buClr>
+                <a:srgbClr val="000000"/>
+              </a:buClr>
+              <a:buFont typeface="Arial"/>
+              <a:defRPr sz="1400" b="0" i="0" u="none" strike="noStrike" cap="none">
+                <a:solidFill>
+                  <a:srgbClr val="000000"/>
+                </a:solidFill>
+                <a:latin typeface="Arial"/>
+                <a:ea typeface="Arial"/>
+                <a:cs typeface="Arial"/>
+                <a:sym typeface="Arial"/>
+              </a:defRPr>
+            </a:lvl6pPr>
+            <a:lvl7pPr marR="0" lvl="6" algn="l" rtl="0">
+              <a:lnSpc>
+                <a:spcPct val="100000"/>
+              </a:lnSpc>
+              <a:spcBef>
+                <a:spcPts val="0"/>
+              </a:spcBef>
+              <a:spcAft>
+                <a:spcPts val="0"/>
+              </a:spcAft>
+              <a:buClr>
+                <a:srgbClr val="000000"/>
+              </a:buClr>
+              <a:buFont typeface="Arial"/>
+              <a:defRPr sz="1400" b="0" i="0" u="none" strike="noStrike" cap="none">
+                <a:solidFill>
+                  <a:srgbClr val="000000"/>
+                </a:solidFill>
+                <a:latin typeface="Arial"/>
+                <a:ea typeface="Arial"/>
+                <a:cs typeface="Arial"/>
+                <a:sym typeface="Arial"/>
+              </a:defRPr>
+            </a:lvl7pPr>
+            <a:lvl8pPr marR="0" lvl="7" algn="l" rtl="0">
+              <a:lnSpc>
+                <a:spcPct val="100000"/>
+              </a:lnSpc>
+              <a:spcBef>
+                <a:spcPts val="0"/>
+              </a:spcBef>
+              <a:spcAft>
+                <a:spcPts val="0"/>
+              </a:spcAft>
+              <a:buClr>
+                <a:srgbClr val="000000"/>
+              </a:buClr>
+              <a:buFont typeface="Arial"/>
+              <a:defRPr sz="1400" b="0" i="0" u="none" strike="noStrike" cap="none">
+                <a:solidFill>
+                  <a:srgbClr val="000000"/>
+                </a:solidFill>
+                <a:latin typeface="Arial"/>
+                <a:ea typeface="Arial"/>
+                <a:cs typeface="Arial"/>
+                <a:sym typeface="Arial"/>
+              </a:defRPr>
+            </a:lvl8pPr>
+            <a:lvl9pPr marR="0" lvl="8" algn="l" rtl="0">
+              <a:lnSpc>
+                <a:spcPct val="100000"/>
+              </a:lnSpc>
+              <a:spcBef>
+                <a:spcPts val="0"/>
+              </a:spcBef>
+              <a:spcAft>
+                <a:spcPts val="0"/>
+              </a:spcAft>
+              <a:buClr>
+                <a:srgbClr val="000000"/>
+              </a:buClr>
+              <a:buFont typeface="Arial"/>
+              <a:defRPr sz="1400" b="0" i="0" u="none" strike="noStrike" cap="none">
+                <a:solidFill>
+                  <a:srgbClr val="000000"/>
+                </a:solidFill>
+                <a:latin typeface="Arial"/>
+                <a:ea typeface="Arial"/>
+                <a:cs typeface="Arial"/>
+                <a:sym typeface="Arial"/>
+              </a:defRPr>
+            </a:lvl9pPr>
+          </a:lstStyle>
           <a:p>
-            <a:pPr marL="0" lvl="0" indent="0" algn="l" rtl="0">
-              <a:spcBef>
-                <a:spcPts val="0"/>
-              </a:spcBef>
-              <a:spcAft>
-                <a:spcPts val="0"/>
-              </a:spcAft>
-              <a:buNone/>
-            </a:pPr>
             <a:r>
-              <a:rPr lang="it-IT" dirty="0">
+              <a:rPr lang="it-IT" sz="1100" dirty="0">
                 <a:solidFill>
                   <a:schemeClr val="dk1"/>
                 </a:solidFill>
+                <a:latin typeface="Roboto Black" panose="02000000000000000000" pitchFamily="2" charset="0"/>
+                <a:ea typeface="Roboto Black" panose="02000000000000000000" pitchFamily="2" charset="0"/>
               </a:rPr>
-              <a:t>Interaction with </a:t>
+              <a:t>Interaction with DNS</a:t>
             </a:r>
-            <a:r>
-              <a:rPr lang="it-IT" dirty="0" err="1">
-                <a:solidFill>
-                  <a:schemeClr val="dk1"/>
-                </a:solidFill>
-              </a:rPr>
-              <a:t>MongoDB</a:t>
-            </a:r>
-            <a:endParaRPr dirty="0">
-              <a:solidFill>
-                <a:schemeClr val="dk1"/>
-              </a:solidFill>
-            </a:endParaRPr>
           </a:p>
         </p:txBody>
       </p:sp>
       <p:sp>
         <p:nvSpPr>
-          <p:cNvPr id="406" name="Google Shape;406;p28"/>
-          <p:cNvSpPr txBox="1">
-            <a:spLocks noGrp="1"/>
-          </p:cNvSpPr>
-          <p:nvPr>
-            <p:ph type="ctrTitle" idx="3"/>
-          </p:nvPr>
-        </p:nvSpPr>
-        <p:spPr>
-          <a:xfrm>
-            <a:off x="1557931" y="2789242"/>
-            <a:ext cx="2076000" cy="196200"/>
-          </a:xfrm>
-          <a:prstGeom prst="rect">
-            <a:avLst/>
-          </a:prstGeom>
-        </p:spPr>
-        <p:txBody>
-          <a:bodyPr spcFirstLastPara="1" wrap="square" lIns="91425" tIns="91425" rIns="91425" bIns="91425" anchor="b" anchorCtr="0">
-            <a:noAutofit/>
-          </a:bodyPr>
-          <a:lstStyle/>
-          <a:p>
-            <a:pPr marL="0" lvl="0" indent="0" algn="l" rtl="0">
-              <a:spcBef>
-                <a:spcPts val="0"/>
-              </a:spcBef>
-              <a:spcAft>
-                <a:spcPts val="0"/>
-              </a:spcAft>
-              <a:buNone/>
-            </a:pPr>
-            <a:r>
-              <a:rPr lang="it-IT" dirty="0">
-                <a:solidFill>
-                  <a:schemeClr val="dk1"/>
-                </a:solidFill>
-              </a:rPr>
-              <a:t>Interaction with DNS</a:t>
-            </a:r>
-            <a:endParaRPr dirty="0">
-              <a:solidFill>
-                <a:schemeClr val="dk1"/>
-              </a:solidFill>
-            </a:endParaRPr>
-          </a:p>
-        </p:txBody>
-      </p:sp>
-      <p:cxnSp>
-        <p:nvCxnSpPr>
-          <p:cNvPr id="407" name="Google Shape;407;p28"/>
-          <p:cNvCxnSpPr/>
-          <p:nvPr/>
-        </p:nvCxnSpPr>
-        <p:spPr>
-          <a:xfrm>
-            <a:off x="0" y="1197575"/>
-            <a:ext cx="3340500" cy="0"/>
-          </a:xfrm>
-          <a:prstGeom prst="straightConnector1">
-            <a:avLst/>
-          </a:prstGeom>
-          <a:noFill/>
-          <a:ln w="9525" cap="flat" cmpd="sng">
-            <a:solidFill>
-              <a:schemeClr val="accent1"/>
-            </a:solidFill>
-            <a:prstDash val="solid"/>
-            <a:round/>
-            <a:headEnd type="none" w="med" len="med"/>
-            <a:tailEnd type="none" w="med" len="med"/>
-          </a:ln>
-        </p:spPr>
-      </p:cxnSp>
-      <p:sp>
-        <p:nvSpPr>
-          <p:cNvPr id="408" name="Google Shape;408;p28"/>
+          <p:cNvPr id="16" name="Google Shape;408;p28">
+            <a:extLst>
+              <a:ext uri="{FF2B5EF4-FFF2-40B4-BE49-F238E27FC236}">
+                <a16:creationId xmlns:a16="http://schemas.microsoft.com/office/drawing/2014/main" id="{C25EEC4C-69E8-2625-55CE-A1914E6B8B4D}"/>
+              </a:ext>
+            </a:extLst>
+          </p:cNvPr>
           <p:cNvSpPr/>
           <p:nvPr/>
         </p:nvSpPr>
         <p:spPr>
           <a:xfrm>
-            <a:off x="819925" y="1880738"/>
+            <a:off x="5316412" y="2960044"/>
             <a:ext cx="423900" cy="423900"/>
           </a:xfrm>
           <a:prstGeom prst="ellipse">
@@ -17821,13 +17975,19 @@
       </p:sp>
       <p:sp>
         <p:nvSpPr>
-          <p:cNvPr id="409" name="Google Shape;409;p28"/>
+          <p:cNvPr id="17" name="Google Shape;409;p28">
+            <a:extLst>
+              <a:ext uri="{FF2B5EF4-FFF2-40B4-BE49-F238E27FC236}">
+                <a16:creationId xmlns:a16="http://schemas.microsoft.com/office/drawing/2014/main" id="{A0DB9C4E-6EEA-2EE3-D8B7-1362385FA46A}"/>
+              </a:ext>
+            </a:extLst>
+          </p:cNvPr>
           <p:cNvSpPr/>
           <p:nvPr/>
         </p:nvSpPr>
         <p:spPr>
           <a:xfrm>
-            <a:off x="819925" y="2582088"/>
+            <a:off x="5316412" y="3661394"/>
             <a:ext cx="423900" cy="423900"/>
           </a:xfrm>
           <a:prstGeom prst="ellipse">
@@ -17865,13 +18025,19 @@
       </p:sp>
       <p:sp>
         <p:nvSpPr>
-          <p:cNvPr id="411" name="Google Shape;411;p28"/>
+          <p:cNvPr id="18" name="Google Shape;411;p28">
+            <a:extLst>
+              <a:ext uri="{FF2B5EF4-FFF2-40B4-BE49-F238E27FC236}">
+                <a16:creationId xmlns:a16="http://schemas.microsoft.com/office/drawing/2014/main" id="{988D3569-1A82-CBD1-8AF6-57683DBCAF17}"/>
+              </a:ext>
+            </a:extLst>
+          </p:cNvPr>
           <p:cNvSpPr/>
           <p:nvPr/>
         </p:nvSpPr>
         <p:spPr>
           <a:xfrm>
-            <a:off x="819925" y="3283438"/>
+            <a:off x="5316412" y="4362744"/>
             <a:ext cx="423900" cy="423900"/>
           </a:xfrm>
           <a:prstGeom prst="ellipse">
@@ -17907,2081 +18073,12 @@
           </a:p>
         </p:txBody>
       </p:sp>
-      <p:sp>
-        <p:nvSpPr>
-          <p:cNvPr id="419" name="Google Shape;419;p28"/>
-          <p:cNvSpPr/>
-          <p:nvPr/>
-        </p:nvSpPr>
-        <p:spPr>
-          <a:xfrm>
-            <a:off x="4876837" y="2409598"/>
-            <a:ext cx="2681532" cy="1732190"/>
-          </a:xfrm>
-          <a:custGeom>
-            <a:avLst/>
-            <a:gdLst/>
-            <a:ahLst/>
-            <a:cxnLst/>
-            <a:rect l="l" t="t" r="r" b="b"/>
-            <a:pathLst>
-              <a:path w="176649" h="114110" extrusionOk="0">
-                <a:moveTo>
-                  <a:pt x="5275" y="0"/>
-                </a:moveTo>
-                <a:cubicBezTo>
-                  <a:pt x="2345" y="0"/>
-                  <a:pt x="1" y="2344"/>
-                  <a:pt x="1" y="5274"/>
-                </a:cubicBezTo>
-                <a:lnTo>
-                  <a:pt x="1" y="108835"/>
-                </a:lnTo>
-                <a:cubicBezTo>
-                  <a:pt x="1" y="111766"/>
-                  <a:pt x="2345" y="114110"/>
-                  <a:pt x="5275" y="114110"/>
-                </a:cubicBezTo>
-                <a:lnTo>
-                  <a:pt x="171374" y="114110"/>
-                </a:lnTo>
-                <a:cubicBezTo>
-                  <a:pt x="174304" y="114110"/>
-                  <a:pt x="176648" y="111766"/>
-                  <a:pt x="176648" y="108835"/>
-                </a:cubicBezTo>
-                <a:lnTo>
-                  <a:pt x="176648" y="5274"/>
-                </a:lnTo>
-                <a:cubicBezTo>
-                  <a:pt x="176648" y="2344"/>
-                  <a:pt x="174304" y="0"/>
-                  <a:pt x="171374" y="0"/>
-                </a:cubicBezTo>
-                <a:close/>
-              </a:path>
-            </a:pathLst>
-          </a:custGeom>
-          <a:solidFill>
-            <a:schemeClr val="accent1"/>
-          </a:solidFill>
-          <a:ln>
-            <a:noFill/>
-          </a:ln>
-        </p:spPr>
-        <p:txBody>
-          <a:bodyPr spcFirstLastPara="1" wrap="square" lIns="91425" tIns="91425" rIns="91425" bIns="91425" anchor="ctr" anchorCtr="0">
-            <a:noAutofit/>
-          </a:bodyPr>
-          <a:lstStyle/>
-          <a:p>
-            <a:pPr marL="0" lvl="0" indent="0" algn="l" rtl="0">
-              <a:spcBef>
-                <a:spcPts val="0"/>
-              </a:spcBef>
-              <a:spcAft>
-                <a:spcPts val="0"/>
-              </a:spcAft>
-              <a:buNone/>
-            </a:pPr>
-            <a:endParaRPr/>
-          </a:p>
-        </p:txBody>
-      </p:sp>
-      <p:sp>
-        <p:nvSpPr>
-          <p:cNvPr id="420" name="Google Shape;420;p28"/>
-          <p:cNvSpPr/>
-          <p:nvPr/>
-        </p:nvSpPr>
-        <p:spPr>
-          <a:xfrm>
-            <a:off x="5005199" y="2541755"/>
-            <a:ext cx="2424808" cy="1467860"/>
-          </a:xfrm>
-          <a:custGeom>
-            <a:avLst/>
-            <a:gdLst/>
-            <a:ahLst/>
-            <a:cxnLst/>
-            <a:rect l="l" t="t" r="r" b="b"/>
-            <a:pathLst>
-              <a:path w="159737" h="96697" extrusionOk="0">
-                <a:moveTo>
-                  <a:pt x="0" y="1"/>
-                </a:moveTo>
-                <a:lnTo>
-                  <a:pt x="0" y="96697"/>
-                </a:lnTo>
-                <a:lnTo>
-                  <a:pt x="159737" y="96697"/>
-                </a:lnTo>
-                <a:lnTo>
-                  <a:pt x="159737" y="1"/>
-                </a:lnTo>
-                <a:close/>
-              </a:path>
-            </a:pathLst>
-          </a:custGeom>
-          <a:solidFill>
-            <a:srgbClr val="0E2A47"/>
-          </a:solidFill>
-          <a:ln>
-            <a:noFill/>
-          </a:ln>
-        </p:spPr>
-        <p:txBody>
-          <a:bodyPr spcFirstLastPara="1" wrap="square" lIns="91425" tIns="91425" rIns="91425" bIns="91425" anchor="ctr" anchorCtr="0">
-            <a:noAutofit/>
-          </a:bodyPr>
-          <a:lstStyle/>
-          <a:p>
-            <a:pPr marL="0" lvl="0" indent="0" algn="l" rtl="0">
-              <a:spcBef>
-                <a:spcPts val="0"/>
-              </a:spcBef>
-              <a:spcAft>
-                <a:spcPts val="0"/>
-              </a:spcAft>
-              <a:buNone/>
-            </a:pPr>
-            <a:endParaRPr>
-              <a:solidFill>
-                <a:srgbClr val="091A51"/>
-              </a:solidFill>
-            </a:endParaRPr>
-          </a:p>
-        </p:txBody>
-      </p:sp>
-      <p:sp>
-        <p:nvSpPr>
-          <p:cNvPr id="421" name="Google Shape;421;p28"/>
-          <p:cNvSpPr/>
-          <p:nvPr/>
-        </p:nvSpPr>
-        <p:spPr>
-          <a:xfrm>
-            <a:off x="4636011" y="4136703"/>
-            <a:ext cx="3163178" cy="83900"/>
-          </a:xfrm>
-          <a:custGeom>
-            <a:avLst/>
-            <a:gdLst/>
-            <a:ahLst/>
-            <a:cxnLst/>
-            <a:rect l="l" t="t" r="r" b="b"/>
-            <a:pathLst>
-              <a:path w="208378" h="5527" extrusionOk="0">
-                <a:moveTo>
-                  <a:pt x="0" y="1"/>
-                </a:moveTo>
-                <a:lnTo>
-                  <a:pt x="0" y="5526"/>
-                </a:lnTo>
-                <a:lnTo>
-                  <a:pt x="208377" y="5526"/>
-                </a:lnTo>
-                <a:lnTo>
-                  <a:pt x="208377" y="1"/>
-                </a:lnTo>
-                <a:close/>
-              </a:path>
-            </a:pathLst>
-          </a:custGeom>
-          <a:solidFill>
-            <a:schemeClr val="accent1"/>
-          </a:solidFill>
-          <a:ln>
-            <a:noFill/>
-          </a:ln>
-        </p:spPr>
-        <p:txBody>
-          <a:bodyPr spcFirstLastPara="1" wrap="square" lIns="91425" tIns="91425" rIns="91425" bIns="91425" anchor="ctr" anchorCtr="0">
-            <a:noAutofit/>
-          </a:bodyPr>
-          <a:lstStyle/>
-          <a:p>
-            <a:pPr marL="0" lvl="0" indent="0" algn="l" rtl="0">
-              <a:spcBef>
-                <a:spcPts val="0"/>
-              </a:spcBef>
-              <a:spcAft>
-                <a:spcPts val="0"/>
-              </a:spcAft>
-              <a:buNone/>
-            </a:pPr>
-            <a:endParaRPr>
-              <a:solidFill>
-                <a:srgbClr val="48FFD5"/>
-              </a:solidFill>
-            </a:endParaRPr>
-          </a:p>
-        </p:txBody>
-      </p:sp>
-      <p:sp>
-        <p:nvSpPr>
-          <p:cNvPr id="422" name="Google Shape;422;p28"/>
-          <p:cNvSpPr/>
-          <p:nvPr/>
-        </p:nvSpPr>
-        <p:spPr>
-          <a:xfrm>
-            <a:off x="5005199" y="2541755"/>
-            <a:ext cx="2424808" cy="141083"/>
-          </a:xfrm>
-          <a:custGeom>
-            <a:avLst/>
-            <a:gdLst/>
-            <a:ahLst/>
-            <a:cxnLst/>
-            <a:rect l="l" t="t" r="r" b="b"/>
-            <a:pathLst>
-              <a:path w="159737" h="9294" extrusionOk="0">
-                <a:moveTo>
-                  <a:pt x="0" y="1"/>
-                </a:moveTo>
-                <a:lnTo>
-                  <a:pt x="0" y="9294"/>
-                </a:lnTo>
-                <a:lnTo>
-                  <a:pt x="159737" y="9294"/>
-                </a:lnTo>
-                <a:lnTo>
-                  <a:pt x="159737" y="1"/>
-                </a:lnTo>
-                <a:close/>
-              </a:path>
-            </a:pathLst>
-          </a:custGeom>
-          <a:solidFill>
-            <a:srgbClr val="0E2A47"/>
-          </a:solidFill>
-          <a:ln>
-            <a:noFill/>
-          </a:ln>
-        </p:spPr>
-        <p:txBody>
-          <a:bodyPr spcFirstLastPara="1" wrap="square" lIns="91425" tIns="91425" rIns="91425" bIns="91425" anchor="ctr" anchorCtr="0">
-            <a:noAutofit/>
-          </a:bodyPr>
-          <a:lstStyle/>
-          <a:p>
-            <a:pPr marL="0" lvl="0" indent="0" algn="l" rtl="0">
-              <a:spcBef>
-                <a:spcPts val="0"/>
-              </a:spcBef>
-              <a:spcAft>
-                <a:spcPts val="0"/>
-              </a:spcAft>
-              <a:buNone/>
-            </a:pPr>
-            <a:endParaRPr/>
-          </a:p>
-        </p:txBody>
-      </p:sp>
-      <p:sp>
-        <p:nvSpPr>
-          <p:cNvPr id="423" name="Google Shape;423;p28"/>
-          <p:cNvSpPr/>
-          <p:nvPr/>
-        </p:nvSpPr>
-        <p:spPr>
-          <a:xfrm>
-            <a:off x="5143716" y="2742556"/>
-            <a:ext cx="1029417" cy="521069"/>
-          </a:xfrm>
-          <a:custGeom>
-            <a:avLst/>
-            <a:gdLst/>
-            <a:ahLst/>
-            <a:cxnLst/>
-            <a:rect l="l" t="t" r="r" b="b"/>
-            <a:pathLst>
-              <a:path w="67814" h="34326" extrusionOk="0">
-                <a:moveTo>
-                  <a:pt x="1" y="1"/>
-                </a:moveTo>
-                <a:lnTo>
-                  <a:pt x="1" y="34326"/>
-                </a:lnTo>
-                <a:lnTo>
-                  <a:pt x="67813" y="34326"/>
-                </a:lnTo>
-                <a:lnTo>
-                  <a:pt x="67813" y="1"/>
-                </a:lnTo>
-                <a:close/>
-              </a:path>
-            </a:pathLst>
-          </a:custGeom>
-          <a:solidFill>
-            <a:schemeClr val="accent1"/>
-          </a:solidFill>
-          <a:ln>
-            <a:noFill/>
-          </a:ln>
-        </p:spPr>
-        <p:txBody>
-          <a:bodyPr spcFirstLastPara="1" wrap="square" lIns="91425" tIns="91425" rIns="91425" bIns="91425" anchor="ctr" anchorCtr="0">
-            <a:noAutofit/>
-          </a:bodyPr>
-          <a:lstStyle/>
-          <a:p>
-            <a:pPr marL="0" lvl="0" indent="0" algn="l" rtl="0">
-              <a:spcBef>
-                <a:spcPts val="0"/>
-              </a:spcBef>
-              <a:spcAft>
-                <a:spcPts val="0"/>
-              </a:spcAft>
-              <a:buNone/>
-            </a:pPr>
-            <a:endParaRPr/>
-          </a:p>
-        </p:txBody>
-      </p:sp>
-      <p:sp>
-        <p:nvSpPr>
-          <p:cNvPr id="424" name="Google Shape;424;p28"/>
-          <p:cNvSpPr/>
-          <p:nvPr/>
-        </p:nvSpPr>
-        <p:spPr>
-          <a:xfrm>
-            <a:off x="5221240" y="2834061"/>
-            <a:ext cx="297407" cy="297391"/>
-          </a:xfrm>
-          <a:custGeom>
-            <a:avLst/>
-            <a:gdLst/>
-            <a:ahLst/>
-            <a:cxnLst/>
-            <a:rect l="l" t="t" r="r" b="b"/>
-            <a:pathLst>
-              <a:path w="19592" h="19591" extrusionOk="0">
-                <a:moveTo>
-                  <a:pt x="1" y="0"/>
-                </a:moveTo>
-                <a:lnTo>
-                  <a:pt x="1" y="19591"/>
-                </a:lnTo>
-                <a:lnTo>
-                  <a:pt x="19591" y="19591"/>
-                </a:lnTo>
-                <a:lnTo>
-                  <a:pt x="19591" y="0"/>
-                </a:lnTo>
-                <a:close/>
-              </a:path>
-            </a:pathLst>
-          </a:custGeom>
-          <a:solidFill>
-            <a:srgbClr val="FFFFFF"/>
-          </a:solidFill>
-          <a:ln>
-            <a:noFill/>
-          </a:ln>
-        </p:spPr>
-        <p:txBody>
-          <a:bodyPr spcFirstLastPara="1" wrap="square" lIns="91425" tIns="91425" rIns="91425" bIns="91425" anchor="ctr" anchorCtr="0">
-            <a:noAutofit/>
-          </a:bodyPr>
-          <a:lstStyle/>
-          <a:p>
-            <a:pPr marL="0" lvl="0" indent="0" algn="l" rtl="0">
-              <a:spcBef>
-                <a:spcPts val="0"/>
-              </a:spcBef>
-              <a:spcAft>
-                <a:spcPts val="0"/>
-              </a:spcAft>
-              <a:buNone/>
-            </a:pPr>
-            <a:endParaRPr/>
-          </a:p>
-        </p:txBody>
-      </p:sp>
-      <p:sp>
-        <p:nvSpPr>
-          <p:cNvPr id="425" name="Google Shape;425;p28"/>
-          <p:cNvSpPr/>
-          <p:nvPr/>
-        </p:nvSpPr>
-        <p:spPr>
-          <a:xfrm>
-            <a:off x="5500826" y="3535575"/>
-            <a:ext cx="908690" cy="329163"/>
-          </a:xfrm>
-          <a:custGeom>
-            <a:avLst/>
-            <a:gdLst/>
-            <a:ahLst/>
-            <a:cxnLst/>
-            <a:rect l="l" t="t" r="r" b="b"/>
-            <a:pathLst>
-              <a:path w="59861" h="21684" extrusionOk="0">
-                <a:moveTo>
-                  <a:pt x="1" y="1"/>
-                </a:moveTo>
-                <a:lnTo>
-                  <a:pt x="1" y="21684"/>
-                </a:lnTo>
-                <a:lnTo>
-                  <a:pt x="59860" y="21684"/>
-                </a:lnTo>
-                <a:lnTo>
-                  <a:pt x="59860" y="1"/>
-                </a:lnTo>
-                <a:close/>
-              </a:path>
-            </a:pathLst>
-          </a:custGeom>
-          <a:solidFill>
-            <a:schemeClr val="accent1"/>
-          </a:solidFill>
-          <a:ln>
-            <a:noFill/>
-          </a:ln>
-        </p:spPr>
-        <p:txBody>
-          <a:bodyPr spcFirstLastPara="1" wrap="square" lIns="91425" tIns="91425" rIns="91425" bIns="91425" anchor="ctr" anchorCtr="0">
-            <a:noAutofit/>
-          </a:bodyPr>
-          <a:lstStyle/>
-          <a:p>
-            <a:pPr marL="0" lvl="0" indent="0" algn="l" rtl="0">
-              <a:spcBef>
-                <a:spcPts val="0"/>
-              </a:spcBef>
-              <a:spcAft>
-                <a:spcPts val="0"/>
-              </a:spcAft>
-              <a:buNone/>
-            </a:pPr>
-            <a:endParaRPr/>
-          </a:p>
-        </p:txBody>
-      </p:sp>
-      <p:sp>
-        <p:nvSpPr>
-          <p:cNvPr id="426" name="Google Shape;426;p28"/>
-          <p:cNvSpPr/>
-          <p:nvPr/>
-        </p:nvSpPr>
-        <p:spPr>
-          <a:xfrm>
-            <a:off x="5560559" y="3610549"/>
-            <a:ext cx="679927" cy="53403"/>
-          </a:xfrm>
-          <a:custGeom>
-            <a:avLst/>
-            <a:gdLst/>
-            <a:ahLst/>
-            <a:cxnLst/>
-            <a:rect l="l" t="t" r="r" b="b"/>
-            <a:pathLst>
-              <a:path w="44791" h="3518" extrusionOk="0">
-                <a:moveTo>
-                  <a:pt x="1" y="1"/>
-                </a:moveTo>
-                <a:lnTo>
-                  <a:pt x="1" y="3517"/>
-                </a:lnTo>
-                <a:lnTo>
-                  <a:pt x="44791" y="3517"/>
-                </a:lnTo>
-                <a:lnTo>
-                  <a:pt x="44791" y="1"/>
-                </a:lnTo>
-                <a:close/>
-              </a:path>
-            </a:pathLst>
-          </a:custGeom>
-          <a:solidFill>
-            <a:srgbClr val="0E2A47"/>
-          </a:solidFill>
-          <a:ln>
-            <a:noFill/>
-          </a:ln>
-        </p:spPr>
-        <p:txBody>
-          <a:bodyPr spcFirstLastPara="1" wrap="square" lIns="91425" tIns="91425" rIns="91425" bIns="91425" anchor="ctr" anchorCtr="0">
-            <a:noAutofit/>
-          </a:bodyPr>
-          <a:lstStyle/>
-          <a:p>
-            <a:pPr marL="0" lvl="0" indent="0" algn="l" rtl="0">
-              <a:spcBef>
-                <a:spcPts val="0"/>
-              </a:spcBef>
-              <a:spcAft>
-                <a:spcPts val="0"/>
-              </a:spcAft>
-              <a:buNone/>
-            </a:pPr>
-            <a:endParaRPr>
-              <a:solidFill>
-                <a:srgbClr val="0E2A47"/>
-              </a:solidFill>
-            </a:endParaRPr>
-          </a:p>
-        </p:txBody>
-      </p:sp>
-      <p:sp>
-        <p:nvSpPr>
-          <p:cNvPr id="427" name="Google Shape;427;p28"/>
-          <p:cNvSpPr/>
-          <p:nvPr/>
-        </p:nvSpPr>
-        <p:spPr>
-          <a:xfrm>
-            <a:off x="5560559" y="3710949"/>
-            <a:ext cx="526154" cy="52128"/>
-          </a:xfrm>
-          <a:custGeom>
-            <a:avLst/>
-            <a:gdLst/>
-            <a:ahLst/>
-            <a:cxnLst/>
-            <a:rect l="l" t="t" r="r" b="b"/>
-            <a:pathLst>
-              <a:path w="34661" h="3434" extrusionOk="0">
-                <a:moveTo>
-                  <a:pt x="1" y="1"/>
-                </a:moveTo>
-                <a:lnTo>
-                  <a:pt x="1" y="3433"/>
-                </a:lnTo>
-                <a:lnTo>
-                  <a:pt x="34661" y="3433"/>
-                </a:lnTo>
-                <a:lnTo>
-                  <a:pt x="34661" y="1"/>
-                </a:lnTo>
-                <a:close/>
-              </a:path>
-            </a:pathLst>
-          </a:custGeom>
-          <a:solidFill>
-            <a:srgbClr val="0E2A47"/>
-          </a:solidFill>
-          <a:ln>
-            <a:noFill/>
-          </a:ln>
-        </p:spPr>
-        <p:txBody>
-          <a:bodyPr spcFirstLastPara="1" wrap="square" lIns="91425" tIns="91425" rIns="91425" bIns="91425" anchor="ctr" anchorCtr="0">
-            <a:noAutofit/>
-          </a:bodyPr>
-          <a:lstStyle/>
-          <a:p>
-            <a:pPr marL="0" lvl="0" indent="0" algn="l" rtl="0">
-              <a:spcBef>
-                <a:spcPts val="0"/>
-              </a:spcBef>
-              <a:spcAft>
-                <a:spcPts val="0"/>
-              </a:spcAft>
-              <a:buNone/>
-            </a:pPr>
-            <a:endParaRPr>
-              <a:solidFill>
-                <a:srgbClr val="0E2A47"/>
-              </a:solidFill>
-            </a:endParaRPr>
-          </a:p>
-        </p:txBody>
-      </p:sp>
-      <p:sp>
-        <p:nvSpPr>
-          <p:cNvPr id="428" name="Google Shape;428;p28"/>
-          <p:cNvSpPr/>
-          <p:nvPr/>
-        </p:nvSpPr>
-        <p:spPr>
-          <a:xfrm>
-            <a:off x="5180573" y="3535575"/>
-            <a:ext cx="322818" cy="329163"/>
-          </a:xfrm>
-          <a:custGeom>
-            <a:avLst/>
-            <a:gdLst/>
-            <a:ahLst/>
-            <a:cxnLst/>
-            <a:rect l="l" t="t" r="r" b="b"/>
-            <a:pathLst>
-              <a:path w="21266" h="21684" extrusionOk="0">
-                <a:moveTo>
-                  <a:pt x="1" y="1"/>
-                </a:moveTo>
-                <a:lnTo>
-                  <a:pt x="1" y="21684"/>
-                </a:lnTo>
-                <a:lnTo>
-                  <a:pt x="21265" y="21684"/>
-                </a:lnTo>
-                <a:lnTo>
-                  <a:pt x="21265" y="1"/>
-                </a:lnTo>
-                <a:close/>
-              </a:path>
-            </a:pathLst>
-          </a:custGeom>
-          <a:solidFill>
-            <a:schemeClr val="accent1"/>
-          </a:solidFill>
-          <a:ln>
-            <a:noFill/>
-          </a:ln>
-        </p:spPr>
-        <p:txBody>
-          <a:bodyPr spcFirstLastPara="1" wrap="square" lIns="91425" tIns="91425" rIns="91425" bIns="91425" anchor="ctr" anchorCtr="0">
-            <a:noAutofit/>
-          </a:bodyPr>
-          <a:lstStyle/>
-          <a:p>
-            <a:pPr marL="0" lvl="0" indent="0" algn="l" rtl="0">
-              <a:spcBef>
-                <a:spcPts val="0"/>
-              </a:spcBef>
-              <a:spcAft>
-                <a:spcPts val="0"/>
-              </a:spcAft>
-              <a:buNone/>
-            </a:pPr>
-            <a:endParaRPr/>
-          </a:p>
-        </p:txBody>
-      </p:sp>
-      <p:sp>
-        <p:nvSpPr>
-          <p:cNvPr id="429" name="Google Shape;429;p28"/>
-          <p:cNvSpPr/>
-          <p:nvPr/>
-        </p:nvSpPr>
-        <p:spPr>
-          <a:xfrm>
-            <a:off x="5242842" y="3644719"/>
-            <a:ext cx="218729" cy="109463"/>
-          </a:xfrm>
-          <a:custGeom>
-            <a:avLst/>
-            <a:gdLst/>
-            <a:ahLst/>
-            <a:cxnLst/>
-            <a:rect l="l" t="t" r="r" b="b"/>
-            <a:pathLst>
-              <a:path w="14409" h="7211" extrusionOk="0">
-                <a:moveTo>
-                  <a:pt x="13060" y="1"/>
-                </a:moveTo>
-                <a:cubicBezTo>
-                  <a:pt x="12832" y="1"/>
-                  <a:pt x="12594" y="102"/>
-                  <a:pt x="12391" y="345"/>
-                </a:cubicBezTo>
-                <a:lnTo>
-                  <a:pt x="6950" y="5117"/>
-                </a:lnTo>
-                <a:lnTo>
-                  <a:pt x="1592" y="345"/>
-                </a:lnTo>
-                <a:cubicBezTo>
-                  <a:pt x="1424" y="178"/>
-                  <a:pt x="1194" y="94"/>
-                  <a:pt x="964" y="94"/>
-                </a:cubicBezTo>
-                <a:cubicBezTo>
-                  <a:pt x="734" y="94"/>
-                  <a:pt x="503" y="178"/>
-                  <a:pt x="336" y="345"/>
-                </a:cubicBezTo>
-                <a:cubicBezTo>
-                  <a:pt x="1" y="764"/>
-                  <a:pt x="1" y="1266"/>
-                  <a:pt x="336" y="1601"/>
-                </a:cubicBezTo>
-                <a:lnTo>
-                  <a:pt x="6364" y="6959"/>
-                </a:lnTo>
-                <a:cubicBezTo>
-                  <a:pt x="6531" y="7127"/>
-                  <a:pt x="6761" y="7210"/>
-                  <a:pt x="6992" y="7210"/>
-                </a:cubicBezTo>
-                <a:cubicBezTo>
-                  <a:pt x="7222" y="7210"/>
-                  <a:pt x="7452" y="7127"/>
-                  <a:pt x="7619" y="6959"/>
-                </a:cubicBezTo>
-                <a:lnTo>
-                  <a:pt x="13647" y="1685"/>
-                </a:lnTo>
-                <a:cubicBezTo>
-                  <a:pt x="14408" y="987"/>
-                  <a:pt x="13776" y="1"/>
-                  <a:pt x="13060" y="1"/>
-                </a:cubicBezTo>
-                <a:close/>
-              </a:path>
-            </a:pathLst>
-          </a:custGeom>
-          <a:solidFill>
-            <a:srgbClr val="FFFFFF"/>
-          </a:solidFill>
-          <a:ln>
-            <a:noFill/>
-          </a:ln>
-        </p:spPr>
-        <p:txBody>
-          <a:bodyPr spcFirstLastPara="1" wrap="square" lIns="91425" tIns="91425" rIns="91425" bIns="91425" anchor="ctr" anchorCtr="0">
-            <a:noAutofit/>
-          </a:bodyPr>
-          <a:lstStyle/>
-          <a:p>
-            <a:pPr marL="0" lvl="0" indent="0" algn="l" rtl="0">
-              <a:spcBef>
-                <a:spcPts val="0"/>
-              </a:spcBef>
-              <a:spcAft>
-                <a:spcPts val="0"/>
-              </a:spcAft>
-              <a:buNone/>
-            </a:pPr>
-            <a:endParaRPr/>
-          </a:p>
-        </p:txBody>
-      </p:sp>
-      <p:sp>
-        <p:nvSpPr>
-          <p:cNvPr id="430" name="Google Shape;430;p28"/>
-          <p:cNvSpPr/>
-          <p:nvPr/>
-        </p:nvSpPr>
-        <p:spPr>
-          <a:xfrm>
-            <a:off x="5683836" y="3292847"/>
-            <a:ext cx="704079" cy="155049"/>
-          </a:xfrm>
-          <a:custGeom>
-            <a:avLst/>
-            <a:gdLst/>
-            <a:ahLst/>
-            <a:cxnLst/>
-            <a:rect l="l" t="t" r="r" b="b"/>
-            <a:pathLst>
-              <a:path w="46382" h="10214" extrusionOk="0">
-                <a:moveTo>
-                  <a:pt x="1" y="0"/>
-                </a:moveTo>
-                <a:lnTo>
-                  <a:pt x="1" y="10214"/>
-                </a:lnTo>
-                <a:lnTo>
-                  <a:pt x="46381" y="10214"/>
-                </a:lnTo>
-                <a:lnTo>
-                  <a:pt x="46381" y="0"/>
-                </a:lnTo>
-                <a:close/>
-              </a:path>
-            </a:pathLst>
-          </a:custGeom>
-          <a:solidFill>
-            <a:schemeClr val="accent1"/>
-          </a:solidFill>
-          <a:ln>
-            <a:noFill/>
-          </a:ln>
-        </p:spPr>
-        <p:txBody>
-          <a:bodyPr spcFirstLastPara="1" wrap="square" lIns="91425" tIns="91425" rIns="91425" bIns="91425" anchor="ctr" anchorCtr="0">
-            <a:noAutofit/>
-          </a:bodyPr>
-          <a:lstStyle/>
-          <a:p>
-            <a:pPr marL="0" lvl="0" indent="0" algn="l" rtl="0">
-              <a:spcBef>
-                <a:spcPts val="0"/>
-              </a:spcBef>
-              <a:spcAft>
-                <a:spcPts val="0"/>
-              </a:spcAft>
-              <a:buNone/>
-            </a:pPr>
-            <a:endParaRPr/>
-          </a:p>
-        </p:txBody>
-      </p:sp>
-      <p:sp>
-        <p:nvSpPr>
-          <p:cNvPr id="431" name="Google Shape;431;p28"/>
-          <p:cNvSpPr/>
-          <p:nvPr/>
-        </p:nvSpPr>
-        <p:spPr>
-          <a:xfrm>
-            <a:off x="5683836" y="3100941"/>
-            <a:ext cx="704079" cy="155064"/>
-          </a:xfrm>
-          <a:custGeom>
-            <a:avLst/>
-            <a:gdLst/>
-            <a:ahLst/>
-            <a:cxnLst/>
-            <a:rect l="l" t="t" r="r" b="b"/>
-            <a:pathLst>
-              <a:path w="46382" h="10215" extrusionOk="0">
-                <a:moveTo>
-                  <a:pt x="1" y="0"/>
-                </a:moveTo>
-                <a:lnTo>
-                  <a:pt x="1" y="10214"/>
-                </a:lnTo>
-                <a:lnTo>
-                  <a:pt x="46381" y="10214"/>
-                </a:lnTo>
-                <a:lnTo>
-                  <a:pt x="46381" y="0"/>
-                </a:lnTo>
-                <a:close/>
-              </a:path>
-            </a:pathLst>
-          </a:custGeom>
-          <a:solidFill>
-            <a:srgbClr val="FFFFFF"/>
-          </a:solidFill>
-          <a:ln>
-            <a:noFill/>
-          </a:ln>
-        </p:spPr>
-        <p:txBody>
-          <a:bodyPr spcFirstLastPara="1" wrap="square" lIns="91425" tIns="91425" rIns="91425" bIns="91425" anchor="ctr" anchorCtr="0">
-            <a:noAutofit/>
-          </a:bodyPr>
-          <a:lstStyle/>
-          <a:p>
-            <a:pPr marL="0" lvl="0" indent="0" algn="l" rtl="0">
-              <a:spcBef>
-                <a:spcPts val="0"/>
-              </a:spcBef>
-              <a:spcAft>
-                <a:spcPts val="0"/>
-              </a:spcAft>
-              <a:buNone/>
-            </a:pPr>
-            <a:endParaRPr/>
-          </a:p>
-        </p:txBody>
-      </p:sp>
-      <p:sp>
-        <p:nvSpPr>
-          <p:cNvPr id="432" name="Google Shape;432;p28"/>
-          <p:cNvSpPr/>
-          <p:nvPr/>
-        </p:nvSpPr>
-        <p:spPr>
-          <a:xfrm>
-            <a:off x="6387899" y="3102216"/>
-            <a:ext cx="155049" cy="155049"/>
-          </a:xfrm>
-          <a:custGeom>
-            <a:avLst/>
-            <a:gdLst/>
-            <a:ahLst/>
-            <a:cxnLst/>
-            <a:rect l="l" t="t" r="r" b="b"/>
-            <a:pathLst>
-              <a:path w="10214" h="10214" extrusionOk="0">
-                <a:moveTo>
-                  <a:pt x="0" y="0"/>
-                </a:moveTo>
-                <a:lnTo>
-                  <a:pt x="0" y="10214"/>
-                </a:lnTo>
-                <a:lnTo>
-                  <a:pt x="10214" y="10214"/>
-                </a:lnTo>
-                <a:lnTo>
-                  <a:pt x="10214" y="0"/>
-                </a:lnTo>
-                <a:close/>
-              </a:path>
-            </a:pathLst>
-          </a:custGeom>
-          <a:solidFill>
-            <a:schemeClr val="accent1"/>
-          </a:solidFill>
-          <a:ln w="9525" cap="flat" cmpd="sng">
-            <a:solidFill>
-              <a:srgbClr val="48FFD5"/>
-            </a:solidFill>
-            <a:prstDash val="solid"/>
-            <a:round/>
-            <a:headEnd type="none" w="sm" len="sm"/>
-            <a:tailEnd type="none" w="sm" len="sm"/>
-          </a:ln>
-        </p:spPr>
-        <p:txBody>
-          <a:bodyPr spcFirstLastPara="1" wrap="square" lIns="91425" tIns="91425" rIns="91425" bIns="91425" anchor="ctr" anchorCtr="0">
-            <a:noAutofit/>
-          </a:bodyPr>
-          <a:lstStyle/>
-          <a:p>
-            <a:pPr marL="0" lvl="0" indent="0" algn="l" rtl="0">
-              <a:spcBef>
-                <a:spcPts val="0"/>
-              </a:spcBef>
-              <a:spcAft>
-                <a:spcPts val="0"/>
-              </a:spcAft>
-              <a:buNone/>
-            </a:pPr>
-            <a:endParaRPr/>
-          </a:p>
-        </p:txBody>
-      </p:sp>
-      <p:sp>
-        <p:nvSpPr>
-          <p:cNvPr id="433" name="Google Shape;433;p28"/>
-          <p:cNvSpPr/>
-          <p:nvPr/>
-        </p:nvSpPr>
-        <p:spPr>
-          <a:xfrm>
-            <a:off x="6579790" y="3182275"/>
-            <a:ext cx="744746" cy="714234"/>
-          </a:xfrm>
-          <a:custGeom>
-            <a:avLst/>
-            <a:gdLst/>
-            <a:ahLst/>
-            <a:cxnLst/>
-            <a:rect l="l" t="t" r="r" b="b"/>
-            <a:pathLst>
-              <a:path w="49061" h="47051" extrusionOk="0">
-                <a:moveTo>
-                  <a:pt x="1" y="1"/>
-                </a:moveTo>
-                <a:lnTo>
-                  <a:pt x="1" y="47051"/>
-                </a:lnTo>
-                <a:lnTo>
-                  <a:pt x="49060" y="47051"/>
-                </a:lnTo>
-                <a:lnTo>
-                  <a:pt x="49060" y="1"/>
-                </a:lnTo>
-                <a:close/>
-              </a:path>
-            </a:pathLst>
-          </a:custGeom>
-          <a:solidFill>
-            <a:srgbClr val="FFFFFF"/>
-          </a:solidFill>
-          <a:ln>
-            <a:noFill/>
-          </a:ln>
-        </p:spPr>
-        <p:txBody>
-          <a:bodyPr spcFirstLastPara="1" wrap="square" lIns="91425" tIns="91425" rIns="91425" bIns="91425" anchor="ctr" anchorCtr="0">
-            <a:noAutofit/>
-          </a:bodyPr>
-          <a:lstStyle/>
-          <a:p>
-            <a:pPr marL="0" lvl="0" indent="0" algn="l" rtl="0">
-              <a:spcBef>
-                <a:spcPts val="0"/>
-              </a:spcBef>
-              <a:spcAft>
-                <a:spcPts val="0"/>
-              </a:spcAft>
-              <a:buNone/>
-            </a:pPr>
-            <a:endParaRPr/>
-          </a:p>
-        </p:txBody>
-      </p:sp>
-      <p:sp>
-        <p:nvSpPr>
-          <p:cNvPr id="434" name="Google Shape;434;p28"/>
-          <p:cNvSpPr/>
-          <p:nvPr/>
-        </p:nvSpPr>
-        <p:spPr>
-          <a:xfrm>
-            <a:off x="6668745" y="3215322"/>
-            <a:ext cx="728230" cy="623427"/>
-          </a:xfrm>
-          <a:custGeom>
-            <a:avLst/>
-            <a:gdLst/>
-            <a:ahLst/>
-            <a:cxnLst/>
-            <a:rect l="l" t="t" r="r" b="b"/>
-            <a:pathLst>
-              <a:path w="47973" h="41069" extrusionOk="0">
-                <a:moveTo>
-                  <a:pt x="20698" y="2821"/>
-                </a:moveTo>
-                <a:cubicBezTo>
-                  <a:pt x="25039" y="2821"/>
-                  <a:pt x="29467" y="4434"/>
-                  <a:pt x="33070" y="8037"/>
-                </a:cubicBezTo>
-                <a:cubicBezTo>
-                  <a:pt x="44121" y="19172"/>
-                  <a:pt x="36251" y="38176"/>
-                  <a:pt x="20512" y="38176"/>
-                </a:cubicBezTo>
-                <a:cubicBezTo>
-                  <a:pt x="10801" y="38176"/>
-                  <a:pt x="2931" y="30223"/>
-                  <a:pt x="2931" y="20512"/>
-                </a:cubicBezTo>
-                <a:cubicBezTo>
-                  <a:pt x="2931" y="9866"/>
-                  <a:pt x="11625" y="2821"/>
-                  <a:pt x="20698" y="2821"/>
-                </a:cubicBezTo>
-                <a:close/>
-                <a:moveTo>
-                  <a:pt x="20512" y="0"/>
-                </a:moveTo>
-                <a:cubicBezTo>
-                  <a:pt x="9210" y="0"/>
-                  <a:pt x="1" y="9126"/>
-                  <a:pt x="1" y="20512"/>
-                </a:cubicBezTo>
-                <a:cubicBezTo>
-                  <a:pt x="1" y="32859"/>
-                  <a:pt x="10118" y="41068"/>
-                  <a:pt x="20681" y="41068"/>
-                </a:cubicBezTo>
-                <a:cubicBezTo>
-                  <a:pt x="25730" y="41068"/>
-                  <a:pt x="30882" y="39192"/>
-                  <a:pt x="35079" y="34995"/>
-                </a:cubicBezTo>
-                <a:cubicBezTo>
-                  <a:pt x="47972" y="22102"/>
-                  <a:pt x="38847" y="0"/>
-                  <a:pt x="20512" y="0"/>
-                </a:cubicBezTo>
-                <a:close/>
-              </a:path>
-            </a:pathLst>
-          </a:custGeom>
-          <a:solidFill>
-            <a:srgbClr val="0E2A47"/>
-          </a:solidFill>
-          <a:ln>
-            <a:noFill/>
-          </a:ln>
-        </p:spPr>
-        <p:txBody>
-          <a:bodyPr spcFirstLastPara="1" wrap="square" lIns="91425" tIns="91425" rIns="91425" bIns="91425" anchor="ctr" anchorCtr="0">
-            <a:noAutofit/>
-          </a:bodyPr>
-          <a:lstStyle/>
-          <a:p>
-            <a:pPr marL="0" lvl="0" indent="0" algn="l" rtl="0">
-              <a:spcBef>
-                <a:spcPts val="0"/>
-              </a:spcBef>
-              <a:spcAft>
-                <a:spcPts val="0"/>
-              </a:spcAft>
-              <a:buNone/>
-            </a:pPr>
-            <a:endParaRPr>
-              <a:solidFill>
-                <a:srgbClr val="0E2A47"/>
-              </a:solidFill>
-            </a:endParaRPr>
-          </a:p>
-        </p:txBody>
-      </p:sp>
-      <p:sp>
-        <p:nvSpPr>
-          <p:cNvPr id="435" name="Google Shape;435;p28"/>
-          <p:cNvSpPr/>
-          <p:nvPr/>
-        </p:nvSpPr>
-        <p:spPr>
-          <a:xfrm>
-            <a:off x="6905128" y="3364010"/>
-            <a:ext cx="186835" cy="328040"/>
-          </a:xfrm>
-          <a:custGeom>
-            <a:avLst/>
-            <a:gdLst/>
-            <a:ahLst/>
-            <a:cxnLst/>
-            <a:rect l="l" t="t" r="r" b="b"/>
-            <a:pathLst>
-              <a:path w="12308" h="21610" extrusionOk="0">
-                <a:moveTo>
-                  <a:pt x="1508" y="0"/>
-                </a:moveTo>
-                <a:cubicBezTo>
-                  <a:pt x="671" y="0"/>
-                  <a:pt x="1" y="670"/>
-                  <a:pt x="1" y="1507"/>
-                </a:cubicBezTo>
-                <a:lnTo>
-                  <a:pt x="84" y="1507"/>
-                </a:lnTo>
-                <a:lnTo>
-                  <a:pt x="84" y="20177"/>
-                </a:lnTo>
-                <a:cubicBezTo>
-                  <a:pt x="28" y="21028"/>
-                  <a:pt x="740" y="21610"/>
-                  <a:pt x="1492" y="21610"/>
-                </a:cubicBezTo>
-                <a:cubicBezTo>
-                  <a:pt x="1849" y="21610"/>
-                  <a:pt x="2216" y="21478"/>
-                  <a:pt x="2512" y="21181"/>
-                </a:cubicBezTo>
-                <a:lnTo>
-                  <a:pt x="11889" y="11889"/>
-                </a:lnTo>
-                <a:cubicBezTo>
-                  <a:pt x="12140" y="11554"/>
-                  <a:pt x="12307" y="11219"/>
-                  <a:pt x="12307" y="10800"/>
-                </a:cubicBezTo>
-                <a:cubicBezTo>
-                  <a:pt x="12307" y="10465"/>
-                  <a:pt x="12140" y="10047"/>
-                  <a:pt x="11889" y="9796"/>
-                </a:cubicBezTo>
-                <a:lnTo>
-                  <a:pt x="2512" y="419"/>
-                </a:lnTo>
-                <a:cubicBezTo>
-                  <a:pt x="2261" y="168"/>
-                  <a:pt x="1843" y="0"/>
-                  <a:pt x="1508" y="0"/>
-                </a:cubicBezTo>
-                <a:close/>
-              </a:path>
-            </a:pathLst>
-          </a:custGeom>
-          <a:solidFill>
-            <a:srgbClr val="0E2A47"/>
-          </a:solidFill>
-          <a:ln>
-            <a:noFill/>
-          </a:ln>
-        </p:spPr>
-        <p:txBody>
-          <a:bodyPr spcFirstLastPara="1" wrap="square" lIns="91425" tIns="91425" rIns="91425" bIns="91425" anchor="ctr" anchorCtr="0">
-            <a:noAutofit/>
-          </a:bodyPr>
-          <a:lstStyle/>
-          <a:p>
-            <a:pPr marL="0" lvl="0" indent="0" algn="l" rtl="0">
-              <a:spcBef>
-                <a:spcPts val="0"/>
-              </a:spcBef>
-              <a:spcAft>
-                <a:spcPts val="0"/>
-              </a:spcAft>
-              <a:buNone/>
-            </a:pPr>
-            <a:endParaRPr>
-              <a:solidFill>
-                <a:srgbClr val="0E2A47"/>
-              </a:solidFill>
-            </a:endParaRPr>
-          </a:p>
-        </p:txBody>
-      </p:sp>
-      <p:sp>
-        <p:nvSpPr>
-          <p:cNvPr id="436" name="Google Shape;436;p28"/>
-          <p:cNvSpPr/>
-          <p:nvPr/>
-        </p:nvSpPr>
-        <p:spPr>
-          <a:xfrm>
-            <a:off x="6858115" y="1367491"/>
-            <a:ext cx="1476741" cy="1959677"/>
-          </a:xfrm>
-          <a:custGeom>
-            <a:avLst/>
-            <a:gdLst/>
-            <a:ahLst/>
-            <a:cxnLst/>
-            <a:rect l="l" t="t" r="r" b="b"/>
-            <a:pathLst>
-              <a:path w="97282" h="129096" extrusionOk="0">
-                <a:moveTo>
-                  <a:pt x="7702" y="0"/>
-                </a:moveTo>
-                <a:cubicBezTo>
-                  <a:pt x="3433" y="84"/>
-                  <a:pt x="0" y="3684"/>
-                  <a:pt x="84" y="7953"/>
-                </a:cubicBezTo>
-                <a:lnTo>
-                  <a:pt x="84" y="120807"/>
-                </a:lnTo>
-                <a:cubicBezTo>
-                  <a:pt x="84" y="125161"/>
-                  <a:pt x="3349" y="129096"/>
-                  <a:pt x="7702" y="129096"/>
-                </a:cubicBezTo>
-                <a:lnTo>
-                  <a:pt x="89161" y="129096"/>
-                </a:lnTo>
-                <a:cubicBezTo>
-                  <a:pt x="93682" y="128928"/>
-                  <a:pt x="97198" y="125244"/>
-                  <a:pt x="97282" y="120807"/>
-                </a:cubicBezTo>
-                <a:lnTo>
-                  <a:pt x="97282" y="7953"/>
-                </a:lnTo>
-                <a:cubicBezTo>
-                  <a:pt x="97198" y="3600"/>
-                  <a:pt x="93598" y="0"/>
-                  <a:pt x="89161" y="0"/>
-                </a:cubicBezTo>
-                <a:close/>
-              </a:path>
-            </a:pathLst>
-          </a:custGeom>
-          <a:solidFill>
-            <a:schemeClr val="accent1"/>
-          </a:solidFill>
-          <a:ln>
-            <a:noFill/>
-          </a:ln>
-        </p:spPr>
-        <p:txBody>
-          <a:bodyPr spcFirstLastPara="1" wrap="square" lIns="91425" tIns="91425" rIns="91425" bIns="91425" anchor="ctr" anchorCtr="0">
-            <a:noAutofit/>
-          </a:bodyPr>
-          <a:lstStyle/>
-          <a:p>
-            <a:pPr marL="0" lvl="0" indent="0" algn="l" rtl="0">
-              <a:spcBef>
-                <a:spcPts val="0"/>
-              </a:spcBef>
-              <a:spcAft>
-                <a:spcPts val="0"/>
-              </a:spcAft>
-              <a:buNone/>
-            </a:pPr>
-            <a:endParaRPr/>
-          </a:p>
-        </p:txBody>
-      </p:sp>
-      <p:sp>
-        <p:nvSpPr>
-          <p:cNvPr id="437" name="Google Shape;437;p28"/>
-          <p:cNvSpPr/>
-          <p:nvPr/>
-        </p:nvSpPr>
-        <p:spPr>
-          <a:xfrm>
-            <a:off x="6976307" y="1511094"/>
-            <a:ext cx="1241633" cy="1500907"/>
-          </a:xfrm>
-          <a:custGeom>
-            <a:avLst/>
-            <a:gdLst/>
-            <a:ahLst/>
-            <a:cxnLst/>
-            <a:rect l="l" t="t" r="r" b="b"/>
-            <a:pathLst>
-              <a:path w="81794" h="98874" extrusionOk="0">
-                <a:moveTo>
-                  <a:pt x="0" y="0"/>
-                </a:moveTo>
-                <a:lnTo>
-                  <a:pt x="0" y="98873"/>
-                </a:lnTo>
-                <a:lnTo>
-                  <a:pt x="81794" y="98873"/>
-                </a:lnTo>
-                <a:lnTo>
-                  <a:pt x="81794" y="0"/>
-                </a:lnTo>
-                <a:close/>
-              </a:path>
-            </a:pathLst>
-          </a:custGeom>
-          <a:solidFill>
-            <a:srgbClr val="0E2A47"/>
-          </a:solidFill>
-          <a:ln>
-            <a:noFill/>
-          </a:ln>
-        </p:spPr>
-        <p:txBody>
-          <a:bodyPr spcFirstLastPara="1" wrap="square" lIns="91425" tIns="91425" rIns="91425" bIns="91425" anchor="ctr" anchorCtr="0">
-            <a:noAutofit/>
-          </a:bodyPr>
-          <a:lstStyle/>
-          <a:p>
-            <a:pPr marL="0" lvl="0" indent="0" algn="l" rtl="0">
-              <a:spcBef>
-                <a:spcPts val="0"/>
-              </a:spcBef>
-              <a:spcAft>
-                <a:spcPts val="0"/>
-              </a:spcAft>
-              <a:buNone/>
-            </a:pPr>
-            <a:endParaRPr/>
-          </a:p>
-        </p:txBody>
-      </p:sp>
-      <p:sp>
-        <p:nvSpPr>
-          <p:cNvPr id="438" name="Google Shape;438;p28"/>
-          <p:cNvSpPr/>
-          <p:nvPr/>
-        </p:nvSpPr>
-        <p:spPr>
-          <a:xfrm>
-            <a:off x="7513876" y="3086960"/>
-            <a:ext cx="185560" cy="159086"/>
-          </a:xfrm>
-          <a:custGeom>
-            <a:avLst/>
-            <a:gdLst/>
-            <a:ahLst/>
-            <a:cxnLst/>
-            <a:rect l="l" t="t" r="r" b="b"/>
-            <a:pathLst>
-              <a:path w="12224" h="10480" extrusionOk="0">
-                <a:moveTo>
-                  <a:pt x="5275" y="1"/>
-                </a:moveTo>
-                <a:cubicBezTo>
-                  <a:pt x="2344" y="1"/>
-                  <a:pt x="0" y="2345"/>
-                  <a:pt x="0" y="5275"/>
-                </a:cubicBezTo>
-                <a:cubicBezTo>
-                  <a:pt x="0" y="8397"/>
-                  <a:pt x="2579" y="10480"/>
-                  <a:pt x="5283" y="10480"/>
-                </a:cubicBezTo>
-                <a:cubicBezTo>
-                  <a:pt x="6567" y="10480"/>
-                  <a:pt x="7880" y="10010"/>
-                  <a:pt x="8958" y="8959"/>
-                </a:cubicBezTo>
-                <a:cubicBezTo>
-                  <a:pt x="12223" y="5693"/>
-                  <a:pt x="9879" y="1"/>
-                  <a:pt x="5275" y="1"/>
-                </a:cubicBezTo>
-                <a:close/>
-              </a:path>
-            </a:pathLst>
-          </a:custGeom>
-          <a:solidFill>
-            <a:srgbClr val="0E2A47"/>
-          </a:solidFill>
-          <a:ln>
-            <a:noFill/>
-          </a:ln>
-        </p:spPr>
-        <p:txBody>
-          <a:bodyPr spcFirstLastPara="1" wrap="square" lIns="91425" tIns="91425" rIns="91425" bIns="91425" anchor="ctr" anchorCtr="0">
-            <a:noAutofit/>
-          </a:bodyPr>
-          <a:lstStyle/>
-          <a:p>
-            <a:pPr marL="0" lvl="0" indent="0" algn="l" rtl="0">
-              <a:spcBef>
-                <a:spcPts val="0"/>
-              </a:spcBef>
-              <a:spcAft>
-                <a:spcPts val="0"/>
-              </a:spcAft>
-              <a:buNone/>
-            </a:pPr>
-            <a:endParaRPr/>
-          </a:p>
-        </p:txBody>
-      </p:sp>
-      <p:sp>
-        <p:nvSpPr>
-          <p:cNvPr id="439" name="Google Shape;439;p28"/>
-          <p:cNvSpPr/>
-          <p:nvPr/>
-        </p:nvSpPr>
-        <p:spPr>
-          <a:xfrm>
-            <a:off x="7577419" y="1730946"/>
-            <a:ext cx="584612" cy="583352"/>
-          </a:xfrm>
-          <a:custGeom>
-            <a:avLst/>
-            <a:gdLst/>
-            <a:ahLst/>
-            <a:cxnLst/>
-            <a:rect l="l" t="t" r="r" b="b"/>
-            <a:pathLst>
-              <a:path w="38512" h="38429" extrusionOk="0">
-                <a:moveTo>
-                  <a:pt x="19339" y="14484"/>
-                </a:moveTo>
-                <a:cubicBezTo>
-                  <a:pt x="16577" y="14484"/>
-                  <a:pt x="14316" y="16745"/>
-                  <a:pt x="14316" y="19507"/>
-                </a:cubicBezTo>
-                <a:cubicBezTo>
-                  <a:pt x="14316" y="22569"/>
-                  <a:pt x="16812" y="24594"/>
-                  <a:pt x="19411" y="24594"/>
-                </a:cubicBezTo>
-                <a:cubicBezTo>
-                  <a:pt x="20650" y="24594"/>
-                  <a:pt x="21913" y="24134"/>
-                  <a:pt x="22939" y="23107"/>
-                </a:cubicBezTo>
-                <a:cubicBezTo>
-                  <a:pt x="26037" y="19926"/>
-                  <a:pt x="23860" y="14484"/>
-                  <a:pt x="19339" y="14484"/>
-                </a:cubicBezTo>
-                <a:close/>
-                <a:moveTo>
-                  <a:pt x="19256" y="9629"/>
-                </a:moveTo>
-                <a:cubicBezTo>
-                  <a:pt x="25786" y="9629"/>
-                  <a:pt x="30390" y="16075"/>
-                  <a:pt x="28381" y="22354"/>
-                </a:cubicBezTo>
-                <a:cubicBezTo>
-                  <a:pt x="27062" y="26229"/>
-                  <a:pt x="23469" y="28886"/>
-                  <a:pt x="19363" y="28886"/>
-                </a:cubicBezTo>
-                <a:cubicBezTo>
-                  <a:pt x="19299" y="28886"/>
-                  <a:pt x="19236" y="28885"/>
-                  <a:pt x="19172" y="28884"/>
-                </a:cubicBezTo>
-                <a:cubicBezTo>
-                  <a:pt x="12558" y="28884"/>
-                  <a:pt x="7954" y="22438"/>
-                  <a:pt x="10047" y="16159"/>
-                </a:cubicBezTo>
-                <a:cubicBezTo>
-                  <a:pt x="11386" y="12224"/>
-                  <a:pt x="15070" y="9629"/>
-                  <a:pt x="19256" y="9629"/>
-                </a:cubicBezTo>
-                <a:close/>
-                <a:moveTo>
-                  <a:pt x="16242" y="1"/>
-                </a:moveTo>
-                <a:lnTo>
-                  <a:pt x="16242" y="2847"/>
-                </a:lnTo>
-                <a:cubicBezTo>
-                  <a:pt x="13898" y="3266"/>
-                  <a:pt x="11721" y="4187"/>
-                  <a:pt x="9879" y="5526"/>
-                </a:cubicBezTo>
-                <a:lnTo>
-                  <a:pt x="7786" y="3517"/>
-                </a:lnTo>
-                <a:lnTo>
-                  <a:pt x="3433" y="7787"/>
-                </a:lnTo>
-                <a:lnTo>
-                  <a:pt x="5526" y="9796"/>
-                </a:lnTo>
-                <a:cubicBezTo>
-                  <a:pt x="4186" y="11722"/>
-                  <a:pt x="3265" y="13898"/>
-                  <a:pt x="2847" y="16159"/>
-                </a:cubicBezTo>
-                <a:lnTo>
-                  <a:pt x="0" y="16159"/>
-                </a:lnTo>
-                <a:lnTo>
-                  <a:pt x="0" y="22270"/>
-                </a:lnTo>
-                <a:lnTo>
-                  <a:pt x="2847" y="22270"/>
-                </a:lnTo>
-                <a:cubicBezTo>
-                  <a:pt x="3265" y="24531"/>
-                  <a:pt x="4186" y="26707"/>
-                  <a:pt x="5526" y="28633"/>
-                </a:cubicBezTo>
-                <a:lnTo>
-                  <a:pt x="3433" y="30642"/>
-                </a:lnTo>
-                <a:lnTo>
-                  <a:pt x="7786" y="34912"/>
-                </a:lnTo>
-                <a:lnTo>
-                  <a:pt x="9879" y="32903"/>
-                </a:lnTo>
-                <a:cubicBezTo>
-                  <a:pt x="11721" y="34242"/>
-                  <a:pt x="13898" y="35163"/>
-                  <a:pt x="16242" y="35582"/>
-                </a:cubicBezTo>
-                <a:lnTo>
-                  <a:pt x="16242" y="38428"/>
-                </a:lnTo>
-                <a:lnTo>
-                  <a:pt x="22270" y="38428"/>
-                </a:lnTo>
-                <a:lnTo>
-                  <a:pt x="22270" y="35582"/>
-                </a:lnTo>
-                <a:cubicBezTo>
-                  <a:pt x="24614" y="35163"/>
-                  <a:pt x="26790" y="34242"/>
-                  <a:pt x="28716" y="32903"/>
-                </a:cubicBezTo>
-                <a:lnTo>
-                  <a:pt x="30809" y="34996"/>
-                </a:lnTo>
-                <a:lnTo>
-                  <a:pt x="35079" y="30642"/>
-                </a:lnTo>
-                <a:lnTo>
-                  <a:pt x="33069" y="28633"/>
-                </a:lnTo>
-                <a:cubicBezTo>
-                  <a:pt x="34325" y="26707"/>
-                  <a:pt x="35246" y="24531"/>
-                  <a:pt x="35665" y="22270"/>
-                </a:cubicBezTo>
-                <a:lnTo>
-                  <a:pt x="38511" y="22270"/>
-                </a:lnTo>
-                <a:lnTo>
-                  <a:pt x="38511" y="16242"/>
-                </a:lnTo>
-                <a:lnTo>
-                  <a:pt x="35665" y="16242"/>
-                </a:lnTo>
-                <a:cubicBezTo>
-                  <a:pt x="35246" y="13898"/>
-                  <a:pt x="34325" y="11722"/>
-                  <a:pt x="33069" y="9796"/>
-                </a:cubicBezTo>
-                <a:lnTo>
-                  <a:pt x="35079" y="7787"/>
-                </a:lnTo>
-                <a:lnTo>
-                  <a:pt x="30809" y="3517"/>
-                </a:lnTo>
-                <a:lnTo>
-                  <a:pt x="28716" y="5526"/>
-                </a:lnTo>
-                <a:cubicBezTo>
-                  <a:pt x="26790" y="4187"/>
-                  <a:pt x="24614" y="3350"/>
-                  <a:pt x="22270" y="2847"/>
-                </a:cubicBezTo>
-                <a:lnTo>
-                  <a:pt x="22270" y="1"/>
-                </a:lnTo>
-                <a:close/>
-              </a:path>
-            </a:pathLst>
-          </a:custGeom>
-          <a:solidFill>
-            <a:schemeClr val="accent1"/>
-          </a:solidFill>
-          <a:ln>
-            <a:noFill/>
-          </a:ln>
-        </p:spPr>
-        <p:txBody>
-          <a:bodyPr spcFirstLastPara="1" wrap="square" lIns="91425" tIns="91425" rIns="91425" bIns="91425" anchor="ctr" anchorCtr="0">
-            <a:noAutofit/>
-          </a:bodyPr>
-          <a:lstStyle/>
-          <a:p>
-            <a:pPr marL="0" lvl="0" indent="0" algn="l" rtl="0">
-              <a:spcBef>
-                <a:spcPts val="0"/>
-              </a:spcBef>
-              <a:spcAft>
-                <a:spcPts val="0"/>
-              </a:spcAft>
-              <a:buNone/>
-            </a:pPr>
-            <a:endParaRPr/>
-          </a:p>
-        </p:txBody>
-      </p:sp>
-      <p:sp>
-        <p:nvSpPr>
-          <p:cNvPr id="440" name="Google Shape;440;p28"/>
-          <p:cNvSpPr/>
-          <p:nvPr/>
-        </p:nvSpPr>
-        <p:spPr>
-          <a:xfrm>
-            <a:off x="7107204" y="1832622"/>
-            <a:ext cx="432099" cy="430839"/>
-          </a:xfrm>
-          <a:custGeom>
-            <a:avLst/>
-            <a:gdLst/>
-            <a:ahLst/>
-            <a:cxnLst/>
-            <a:rect l="l" t="t" r="r" b="b"/>
-            <a:pathLst>
-              <a:path w="28465" h="28382" extrusionOk="0">
-                <a:moveTo>
-                  <a:pt x="14316" y="10633"/>
-                </a:moveTo>
-                <a:cubicBezTo>
-                  <a:pt x="12307" y="10633"/>
-                  <a:pt x="10632" y="12307"/>
-                  <a:pt x="10632" y="14400"/>
-                </a:cubicBezTo>
-                <a:cubicBezTo>
-                  <a:pt x="10632" y="16628"/>
-                  <a:pt x="12504" y="18154"/>
-                  <a:pt x="14437" y="18154"/>
-                </a:cubicBezTo>
-                <a:cubicBezTo>
-                  <a:pt x="15337" y="18154"/>
-                  <a:pt x="16251" y="17824"/>
-                  <a:pt x="16995" y="17079"/>
-                </a:cubicBezTo>
-                <a:cubicBezTo>
-                  <a:pt x="19339" y="14651"/>
-                  <a:pt x="17665" y="10633"/>
-                  <a:pt x="14316" y="10633"/>
-                </a:cubicBezTo>
-                <a:close/>
-                <a:moveTo>
-                  <a:pt x="14232" y="7033"/>
-                </a:moveTo>
-                <a:cubicBezTo>
-                  <a:pt x="19088" y="7033"/>
-                  <a:pt x="22521" y="11805"/>
-                  <a:pt x="21014" y="16493"/>
-                </a:cubicBezTo>
-                <a:cubicBezTo>
-                  <a:pt x="20093" y="19340"/>
-                  <a:pt x="17330" y="21349"/>
-                  <a:pt x="14232" y="21349"/>
-                </a:cubicBezTo>
-                <a:cubicBezTo>
-                  <a:pt x="9377" y="21265"/>
-                  <a:pt x="5944" y="16493"/>
-                  <a:pt x="7535" y="11889"/>
-                </a:cubicBezTo>
-                <a:lnTo>
-                  <a:pt x="7451" y="11889"/>
-                </a:lnTo>
-                <a:cubicBezTo>
-                  <a:pt x="8372" y="8958"/>
-                  <a:pt x="11135" y="7033"/>
-                  <a:pt x="14232" y="7033"/>
-                </a:cubicBezTo>
-                <a:close/>
-                <a:moveTo>
-                  <a:pt x="11972" y="0"/>
-                </a:moveTo>
-                <a:lnTo>
-                  <a:pt x="11972" y="2093"/>
-                </a:lnTo>
-                <a:cubicBezTo>
-                  <a:pt x="10298" y="2428"/>
-                  <a:pt x="8707" y="3098"/>
-                  <a:pt x="7284" y="4103"/>
-                </a:cubicBezTo>
-                <a:lnTo>
-                  <a:pt x="5777" y="2596"/>
-                </a:lnTo>
-                <a:lnTo>
-                  <a:pt x="2595" y="5693"/>
-                </a:lnTo>
-                <a:lnTo>
-                  <a:pt x="4102" y="7200"/>
-                </a:lnTo>
-                <a:cubicBezTo>
-                  <a:pt x="3098" y="8623"/>
-                  <a:pt x="2428" y="10214"/>
-                  <a:pt x="2177" y="11972"/>
-                </a:cubicBezTo>
-                <a:lnTo>
-                  <a:pt x="2093" y="11889"/>
-                </a:lnTo>
-                <a:lnTo>
-                  <a:pt x="0" y="11889"/>
-                </a:lnTo>
-                <a:lnTo>
-                  <a:pt x="0" y="16493"/>
-                </a:lnTo>
-                <a:lnTo>
-                  <a:pt x="2093" y="16493"/>
-                </a:lnTo>
-                <a:cubicBezTo>
-                  <a:pt x="2428" y="18167"/>
-                  <a:pt x="3098" y="19758"/>
-                  <a:pt x="4102" y="21181"/>
-                </a:cubicBezTo>
-                <a:lnTo>
-                  <a:pt x="2595" y="22688"/>
-                </a:lnTo>
-                <a:lnTo>
-                  <a:pt x="5693" y="25786"/>
-                </a:lnTo>
-                <a:lnTo>
-                  <a:pt x="7200" y="24363"/>
-                </a:lnTo>
-                <a:cubicBezTo>
-                  <a:pt x="8623" y="25284"/>
-                  <a:pt x="10214" y="25953"/>
-                  <a:pt x="11972" y="26288"/>
-                </a:cubicBezTo>
-                <a:lnTo>
-                  <a:pt x="11972" y="28381"/>
-                </a:lnTo>
-                <a:lnTo>
-                  <a:pt x="16493" y="28381"/>
-                </a:lnTo>
-                <a:lnTo>
-                  <a:pt x="16493" y="26288"/>
-                </a:lnTo>
-                <a:cubicBezTo>
-                  <a:pt x="18167" y="25953"/>
-                  <a:pt x="19758" y="25284"/>
-                  <a:pt x="21181" y="24363"/>
-                </a:cubicBezTo>
-                <a:lnTo>
-                  <a:pt x="22772" y="25870"/>
-                </a:lnTo>
-                <a:lnTo>
-                  <a:pt x="25869" y="22772"/>
-                </a:lnTo>
-                <a:lnTo>
-                  <a:pt x="24362" y="21265"/>
-                </a:lnTo>
-                <a:cubicBezTo>
-                  <a:pt x="25367" y="19758"/>
-                  <a:pt x="26037" y="18167"/>
-                  <a:pt x="26372" y="16493"/>
-                </a:cubicBezTo>
-                <a:lnTo>
-                  <a:pt x="28465" y="16493"/>
-                </a:lnTo>
-                <a:lnTo>
-                  <a:pt x="28465" y="11972"/>
-                </a:lnTo>
-                <a:lnTo>
-                  <a:pt x="26372" y="11972"/>
-                </a:lnTo>
-                <a:cubicBezTo>
-                  <a:pt x="26037" y="10214"/>
-                  <a:pt x="25367" y="8623"/>
-                  <a:pt x="24362" y="7200"/>
-                </a:cubicBezTo>
-                <a:lnTo>
-                  <a:pt x="25869" y="5693"/>
-                </a:lnTo>
-                <a:lnTo>
-                  <a:pt x="22772" y="2596"/>
-                </a:lnTo>
-                <a:lnTo>
-                  <a:pt x="21265" y="4103"/>
-                </a:lnTo>
-                <a:cubicBezTo>
-                  <a:pt x="19842" y="3098"/>
-                  <a:pt x="18167" y="2428"/>
-                  <a:pt x="16493" y="2093"/>
-                </a:cubicBezTo>
-                <a:lnTo>
-                  <a:pt x="16493" y="0"/>
-                </a:lnTo>
-                <a:close/>
-              </a:path>
-            </a:pathLst>
-          </a:custGeom>
-          <a:solidFill>
-            <a:srgbClr val="FFFFFF"/>
-          </a:solidFill>
-          <a:ln>
-            <a:noFill/>
-          </a:ln>
-        </p:spPr>
-        <p:txBody>
-          <a:bodyPr spcFirstLastPara="1" wrap="square" lIns="91425" tIns="91425" rIns="91425" bIns="91425" anchor="ctr" anchorCtr="0">
-            <a:noAutofit/>
-          </a:bodyPr>
-          <a:lstStyle/>
-          <a:p>
-            <a:pPr marL="0" lvl="0" indent="0" algn="l" rtl="0">
-              <a:spcBef>
-                <a:spcPts val="0"/>
-              </a:spcBef>
-              <a:spcAft>
-                <a:spcPts val="0"/>
-              </a:spcAft>
-              <a:buNone/>
-            </a:pPr>
-            <a:endParaRPr/>
-          </a:p>
-        </p:txBody>
-      </p:sp>
-      <p:sp>
-        <p:nvSpPr>
-          <p:cNvPr id="441" name="Google Shape;441;p28"/>
-          <p:cNvSpPr/>
-          <p:nvPr/>
-        </p:nvSpPr>
-        <p:spPr>
-          <a:xfrm>
-            <a:off x="7225395" y="2240569"/>
-            <a:ext cx="636710" cy="635450"/>
-          </a:xfrm>
-          <a:custGeom>
-            <a:avLst/>
-            <a:gdLst/>
-            <a:ahLst/>
-            <a:cxnLst/>
-            <a:rect l="l" t="t" r="r" b="b"/>
-            <a:pathLst>
-              <a:path w="41944" h="41861" extrusionOk="0">
-                <a:moveTo>
-                  <a:pt x="21243" y="15752"/>
-                </a:moveTo>
-                <a:cubicBezTo>
-                  <a:pt x="20950" y="15752"/>
-                  <a:pt x="20650" y="15775"/>
-                  <a:pt x="20344" y="15823"/>
-                </a:cubicBezTo>
-                <a:cubicBezTo>
-                  <a:pt x="17414" y="16242"/>
-                  <a:pt x="15321" y="19005"/>
-                  <a:pt x="15823" y="22019"/>
-                </a:cubicBezTo>
-                <a:cubicBezTo>
-                  <a:pt x="16280" y="24914"/>
-                  <a:pt x="18709" y="26576"/>
-                  <a:pt x="21185" y="26576"/>
-                </a:cubicBezTo>
-                <a:cubicBezTo>
-                  <a:pt x="22790" y="26576"/>
-                  <a:pt x="24415" y="25877"/>
-                  <a:pt x="25534" y="24363"/>
-                </a:cubicBezTo>
-                <a:cubicBezTo>
-                  <a:pt x="28198" y="20680"/>
-                  <a:pt x="25510" y="15752"/>
-                  <a:pt x="21243" y="15752"/>
-                </a:cubicBezTo>
-                <a:close/>
-                <a:moveTo>
-                  <a:pt x="21052" y="10506"/>
-                </a:moveTo>
-                <a:cubicBezTo>
-                  <a:pt x="27354" y="10506"/>
-                  <a:pt x="32385" y="16206"/>
-                  <a:pt x="31227" y="22688"/>
-                </a:cubicBezTo>
-                <a:cubicBezTo>
-                  <a:pt x="30474" y="27125"/>
-                  <a:pt x="26958" y="30474"/>
-                  <a:pt x="22604" y="31144"/>
-                </a:cubicBezTo>
-                <a:cubicBezTo>
-                  <a:pt x="22054" y="31229"/>
-                  <a:pt x="21510" y="31270"/>
-                  <a:pt x="20975" y="31270"/>
-                </a:cubicBezTo>
-                <a:cubicBezTo>
-                  <a:pt x="14673" y="31270"/>
-                  <a:pt x="9642" y="25571"/>
-                  <a:pt x="10800" y="19088"/>
-                </a:cubicBezTo>
-                <a:cubicBezTo>
-                  <a:pt x="11470" y="14735"/>
-                  <a:pt x="14986" y="11302"/>
-                  <a:pt x="19423" y="10633"/>
-                </a:cubicBezTo>
-                <a:cubicBezTo>
-                  <a:pt x="19973" y="10548"/>
-                  <a:pt x="20517" y="10506"/>
-                  <a:pt x="21052" y="10506"/>
-                </a:cubicBezTo>
-                <a:close/>
-                <a:moveTo>
-                  <a:pt x="21097" y="0"/>
-                </a:moveTo>
-                <a:lnTo>
-                  <a:pt x="17916" y="503"/>
-                </a:lnTo>
-                <a:lnTo>
-                  <a:pt x="14651" y="1005"/>
-                </a:lnTo>
-                <a:lnTo>
-                  <a:pt x="15153" y="4019"/>
-                </a:lnTo>
-                <a:cubicBezTo>
-                  <a:pt x="12725" y="4856"/>
-                  <a:pt x="10632" y="6196"/>
-                  <a:pt x="8791" y="7870"/>
-                </a:cubicBezTo>
-                <a:lnTo>
-                  <a:pt x="6279" y="6112"/>
-                </a:lnTo>
-                <a:lnTo>
-                  <a:pt x="2428" y="11302"/>
-                </a:lnTo>
-                <a:lnTo>
-                  <a:pt x="4856" y="13144"/>
-                </a:lnTo>
-                <a:cubicBezTo>
-                  <a:pt x="3767" y="15405"/>
-                  <a:pt x="3181" y="17833"/>
-                  <a:pt x="3098" y="20344"/>
-                </a:cubicBezTo>
-                <a:lnTo>
-                  <a:pt x="0" y="20846"/>
-                </a:lnTo>
-                <a:lnTo>
-                  <a:pt x="1005" y="27293"/>
-                </a:lnTo>
-                <a:lnTo>
-                  <a:pt x="4102" y="26791"/>
-                </a:lnTo>
-                <a:cubicBezTo>
-                  <a:pt x="4939" y="29135"/>
-                  <a:pt x="6195" y="31311"/>
-                  <a:pt x="7953" y="33153"/>
-                </a:cubicBezTo>
-                <a:lnTo>
-                  <a:pt x="6112" y="35665"/>
-                </a:lnTo>
-                <a:lnTo>
-                  <a:pt x="11386" y="39516"/>
-                </a:lnTo>
-                <a:lnTo>
-                  <a:pt x="13144" y="37004"/>
-                </a:lnTo>
-                <a:cubicBezTo>
-                  <a:pt x="15404" y="38093"/>
-                  <a:pt x="17916" y="38679"/>
-                  <a:pt x="20428" y="38762"/>
-                </a:cubicBezTo>
-                <a:lnTo>
-                  <a:pt x="20930" y="41860"/>
-                </a:lnTo>
-                <a:lnTo>
-                  <a:pt x="24195" y="41358"/>
-                </a:lnTo>
-                <a:lnTo>
-                  <a:pt x="27376" y="40855"/>
-                </a:lnTo>
-                <a:lnTo>
-                  <a:pt x="26958" y="37842"/>
-                </a:lnTo>
-                <a:cubicBezTo>
-                  <a:pt x="29302" y="37004"/>
-                  <a:pt x="31478" y="35665"/>
-                  <a:pt x="33237" y="33990"/>
-                </a:cubicBezTo>
-                <a:lnTo>
-                  <a:pt x="35748" y="35832"/>
-                </a:lnTo>
-                <a:lnTo>
-                  <a:pt x="39599" y="30558"/>
-                </a:lnTo>
-                <a:lnTo>
-                  <a:pt x="37088" y="28716"/>
-                </a:lnTo>
-                <a:cubicBezTo>
-                  <a:pt x="38176" y="26456"/>
-                  <a:pt x="38846" y="24028"/>
-                  <a:pt x="38929" y="21516"/>
-                </a:cubicBezTo>
-                <a:lnTo>
-                  <a:pt x="41943" y="21014"/>
-                </a:lnTo>
-                <a:lnTo>
-                  <a:pt x="40939" y="14568"/>
-                </a:lnTo>
-                <a:lnTo>
-                  <a:pt x="37925" y="15070"/>
-                </a:lnTo>
-                <a:cubicBezTo>
-                  <a:pt x="37088" y="12642"/>
-                  <a:pt x="35748" y="10549"/>
-                  <a:pt x="34074" y="8707"/>
-                </a:cubicBezTo>
-                <a:lnTo>
-                  <a:pt x="35916" y="6196"/>
-                </a:lnTo>
-                <a:lnTo>
-                  <a:pt x="30641" y="2344"/>
-                </a:lnTo>
-                <a:lnTo>
-                  <a:pt x="28799" y="4856"/>
-                </a:lnTo>
-                <a:cubicBezTo>
-                  <a:pt x="26539" y="3684"/>
-                  <a:pt x="24111" y="3098"/>
-                  <a:pt x="21600" y="3014"/>
-                </a:cubicBezTo>
-                <a:lnTo>
-                  <a:pt x="21097" y="0"/>
-                </a:lnTo>
-                <a:close/>
-              </a:path>
-            </a:pathLst>
-          </a:custGeom>
-          <a:solidFill>
-            <a:srgbClr val="FFFFFF"/>
-          </a:solidFill>
-          <a:ln>
-            <a:noFill/>
-          </a:ln>
-        </p:spPr>
-        <p:txBody>
-          <a:bodyPr spcFirstLastPara="1" wrap="square" lIns="91425" tIns="91425" rIns="91425" bIns="91425" anchor="ctr" anchorCtr="0">
-            <a:noAutofit/>
-          </a:bodyPr>
-          <a:lstStyle/>
-          <a:p>
-            <a:pPr marL="0" lvl="0" indent="0" algn="l" rtl="0">
-              <a:spcBef>
-                <a:spcPts val="0"/>
-              </a:spcBef>
-              <a:spcAft>
-                <a:spcPts val="0"/>
-              </a:spcAft>
-              <a:buNone/>
-            </a:pPr>
-            <a:endParaRPr/>
-          </a:p>
-        </p:txBody>
-      </p:sp>
       <p:grpSp>
         <p:nvGrpSpPr>
-          <p:cNvPr id="44" name="Google Shape;412;p28">
+          <p:cNvPr id="19" name="Google Shape;412;p28">
             <a:extLst>
               <a:ext uri="{FF2B5EF4-FFF2-40B4-BE49-F238E27FC236}">
-                <a16:creationId xmlns:a16="http://schemas.microsoft.com/office/drawing/2014/main" id="{88DA7FB2-D038-E088-7FD1-1AC1A51400CA}"/>
+                <a16:creationId xmlns:a16="http://schemas.microsoft.com/office/drawing/2014/main" id="{5F962DBF-55B4-379A-463F-D476144F91C0}"/>
               </a:ext>
             </a:extLst>
           </p:cNvPr>
@@ -19990,7 +18087,7 @@
         </p:nvGrpSpPr>
         <p:grpSpPr>
           <a:xfrm rot="10800000" flipH="1">
-            <a:off x="884607" y="2005125"/>
+            <a:off x="5381094" y="3084431"/>
             <a:ext cx="302125" cy="163726"/>
             <a:chOff x="1319675" y="779200"/>
             <a:chExt cx="2343875" cy="1270175"/>
@@ -19998,10 +18095,10 @@
         </p:grpSpPr>
         <p:sp>
           <p:nvSpPr>
-            <p:cNvPr id="45" name="Google Shape;413;p28">
+            <p:cNvPr id="20" name="Google Shape;413;p28">
               <a:extLst>
                 <a:ext uri="{FF2B5EF4-FFF2-40B4-BE49-F238E27FC236}">
-                  <a16:creationId xmlns:a16="http://schemas.microsoft.com/office/drawing/2014/main" id="{FA700599-E230-58C7-9F82-F348723D91A6}"/>
+                  <a16:creationId xmlns:a16="http://schemas.microsoft.com/office/drawing/2014/main" id="{33467C42-1260-68CA-83F9-5A1554F6D46E}"/>
                 </a:ext>
               </a:extLst>
             </p:cNvPr>
@@ -20081,10 +18178,10 @@
         </p:sp>
         <p:sp>
           <p:nvSpPr>
-            <p:cNvPr id="46" name="Google Shape;414;p28">
+            <p:cNvPr id="21" name="Google Shape;414;p28">
               <a:extLst>
                 <a:ext uri="{FF2B5EF4-FFF2-40B4-BE49-F238E27FC236}">
-                  <a16:creationId xmlns:a16="http://schemas.microsoft.com/office/drawing/2014/main" id="{DD3B3E3D-662D-C8AC-8B03-6934151EC245}"/>
+                  <a16:creationId xmlns:a16="http://schemas.microsoft.com/office/drawing/2014/main" id="{3A8B21AD-BD31-47A1-99F4-9B25BBA9AA8B}"/>
                 </a:ext>
               </a:extLst>
             </p:cNvPr>
@@ -20152,10 +18249,10 @@
         </p:sp>
         <p:sp>
           <p:nvSpPr>
-            <p:cNvPr id="47" name="Google Shape;415;p28">
+            <p:cNvPr id="22" name="Google Shape;415;p28">
               <a:extLst>
                 <a:ext uri="{FF2B5EF4-FFF2-40B4-BE49-F238E27FC236}">
-                  <a16:creationId xmlns:a16="http://schemas.microsoft.com/office/drawing/2014/main" id="{1DC11AF1-2EF8-07AA-EC00-B932CE11D673}"/>
+                  <a16:creationId xmlns:a16="http://schemas.microsoft.com/office/drawing/2014/main" id="{2A3E6A5C-0C7D-B3D5-48C4-1C2B1A0C4A1E}"/>
                 </a:ext>
               </a:extLst>
             </p:cNvPr>
@@ -20236,10 +18333,215 @@
       </p:grpSp>
       <p:pic>
         <p:nvPicPr>
-          <p:cNvPr id="3" name="Immagine 2">
+          <p:cNvPr id="23" name="Immagine 22">
             <a:extLst>
               <a:ext uri="{FF2B5EF4-FFF2-40B4-BE49-F238E27FC236}">
-                <a16:creationId xmlns:a16="http://schemas.microsoft.com/office/drawing/2014/main" id="{00D5018C-CB62-6B2B-63D7-B8936500ACD6}"/>
+                <a16:creationId xmlns:a16="http://schemas.microsoft.com/office/drawing/2014/main" id="{419A243D-3B88-6848-188F-95E5A32F46AE}"/>
+              </a:ext>
+            </a:extLst>
+          </p:cNvPr>
+          <p:cNvPicPr>
+            <a:picLocks noChangeAspect="1"/>
+          </p:cNvPicPr>
+          <p:nvPr/>
+        </p:nvPicPr>
+        <p:blipFill>
+          <a:blip r:embed="rId4"/>
+          <a:stretch>
+            <a:fillRect/>
+          </a:stretch>
+        </p:blipFill>
+        <p:spPr>
+          <a:xfrm>
+            <a:off x="5381094" y="3727219"/>
+            <a:ext cx="282657" cy="282657"/>
+          </a:xfrm>
+          <a:prstGeom prst="rect">
+            <a:avLst/>
+          </a:prstGeom>
+        </p:spPr>
+      </p:pic>
+      <p:pic>
+        <p:nvPicPr>
+          <p:cNvPr id="24" name="Immagine 23">
+            <a:extLst>
+              <a:ext uri="{FF2B5EF4-FFF2-40B4-BE49-F238E27FC236}">
+                <a16:creationId xmlns:a16="http://schemas.microsoft.com/office/drawing/2014/main" id="{C73E5FFD-F9BC-41D9-EC16-061265C6D098}"/>
+              </a:ext>
+            </a:extLst>
+          </p:cNvPr>
+          <p:cNvPicPr>
+            <a:picLocks noChangeAspect="1"/>
+          </p:cNvPicPr>
+          <p:nvPr/>
+        </p:nvPicPr>
+        <p:blipFill>
+          <a:blip r:embed="rId5"/>
+          <a:stretch>
+            <a:fillRect/>
+          </a:stretch>
+        </p:blipFill>
+        <p:spPr>
+          <a:xfrm>
+            <a:off x="5406563" y="4454192"/>
+            <a:ext cx="231400" cy="231400"/>
+          </a:xfrm>
+          <a:prstGeom prst="rect">
+            <a:avLst/>
+          </a:prstGeom>
+        </p:spPr>
+      </p:pic>
+    </p:spTree>
+    <p:extLst>
+      <p:ext uri="{BB962C8B-B14F-4D97-AF65-F5344CB8AC3E}">
+        <p14:creationId xmlns:p14="http://schemas.microsoft.com/office/powerpoint/2010/main" val="85663234"/>
+      </p:ext>
+    </p:extLst>
+  </p:cSld>
+  <p:clrMapOvr>
+    <a:masterClrMapping/>
+  </p:clrMapOvr>
+</p:sld>
+</file>
+
+<file path=ppt/slides/slide5.xml><?xml version="1.0" encoding="utf-8"?>
+<p:sld xmlns:a="http://schemas.openxmlformats.org/drawingml/2006/main" xmlns:r="http://schemas.openxmlformats.org/officeDocument/2006/relationships" xmlns:p="http://schemas.openxmlformats.org/presentationml/2006/main">
+  <p:cSld>
+    <p:spTree>
+      <p:nvGrpSpPr>
+        <p:cNvPr id="1" name="Shape 261"/>
+        <p:cNvGrpSpPr/>
+        <p:nvPr/>
+      </p:nvGrpSpPr>
+      <p:grpSpPr>
+        <a:xfrm>
+          <a:off x="0" y="0"/>
+          <a:ext cx="0" cy="0"/>
+          <a:chOff x="0" y="0"/>
+          <a:chExt cx="0" cy="0"/>
+        </a:xfrm>
+      </p:grpSpPr>
+      <p:sp>
+        <p:nvSpPr>
+          <p:cNvPr id="262" name="Google Shape;262;p24"/>
+          <p:cNvSpPr txBox="1">
+            <a:spLocks noGrp="1"/>
+          </p:cNvSpPr>
+          <p:nvPr>
+            <p:ph type="ctrTitle"/>
+          </p:nvPr>
+        </p:nvSpPr>
+        <p:spPr>
+          <a:xfrm>
+            <a:off x="5240287" y="499094"/>
+            <a:ext cx="3530400" cy="606600"/>
+          </a:xfrm>
+          <a:prstGeom prst="rect">
+            <a:avLst/>
+          </a:prstGeom>
+        </p:spPr>
+        <p:txBody>
+          <a:bodyPr spcFirstLastPara="1" wrap="square" lIns="91425" tIns="91425" rIns="91425" bIns="91425" anchor="b" anchorCtr="0">
+            <a:noAutofit/>
+          </a:bodyPr>
+          <a:lstStyle/>
+          <a:p>
+            <a:pPr marL="0" lvl="0" indent="0" algn="l" rtl="0">
+              <a:spcBef>
+                <a:spcPts val="0"/>
+              </a:spcBef>
+              <a:spcAft>
+                <a:spcPts val="0"/>
+              </a:spcAft>
+              <a:buNone/>
+            </a:pPr>
+            <a:r>
+              <a:rPr lang="es" sz="3000" dirty="0"/>
+              <a:t>DNS Library</a:t>
+            </a:r>
+            <a:endParaRPr sz="3000" dirty="0"/>
+          </a:p>
+        </p:txBody>
+      </p:sp>
+      <p:sp>
+        <p:nvSpPr>
+          <p:cNvPr id="263" name="Google Shape;263;p24"/>
+          <p:cNvSpPr txBox="1">
+            <a:spLocks noGrp="1"/>
+          </p:cNvSpPr>
+          <p:nvPr>
+            <p:ph type="subTitle" idx="1"/>
+          </p:nvPr>
+        </p:nvSpPr>
+        <p:spPr>
+          <a:xfrm>
+            <a:off x="5240287" y="1333344"/>
+            <a:ext cx="3457500" cy="1420500"/>
+          </a:xfrm>
+          <a:prstGeom prst="rect">
+            <a:avLst/>
+          </a:prstGeom>
+        </p:spPr>
+        <p:txBody>
+          <a:bodyPr spcFirstLastPara="1" wrap="square" lIns="91425" tIns="91425" rIns="91425" bIns="91425" anchor="t" anchorCtr="0">
+            <a:noAutofit/>
+          </a:bodyPr>
+          <a:lstStyle/>
+          <a:p>
+            <a:pPr marL="0" lvl="0" indent="0" algn="l" rtl="0">
+              <a:spcBef>
+                <a:spcPts val="0"/>
+              </a:spcBef>
+              <a:spcAft>
+                <a:spcPts val="0"/>
+              </a:spcAft>
+              <a:buClr>
+                <a:schemeClr val="dk1"/>
+              </a:buClr>
+              <a:buSzPts val="1100"/>
+              <a:buFont typeface="Arial"/>
+              <a:buNone/>
+            </a:pPr>
+            <a:r>
+              <a:rPr lang="en-US" sz="1600" dirty="0"/>
+              <a:t>The DNS module provides a way of performing name resolutions</a:t>
+            </a:r>
+            <a:endParaRPr sz="1600" dirty="0"/>
+          </a:p>
+        </p:txBody>
+      </p:sp>
+      <p:cxnSp>
+        <p:nvCxnSpPr>
+          <p:cNvPr id="264" name="Google Shape;264;p24"/>
+          <p:cNvCxnSpPr/>
+          <p:nvPr/>
+        </p:nvCxnSpPr>
+        <p:spPr>
+          <a:xfrm>
+            <a:off x="5316412" y="1045444"/>
+            <a:ext cx="4448400" cy="0"/>
+          </a:xfrm>
+          <a:prstGeom prst="straightConnector1">
+            <a:avLst/>
+          </a:prstGeom>
+          <a:noFill/>
+          <a:ln w="9525" cap="flat" cmpd="sng">
+            <a:solidFill>
+              <a:schemeClr val="accent1"/>
+            </a:solidFill>
+            <a:prstDash val="solid"/>
+            <a:round/>
+            <a:headEnd type="none" w="med" len="med"/>
+            <a:tailEnd type="none" w="med" len="med"/>
+          </a:ln>
+        </p:spPr>
+      </p:cxnSp>
+      <p:pic>
+        <p:nvPicPr>
+          <p:cNvPr id="4" name="Immagine 3">
+            <a:extLst>
+              <a:ext uri="{FF2B5EF4-FFF2-40B4-BE49-F238E27FC236}">
+                <a16:creationId xmlns:a16="http://schemas.microsoft.com/office/drawing/2014/main" id="{85F2DA50-DEDA-75A6-4287-01901B1656C8}"/>
               </a:ext>
             </a:extLst>
           </p:cNvPr>
@@ -20256,83 +18558,29 @@
         </p:blipFill>
         <p:spPr>
           <a:xfrm>
-            <a:off x="884607" y="2647913"/>
-            <a:ext cx="282657" cy="282657"/>
+            <a:off x="964869" y="1318267"/>
+            <a:ext cx="2745577" cy="2745577"/>
           </a:xfrm>
           <a:prstGeom prst="rect">
             <a:avLst/>
           </a:prstGeom>
         </p:spPr>
       </p:pic>
-      <p:pic>
-        <p:nvPicPr>
-          <p:cNvPr id="5" name="Immagine 4">
+      <p:sp>
+        <p:nvSpPr>
+          <p:cNvPr id="25" name="Google Shape;400;p28">
             <a:extLst>
               <a:ext uri="{FF2B5EF4-FFF2-40B4-BE49-F238E27FC236}">
-                <a16:creationId xmlns:a16="http://schemas.microsoft.com/office/drawing/2014/main" id="{B901DD76-3A2E-ED27-7215-5476AA3A7AA5}"/>
+                <a16:creationId xmlns:a16="http://schemas.microsoft.com/office/drawing/2014/main" id="{5B893D94-D931-4FCB-8B71-CB7E1D821943}"/>
               </a:ext>
             </a:extLst>
           </p:cNvPr>
-          <p:cNvPicPr>
-            <a:picLocks noChangeAspect="1"/>
-          </p:cNvPicPr>
-          <p:nvPr/>
-        </p:nvPicPr>
-        <p:blipFill>
-          <a:blip r:embed="rId4"/>
-          <a:stretch>
-            <a:fillRect/>
-          </a:stretch>
-        </p:blipFill>
-        <p:spPr>
-          <a:xfrm>
-            <a:off x="910076" y="3374886"/>
-            <a:ext cx="231400" cy="231400"/>
-          </a:xfrm>
-          <a:prstGeom prst="rect">
-            <a:avLst/>
-          </a:prstGeom>
-        </p:spPr>
-      </p:pic>
-    </p:spTree>
-    <p:extLst>
-      <p:ext uri="{BB962C8B-B14F-4D97-AF65-F5344CB8AC3E}">
-        <p14:creationId xmlns:p14="http://schemas.microsoft.com/office/powerpoint/2010/main" val="3151471150"/>
-      </p:ext>
-    </p:extLst>
-  </p:cSld>
-  <p:clrMapOvr>
-    <a:masterClrMapping/>
-  </p:clrMapOvr>
-</p:sld>
-</file>
-
-<file path=ppt/slides/slide5.xml><?xml version="1.0" encoding="utf-8"?>
-<p:sld xmlns:a="http://schemas.openxmlformats.org/drawingml/2006/main" xmlns:r="http://schemas.openxmlformats.org/officeDocument/2006/relationships" xmlns:p="http://schemas.openxmlformats.org/presentationml/2006/main">
-  <p:cSld>
-    <p:spTree>
-      <p:nvGrpSpPr>
-        <p:cNvPr id="1" name="Shape 399"/>
-        <p:cNvGrpSpPr/>
-        <p:nvPr/>
-      </p:nvGrpSpPr>
-      <p:grpSpPr>
-        <a:xfrm>
-          <a:off x="0" y="0"/>
-          <a:ext cx="0" cy="0"/>
-          <a:chOff x="0" y="0"/>
-          <a:chExt cx="0" cy="0"/>
-        </a:xfrm>
-      </p:grpSpPr>
-      <p:sp>
-        <p:nvSpPr>
-          <p:cNvPr id="400" name="Google Shape;400;p28"/>
           <p:cNvSpPr/>
           <p:nvPr/>
         </p:nvSpPr>
         <p:spPr>
           <a:xfrm>
-            <a:off x="1336225" y="3304888"/>
+            <a:off x="5832712" y="3044489"/>
             <a:ext cx="2326500" cy="381000"/>
           </a:xfrm>
           <a:prstGeom prst="homePlate">
@@ -20372,13 +18620,19 @@
       </p:sp>
       <p:sp>
         <p:nvSpPr>
-          <p:cNvPr id="401" name="Google Shape;401;p28"/>
+          <p:cNvPr id="27" name="Google Shape;402;p28">
+            <a:extLst>
+              <a:ext uri="{FF2B5EF4-FFF2-40B4-BE49-F238E27FC236}">
+                <a16:creationId xmlns:a16="http://schemas.microsoft.com/office/drawing/2014/main" id="{BC8C099A-ED49-DF70-45CB-5F4B6F52D7D9}"/>
+              </a:ext>
+            </a:extLst>
+          </p:cNvPr>
           <p:cNvSpPr/>
           <p:nvPr/>
         </p:nvSpPr>
         <p:spPr>
           <a:xfrm>
-            <a:off x="1336225" y="2603538"/>
+            <a:off x="5832712" y="2386039"/>
             <a:ext cx="2326500" cy="381000"/>
           </a:xfrm>
           <a:prstGeom prst="homePlate">
@@ -20418,113 +18672,311 @@
       </p:sp>
       <p:sp>
         <p:nvSpPr>
-          <p:cNvPr id="402" name="Google Shape;402;p28"/>
-          <p:cNvSpPr/>
+          <p:cNvPr id="28" name="Google Shape;404;p28">
+            <a:extLst>
+              <a:ext uri="{FF2B5EF4-FFF2-40B4-BE49-F238E27FC236}">
+                <a16:creationId xmlns:a16="http://schemas.microsoft.com/office/drawing/2014/main" id="{B8137B4D-5998-6437-EFBC-B8B232C96B85}"/>
+              </a:ext>
+            </a:extLst>
+          </p:cNvPr>
+          <p:cNvSpPr txBox="1">
+            <a:spLocks/>
+          </p:cNvSpPr>
           <p:nvPr/>
         </p:nvSpPr>
         <p:spPr>
           <a:xfrm>
-            <a:off x="1336225" y="1902188"/>
-            <a:ext cx="2326500" cy="381000"/>
+            <a:off x="6054418" y="2571750"/>
+            <a:ext cx="2076000" cy="196200"/>
           </a:xfrm>
-          <a:prstGeom prst="homePlate">
-            <a:avLst>
-              <a:gd name="adj" fmla="val 50000"/>
-            </a:avLst>
+          <a:prstGeom prst="rect">
+            <a:avLst/>
           </a:prstGeom>
-          <a:solidFill>
-            <a:schemeClr val="accent1"/>
-          </a:solidFill>
+          <a:noFill/>
           <a:ln>
             <a:noFill/>
           </a:ln>
         </p:spPr>
         <p:txBody>
-          <a:bodyPr spcFirstLastPara="1" wrap="square" lIns="91425" tIns="91425" rIns="91425" bIns="91425" anchor="ctr" anchorCtr="0">
+          <a:bodyPr spcFirstLastPara="1" wrap="square" lIns="91425" tIns="91425" rIns="91425" bIns="91425" anchor="b" anchorCtr="0">
             <a:noAutofit/>
           </a:bodyPr>
-          <a:lstStyle/>
+          <a:lstStyle>
+            <a:defPPr marR="0" lvl="0" algn="l" rtl="0">
+              <a:lnSpc>
+                <a:spcPct val="100000"/>
+              </a:lnSpc>
+              <a:spcBef>
+                <a:spcPts val="0"/>
+              </a:spcBef>
+              <a:spcAft>
+                <a:spcPts val="0"/>
+              </a:spcAft>
+            </a:defPPr>
+            <a:lvl1pPr marR="0" lvl="0" algn="l" rtl="0">
+              <a:lnSpc>
+                <a:spcPct val="100000"/>
+              </a:lnSpc>
+              <a:spcBef>
+                <a:spcPts val="0"/>
+              </a:spcBef>
+              <a:spcAft>
+                <a:spcPts val="0"/>
+              </a:spcAft>
+              <a:buClr>
+                <a:srgbClr val="FFFFFF"/>
+              </a:buClr>
+              <a:buSzPts val="3600"/>
+              <a:buFont typeface="Roboto Black"/>
+              <a:buNone/>
+              <a:defRPr sz="3600" b="0" i="0" u="none" strike="noStrike" cap="none">
+                <a:solidFill>
+                  <a:srgbClr val="FFFFFF"/>
+                </a:solidFill>
+                <a:latin typeface="Roboto Black"/>
+                <a:ea typeface="Roboto Black"/>
+                <a:cs typeface="Roboto Black"/>
+                <a:sym typeface="Roboto Black"/>
+              </a:defRPr>
+            </a:lvl1pPr>
+            <a:lvl2pPr marR="0" lvl="1" algn="ctr" rtl="0">
+              <a:lnSpc>
+                <a:spcPct val="100000"/>
+              </a:lnSpc>
+              <a:spcBef>
+                <a:spcPts val="0"/>
+              </a:spcBef>
+              <a:spcAft>
+                <a:spcPts val="0"/>
+              </a:spcAft>
+              <a:buClr>
+                <a:srgbClr val="FFFFFF"/>
+              </a:buClr>
+              <a:buSzPts val="5200"/>
+              <a:buFont typeface="Bree Serif"/>
+              <a:buNone/>
+              <a:defRPr sz="5200" b="1" i="0" u="none" strike="noStrike" cap="none">
+                <a:solidFill>
+                  <a:srgbClr val="FFFFFF"/>
+                </a:solidFill>
+                <a:latin typeface="Bree Serif"/>
+                <a:ea typeface="Bree Serif"/>
+                <a:cs typeface="Bree Serif"/>
+                <a:sym typeface="Bree Serif"/>
+              </a:defRPr>
+            </a:lvl2pPr>
+            <a:lvl3pPr marR="0" lvl="2" algn="ctr" rtl="0">
+              <a:lnSpc>
+                <a:spcPct val="100000"/>
+              </a:lnSpc>
+              <a:spcBef>
+                <a:spcPts val="0"/>
+              </a:spcBef>
+              <a:spcAft>
+                <a:spcPts val="0"/>
+              </a:spcAft>
+              <a:buClr>
+                <a:srgbClr val="FFFFFF"/>
+              </a:buClr>
+              <a:buSzPts val="5200"/>
+              <a:buFont typeface="Bree Serif"/>
+              <a:buNone/>
+              <a:defRPr sz="5200" b="1" i="0" u="none" strike="noStrike" cap="none">
+                <a:solidFill>
+                  <a:srgbClr val="FFFFFF"/>
+                </a:solidFill>
+                <a:latin typeface="Bree Serif"/>
+                <a:ea typeface="Bree Serif"/>
+                <a:cs typeface="Bree Serif"/>
+                <a:sym typeface="Bree Serif"/>
+              </a:defRPr>
+            </a:lvl3pPr>
+            <a:lvl4pPr marR="0" lvl="3" algn="ctr" rtl="0">
+              <a:lnSpc>
+                <a:spcPct val="100000"/>
+              </a:lnSpc>
+              <a:spcBef>
+                <a:spcPts val="0"/>
+              </a:spcBef>
+              <a:spcAft>
+                <a:spcPts val="0"/>
+              </a:spcAft>
+              <a:buClr>
+                <a:srgbClr val="FFFFFF"/>
+              </a:buClr>
+              <a:buSzPts val="5200"/>
+              <a:buFont typeface="Bree Serif"/>
+              <a:buNone/>
+              <a:defRPr sz="5200" b="1" i="0" u="none" strike="noStrike" cap="none">
+                <a:solidFill>
+                  <a:srgbClr val="FFFFFF"/>
+                </a:solidFill>
+                <a:latin typeface="Bree Serif"/>
+                <a:ea typeface="Bree Serif"/>
+                <a:cs typeface="Bree Serif"/>
+                <a:sym typeface="Bree Serif"/>
+              </a:defRPr>
+            </a:lvl4pPr>
+            <a:lvl5pPr marR="0" lvl="4" algn="ctr" rtl="0">
+              <a:lnSpc>
+                <a:spcPct val="100000"/>
+              </a:lnSpc>
+              <a:spcBef>
+                <a:spcPts val="0"/>
+              </a:spcBef>
+              <a:spcAft>
+                <a:spcPts val="0"/>
+              </a:spcAft>
+              <a:buClr>
+                <a:srgbClr val="FFFFFF"/>
+              </a:buClr>
+              <a:buSzPts val="5200"/>
+              <a:buFont typeface="Bree Serif"/>
+              <a:buNone/>
+              <a:defRPr sz="5200" b="1" i="0" u="none" strike="noStrike" cap="none">
+                <a:solidFill>
+                  <a:srgbClr val="FFFFFF"/>
+                </a:solidFill>
+                <a:latin typeface="Bree Serif"/>
+                <a:ea typeface="Bree Serif"/>
+                <a:cs typeface="Bree Serif"/>
+                <a:sym typeface="Bree Serif"/>
+              </a:defRPr>
+            </a:lvl5pPr>
+            <a:lvl6pPr marR="0" lvl="5" algn="ctr" rtl="0">
+              <a:lnSpc>
+                <a:spcPct val="100000"/>
+              </a:lnSpc>
+              <a:spcBef>
+                <a:spcPts val="0"/>
+              </a:spcBef>
+              <a:spcAft>
+                <a:spcPts val="0"/>
+              </a:spcAft>
+              <a:buClr>
+                <a:srgbClr val="FFFFFF"/>
+              </a:buClr>
+              <a:buSzPts val="5200"/>
+              <a:buFont typeface="Bree Serif"/>
+              <a:buNone/>
+              <a:defRPr sz="5200" b="1" i="0" u="none" strike="noStrike" cap="none">
+                <a:solidFill>
+                  <a:srgbClr val="FFFFFF"/>
+                </a:solidFill>
+                <a:latin typeface="Bree Serif"/>
+                <a:ea typeface="Bree Serif"/>
+                <a:cs typeface="Bree Serif"/>
+                <a:sym typeface="Bree Serif"/>
+              </a:defRPr>
+            </a:lvl6pPr>
+            <a:lvl7pPr marR="0" lvl="6" algn="ctr" rtl="0">
+              <a:lnSpc>
+                <a:spcPct val="100000"/>
+              </a:lnSpc>
+              <a:spcBef>
+                <a:spcPts val="0"/>
+              </a:spcBef>
+              <a:spcAft>
+                <a:spcPts val="0"/>
+              </a:spcAft>
+              <a:buClr>
+                <a:srgbClr val="FFFFFF"/>
+              </a:buClr>
+              <a:buSzPts val="5200"/>
+              <a:buFont typeface="Bree Serif"/>
+              <a:buNone/>
+              <a:defRPr sz="5200" b="1" i="0" u="none" strike="noStrike" cap="none">
+                <a:solidFill>
+                  <a:srgbClr val="FFFFFF"/>
+                </a:solidFill>
+                <a:latin typeface="Bree Serif"/>
+                <a:ea typeface="Bree Serif"/>
+                <a:cs typeface="Bree Serif"/>
+                <a:sym typeface="Bree Serif"/>
+              </a:defRPr>
+            </a:lvl7pPr>
+            <a:lvl8pPr marR="0" lvl="7" algn="ctr" rtl="0">
+              <a:lnSpc>
+                <a:spcPct val="100000"/>
+              </a:lnSpc>
+              <a:spcBef>
+                <a:spcPts val="0"/>
+              </a:spcBef>
+              <a:spcAft>
+                <a:spcPts val="0"/>
+              </a:spcAft>
+              <a:buClr>
+                <a:srgbClr val="FFFFFF"/>
+              </a:buClr>
+              <a:buSzPts val="5200"/>
+              <a:buFont typeface="Bree Serif"/>
+              <a:buNone/>
+              <a:defRPr sz="5200" b="1" i="0" u="none" strike="noStrike" cap="none">
+                <a:solidFill>
+                  <a:srgbClr val="FFFFFF"/>
+                </a:solidFill>
+                <a:latin typeface="Bree Serif"/>
+                <a:ea typeface="Bree Serif"/>
+                <a:cs typeface="Bree Serif"/>
+                <a:sym typeface="Bree Serif"/>
+              </a:defRPr>
+            </a:lvl8pPr>
+            <a:lvl9pPr marR="0" lvl="8" algn="ctr" rtl="0">
+              <a:lnSpc>
+                <a:spcPct val="100000"/>
+              </a:lnSpc>
+              <a:spcBef>
+                <a:spcPts val="0"/>
+              </a:spcBef>
+              <a:spcAft>
+                <a:spcPts val="0"/>
+              </a:spcAft>
+              <a:buClr>
+                <a:srgbClr val="FFFFFF"/>
+              </a:buClr>
+              <a:buSzPts val="5200"/>
+              <a:buFont typeface="Bree Serif"/>
+              <a:buNone/>
+              <a:defRPr sz="5200" b="1" i="0" u="none" strike="noStrike" cap="none">
+                <a:solidFill>
+                  <a:srgbClr val="FFFFFF"/>
+                </a:solidFill>
+                <a:latin typeface="Bree Serif"/>
+                <a:ea typeface="Bree Serif"/>
+                <a:cs typeface="Bree Serif"/>
+                <a:sym typeface="Bree Serif"/>
+              </a:defRPr>
+            </a:lvl9pPr>
+          </a:lstStyle>
           <a:p>
-            <a:pPr marL="0" lvl="0" indent="0" algn="l" rtl="0">
-              <a:spcBef>
-                <a:spcPts val="0"/>
-              </a:spcBef>
-              <a:spcAft>
-                <a:spcPts val="0"/>
-              </a:spcAft>
-              <a:buNone/>
-            </a:pPr>
-            <a:endParaRPr>
-              <a:solidFill>
-                <a:srgbClr val="48FFD5"/>
-              </a:solidFill>
-            </a:endParaRPr>
+            <a:r>
+              <a:rPr lang="en-US" sz="1100" dirty="0">
+                <a:solidFill>
+                  <a:schemeClr val="dk1"/>
+                </a:solidFill>
+              </a:rPr>
+              <a:t>Link to actual DNS server</a:t>
+            </a:r>
           </a:p>
         </p:txBody>
       </p:sp>
       <p:sp>
         <p:nvSpPr>
-          <p:cNvPr id="403" name="Google Shape;403;p28"/>
+          <p:cNvPr id="29" name="Google Shape;405;p28">
+            <a:extLst>
+              <a:ext uri="{FF2B5EF4-FFF2-40B4-BE49-F238E27FC236}">
+                <a16:creationId xmlns:a16="http://schemas.microsoft.com/office/drawing/2014/main" id="{89D41A81-8D63-A5BB-4D63-FA7F551B9573}"/>
+              </a:ext>
+            </a:extLst>
+          </p:cNvPr>
           <p:cNvSpPr txBox="1">
-            <a:spLocks noGrp="1"/>
+            <a:spLocks/>
           </p:cNvSpPr>
-          <p:nvPr>
-            <p:ph type="ctrTitle" idx="4"/>
-          </p:nvPr>
+          <p:nvPr/>
         </p:nvSpPr>
         <p:spPr>
           <a:xfrm>
-            <a:off x="998325" y="644550"/>
-            <a:ext cx="7833900" cy="606600"/>
-          </a:xfrm>
-          <a:prstGeom prst="rect">
-            <a:avLst/>
-          </a:prstGeom>
-        </p:spPr>
-        <p:txBody>
-          <a:bodyPr spcFirstLastPara="1" wrap="square" lIns="91425" tIns="91425" rIns="91425" bIns="91425" anchor="b" anchorCtr="0">
-            <a:noAutofit/>
-          </a:bodyPr>
-          <a:lstStyle/>
-          <a:p>
-            <a:pPr marL="0" lvl="0" indent="0" algn="l" rtl="0">
-              <a:spcBef>
-                <a:spcPts val="0"/>
-              </a:spcBef>
-              <a:spcAft>
-                <a:spcPts val="0"/>
-              </a:spcAft>
-              <a:buNone/>
-            </a:pPr>
-            <a:r>
-              <a:rPr lang="es" dirty="0">
-                <a:solidFill>
-                  <a:srgbClr val="FFFFFF"/>
-                </a:solidFill>
-              </a:rPr>
-              <a:t>DNS Library</a:t>
-            </a:r>
-            <a:endParaRPr dirty="0">
-              <a:solidFill>
-                <a:srgbClr val="FFFFFF"/>
-              </a:solidFill>
-            </a:endParaRPr>
-          </a:p>
-        </p:txBody>
-      </p:sp>
-      <p:sp>
-        <p:nvSpPr>
-          <p:cNvPr id="404" name="Google Shape;404;p28"/>
-          <p:cNvSpPr txBox="1">
-            <a:spLocks noGrp="1"/>
-          </p:cNvSpPr>
-          <p:nvPr>
-            <p:ph type="ctrTitle"/>
-          </p:nvPr>
-        </p:nvSpPr>
-        <p:spPr>
-          <a:xfrm>
-            <a:off x="1557931" y="2087899"/>
+            <a:off x="6054418" y="3230187"/>
             <a:ext cx="2076000" cy="196200"/>
           </a:xfrm>
           <a:prstGeom prst="rect">
@@ -20535,216 +18987,274 @@
           <a:bodyPr spcFirstLastPara="1" wrap="square" lIns="91425" tIns="91425" rIns="91425" bIns="91425" anchor="b" anchorCtr="0">
             <a:noAutofit/>
           </a:bodyPr>
-          <a:lstStyle/>
+          <a:lstStyle>
+            <a:defPPr marR="0" lvl="0" algn="l" rtl="0">
+              <a:lnSpc>
+                <a:spcPct val="100000"/>
+              </a:lnSpc>
+              <a:spcBef>
+                <a:spcPts val="0"/>
+              </a:spcBef>
+              <a:spcAft>
+                <a:spcPts val="0"/>
+              </a:spcAft>
+            </a:defPPr>
+            <a:lvl1pPr marR="0" lvl="0" algn="l" rtl="0">
+              <a:lnSpc>
+                <a:spcPct val="100000"/>
+              </a:lnSpc>
+              <a:spcBef>
+                <a:spcPts val="0"/>
+              </a:spcBef>
+              <a:spcAft>
+                <a:spcPts val="0"/>
+              </a:spcAft>
+              <a:buClr>
+                <a:srgbClr val="000000"/>
+              </a:buClr>
+              <a:buFont typeface="Arial"/>
+              <a:defRPr sz="1400" b="0" i="0" u="none" strike="noStrike" cap="none">
+                <a:solidFill>
+                  <a:srgbClr val="000000"/>
+                </a:solidFill>
+                <a:latin typeface="Arial"/>
+                <a:ea typeface="Arial"/>
+                <a:cs typeface="Arial"/>
+                <a:sym typeface="Arial"/>
+              </a:defRPr>
+            </a:lvl1pPr>
+            <a:lvl2pPr marR="0" lvl="1" algn="l" rtl="0">
+              <a:lnSpc>
+                <a:spcPct val="100000"/>
+              </a:lnSpc>
+              <a:spcBef>
+                <a:spcPts val="0"/>
+              </a:spcBef>
+              <a:spcAft>
+                <a:spcPts val="0"/>
+              </a:spcAft>
+              <a:buClr>
+                <a:srgbClr val="000000"/>
+              </a:buClr>
+              <a:buFont typeface="Arial"/>
+              <a:defRPr sz="1400" b="0" i="0" u="none" strike="noStrike" cap="none">
+                <a:solidFill>
+                  <a:srgbClr val="000000"/>
+                </a:solidFill>
+                <a:latin typeface="Arial"/>
+                <a:ea typeface="Arial"/>
+                <a:cs typeface="Arial"/>
+                <a:sym typeface="Arial"/>
+              </a:defRPr>
+            </a:lvl2pPr>
+            <a:lvl3pPr marR="0" lvl="2" algn="l" rtl="0">
+              <a:lnSpc>
+                <a:spcPct val="100000"/>
+              </a:lnSpc>
+              <a:spcBef>
+                <a:spcPts val="0"/>
+              </a:spcBef>
+              <a:spcAft>
+                <a:spcPts val="0"/>
+              </a:spcAft>
+              <a:buClr>
+                <a:srgbClr val="000000"/>
+              </a:buClr>
+              <a:buFont typeface="Arial"/>
+              <a:defRPr sz="1400" b="0" i="0" u="none" strike="noStrike" cap="none">
+                <a:solidFill>
+                  <a:srgbClr val="000000"/>
+                </a:solidFill>
+                <a:latin typeface="Arial"/>
+                <a:ea typeface="Arial"/>
+                <a:cs typeface="Arial"/>
+                <a:sym typeface="Arial"/>
+              </a:defRPr>
+            </a:lvl3pPr>
+            <a:lvl4pPr marR="0" lvl="3" algn="l" rtl="0">
+              <a:lnSpc>
+                <a:spcPct val="100000"/>
+              </a:lnSpc>
+              <a:spcBef>
+                <a:spcPts val="0"/>
+              </a:spcBef>
+              <a:spcAft>
+                <a:spcPts val="0"/>
+              </a:spcAft>
+              <a:buClr>
+                <a:srgbClr val="000000"/>
+              </a:buClr>
+              <a:buFont typeface="Arial"/>
+              <a:defRPr sz="1400" b="0" i="0" u="none" strike="noStrike" cap="none">
+                <a:solidFill>
+                  <a:srgbClr val="000000"/>
+                </a:solidFill>
+                <a:latin typeface="Arial"/>
+                <a:ea typeface="Arial"/>
+                <a:cs typeface="Arial"/>
+                <a:sym typeface="Arial"/>
+              </a:defRPr>
+            </a:lvl4pPr>
+            <a:lvl5pPr marR="0" lvl="4" algn="l" rtl="0">
+              <a:lnSpc>
+                <a:spcPct val="100000"/>
+              </a:lnSpc>
+              <a:spcBef>
+                <a:spcPts val="0"/>
+              </a:spcBef>
+              <a:spcAft>
+                <a:spcPts val="0"/>
+              </a:spcAft>
+              <a:buClr>
+                <a:srgbClr val="000000"/>
+              </a:buClr>
+              <a:buFont typeface="Arial"/>
+              <a:defRPr sz="1400" b="0" i="0" u="none" strike="noStrike" cap="none">
+                <a:solidFill>
+                  <a:srgbClr val="000000"/>
+                </a:solidFill>
+                <a:latin typeface="Arial"/>
+                <a:ea typeface="Arial"/>
+                <a:cs typeface="Arial"/>
+                <a:sym typeface="Arial"/>
+              </a:defRPr>
+            </a:lvl5pPr>
+            <a:lvl6pPr marR="0" lvl="5" algn="l" rtl="0">
+              <a:lnSpc>
+                <a:spcPct val="100000"/>
+              </a:lnSpc>
+              <a:spcBef>
+                <a:spcPts val="0"/>
+              </a:spcBef>
+              <a:spcAft>
+                <a:spcPts val="0"/>
+              </a:spcAft>
+              <a:buClr>
+                <a:srgbClr val="000000"/>
+              </a:buClr>
+              <a:buFont typeface="Arial"/>
+              <a:defRPr sz="1400" b="0" i="0" u="none" strike="noStrike" cap="none">
+                <a:solidFill>
+                  <a:srgbClr val="000000"/>
+                </a:solidFill>
+                <a:latin typeface="Arial"/>
+                <a:ea typeface="Arial"/>
+                <a:cs typeface="Arial"/>
+                <a:sym typeface="Arial"/>
+              </a:defRPr>
+            </a:lvl6pPr>
+            <a:lvl7pPr marR="0" lvl="6" algn="l" rtl="0">
+              <a:lnSpc>
+                <a:spcPct val="100000"/>
+              </a:lnSpc>
+              <a:spcBef>
+                <a:spcPts val="0"/>
+              </a:spcBef>
+              <a:spcAft>
+                <a:spcPts val="0"/>
+              </a:spcAft>
+              <a:buClr>
+                <a:srgbClr val="000000"/>
+              </a:buClr>
+              <a:buFont typeface="Arial"/>
+              <a:defRPr sz="1400" b="0" i="0" u="none" strike="noStrike" cap="none">
+                <a:solidFill>
+                  <a:srgbClr val="000000"/>
+                </a:solidFill>
+                <a:latin typeface="Arial"/>
+                <a:ea typeface="Arial"/>
+                <a:cs typeface="Arial"/>
+                <a:sym typeface="Arial"/>
+              </a:defRPr>
+            </a:lvl7pPr>
+            <a:lvl8pPr marR="0" lvl="7" algn="l" rtl="0">
+              <a:lnSpc>
+                <a:spcPct val="100000"/>
+              </a:lnSpc>
+              <a:spcBef>
+                <a:spcPts val="0"/>
+              </a:spcBef>
+              <a:spcAft>
+                <a:spcPts val="0"/>
+              </a:spcAft>
+              <a:buClr>
+                <a:srgbClr val="000000"/>
+              </a:buClr>
+              <a:buFont typeface="Arial"/>
+              <a:defRPr sz="1400" b="0" i="0" u="none" strike="noStrike" cap="none">
+                <a:solidFill>
+                  <a:srgbClr val="000000"/>
+                </a:solidFill>
+                <a:latin typeface="Arial"/>
+                <a:ea typeface="Arial"/>
+                <a:cs typeface="Arial"/>
+                <a:sym typeface="Arial"/>
+              </a:defRPr>
+            </a:lvl8pPr>
+            <a:lvl9pPr marR="0" lvl="8" algn="l" rtl="0">
+              <a:lnSpc>
+                <a:spcPct val="100000"/>
+              </a:lnSpc>
+              <a:spcBef>
+                <a:spcPts val="0"/>
+              </a:spcBef>
+              <a:spcAft>
+                <a:spcPts val="0"/>
+              </a:spcAft>
+              <a:buClr>
+                <a:srgbClr val="000000"/>
+              </a:buClr>
+              <a:buFont typeface="Arial"/>
+              <a:defRPr sz="1400" b="0" i="0" u="none" strike="noStrike" cap="none">
+                <a:solidFill>
+                  <a:srgbClr val="000000"/>
+                </a:solidFill>
+                <a:latin typeface="Arial"/>
+                <a:ea typeface="Arial"/>
+                <a:cs typeface="Arial"/>
+                <a:sym typeface="Arial"/>
+              </a:defRPr>
+            </a:lvl9pPr>
+          </a:lstStyle>
           <a:p>
-            <a:pPr marL="0" lvl="0" indent="0" algn="l" rtl="0">
-              <a:spcBef>
-                <a:spcPts val="0"/>
-              </a:spcBef>
-              <a:spcAft>
-                <a:spcPts val="0"/>
-              </a:spcAft>
-              <a:buNone/>
-            </a:pPr>
             <a:r>
-              <a:rPr lang="it-IT" dirty="0">
+              <a:rPr lang="it-IT" sz="1100" dirty="0" err="1">
                 <a:solidFill>
                   <a:schemeClr val="dk1"/>
                 </a:solidFill>
+                <a:latin typeface="Roboto Black" panose="02000000000000000000" pitchFamily="2" charset="0"/>
+                <a:ea typeface="Roboto Black" panose="02000000000000000000" pitchFamily="2" charset="0"/>
               </a:rPr>
-              <a:t>Link to </a:t>
+              <a:t>Reply</a:t>
             </a:r>
             <a:r>
-              <a:rPr lang="it-IT" dirty="0" err="1">
+              <a:rPr lang="it-IT" sz="1100" dirty="0">
                 <a:solidFill>
                   <a:schemeClr val="dk1"/>
                 </a:solidFill>
+                <a:latin typeface="Roboto Black" panose="02000000000000000000" pitchFamily="2" charset="0"/>
+                <a:ea typeface="Roboto Black" panose="02000000000000000000" pitchFamily="2" charset="0"/>
               </a:rPr>
-              <a:t>actual</a:t>
+              <a:t> in JSON format</a:t>
             </a:r>
-            <a:r>
-              <a:rPr lang="it-IT" dirty="0">
-                <a:solidFill>
-                  <a:schemeClr val="dk1"/>
-                </a:solidFill>
-              </a:rPr>
-              <a:t> DNS server</a:t>
-            </a:r>
-            <a:endParaRPr dirty="0">
-              <a:solidFill>
-                <a:schemeClr val="dk1"/>
-              </a:solidFill>
-            </a:endParaRPr>
           </a:p>
         </p:txBody>
       </p:sp>
       <p:sp>
         <p:nvSpPr>
-          <p:cNvPr id="405" name="Google Shape;405;p28"/>
-          <p:cNvSpPr txBox="1">
-            <a:spLocks noGrp="1"/>
-          </p:cNvSpPr>
-          <p:nvPr>
-            <p:ph type="ctrTitle" idx="2"/>
-          </p:nvPr>
-        </p:nvSpPr>
-        <p:spPr>
-          <a:xfrm>
-            <a:off x="1557931" y="3490586"/>
-            <a:ext cx="2076000" cy="196200"/>
-          </a:xfrm>
-          <a:prstGeom prst="rect">
-            <a:avLst/>
-          </a:prstGeom>
-        </p:spPr>
-        <p:txBody>
-          <a:bodyPr spcFirstLastPara="1" wrap="square" lIns="91425" tIns="91425" rIns="91425" bIns="91425" anchor="b" anchorCtr="0">
-            <a:noAutofit/>
-          </a:bodyPr>
-          <a:lstStyle/>
-          <a:p>
-            <a:pPr marL="0" lvl="0" indent="0" algn="l" rtl="0">
-              <a:spcBef>
-                <a:spcPts val="0"/>
-              </a:spcBef>
-              <a:spcAft>
-                <a:spcPts val="0"/>
-              </a:spcAft>
-              <a:buNone/>
-            </a:pPr>
-            <a:r>
-              <a:rPr lang="it-IT" dirty="0" err="1">
-                <a:solidFill>
-                  <a:schemeClr val="dk1"/>
-                </a:solidFill>
-              </a:rPr>
-              <a:t>Reply</a:t>
-            </a:r>
-            <a:r>
-              <a:rPr lang="it-IT" dirty="0">
-                <a:solidFill>
-                  <a:schemeClr val="dk1"/>
-                </a:solidFill>
-              </a:rPr>
-              <a:t> in JSON format</a:t>
-            </a:r>
-            <a:endParaRPr dirty="0">
-              <a:solidFill>
-                <a:schemeClr val="dk1"/>
-              </a:solidFill>
-            </a:endParaRPr>
-          </a:p>
-        </p:txBody>
-      </p:sp>
-      <p:sp>
-        <p:nvSpPr>
-          <p:cNvPr id="406" name="Google Shape;406;p28"/>
-          <p:cNvSpPr txBox="1">
-            <a:spLocks noGrp="1"/>
-          </p:cNvSpPr>
-          <p:nvPr>
-            <p:ph type="ctrTitle" idx="3"/>
-          </p:nvPr>
-        </p:nvSpPr>
-        <p:spPr>
-          <a:xfrm>
-            <a:off x="1557931" y="2789242"/>
-            <a:ext cx="2076000" cy="196200"/>
-          </a:xfrm>
-          <a:prstGeom prst="rect">
-            <a:avLst/>
-          </a:prstGeom>
-        </p:spPr>
-        <p:txBody>
-          <a:bodyPr spcFirstLastPara="1" wrap="square" lIns="91425" tIns="91425" rIns="91425" bIns="91425" anchor="b" anchorCtr="0">
-            <a:noAutofit/>
-          </a:bodyPr>
-          <a:lstStyle/>
-          <a:p>
-            <a:pPr marL="0" lvl="0" indent="0" algn="l" rtl="0">
-              <a:spcBef>
-                <a:spcPts val="0"/>
-              </a:spcBef>
-              <a:spcAft>
-                <a:spcPts val="0"/>
-              </a:spcAft>
-              <a:buNone/>
-            </a:pPr>
-            <a:r>
-              <a:rPr lang="it-IT" dirty="0">
-                <a:solidFill>
-                  <a:schemeClr val="dk1"/>
-                </a:solidFill>
-              </a:rPr>
-              <a:t>A </a:t>
-            </a:r>
-            <a:r>
-              <a:rPr lang="it-IT" dirty="0" err="1">
-                <a:solidFill>
-                  <a:schemeClr val="dk1"/>
-                </a:solidFill>
-              </a:rPr>
-              <a:t>lot</a:t>
-            </a:r>
-            <a:r>
-              <a:rPr lang="it-IT" dirty="0">
-                <a:solidFill>
-                  <a:schemeClr val="dk1"/>
-                </a:solidFill>
-              </a:rPr>
-              <a:t> of </a:t>
-            </a:r>
-            <a:r>
-              <a:rPr lang="it-IT" dirty="0" err="1">
-                <a:solidFill>
-                  <a:schemeClr val="dk1"/>
-                </a:solidFill>
-              </a:rPr>
-              <a:t>methods</a:t>
-            </a:r>
-            <a:endParaRPr dirty="0">
-              <a:solidFill>
-                <a:schemeClr val="dk1"/>
-              </a:solidFill>
-            </a:endParaRPr>
-          </a:p>
-        </p:txBody>
-      </p:sp>
-      <p:cxnSp>
-        <p:nvCxnSpPr>
-          <p:cNvPr id="407" name="Google Shape;407;p28"/>
-          <p:cNvCxnSpPr/>
-          <p:nvPr/>
-        </p:nvCxnSpPr>
-        <p:spPr>
-          <a:xfrm>
-            <a:off x="0" y="1197575"/>
-            <a:ext cx="3340500" cy="0"/>
-          </a:xfrm>
-          <a:prstGeom prst="straightConnector1">
-            <a:avLst/>
-          </a:prstGeom>
-          <a:noFill/>
-          <a:ln w="9525" cap="flat" cmpd="sng">
-            <a:solidFill>
-              <a:schemeClr val="accent1"/>
-            </a:solidFill>
-            <a:prstDash val="solid"/>
-            <a:round/>
-            <a:headEnd type="none" w="med" len="med"/>
-            <a:tailEnd type="none" w="med" len="med"/>
-          </a:ln>
-        </p:spPr>
-      </p:cxnSp>
-      <p:sp>
-        <p:nvSpPr>
-          <p:cNvPr id="408" name="Google Shape;408;p28"/>
+          <p:cNvPr id="31" name="Google Shape;408;p28">
+            <a:extLst>
+              <a:ext uri="{FF2B5EF4-FFF2-40B4-BE49-F238E27FC236}">
+                <a16:creationId xmlns:a16="http://schemas.microsoft.com/office/drawing/2014/main" id="{91E728E6-6DE0-FDCA-E99D-861E29D33DE9}"/>
+              </a:ext>
+            </a:extLst>
+          </p:cNvPr>
           <p:cNvSpPr/>
           <p:nvPr/>
         </p:nvSpPr>
         <p:spPr>
           <a:xfrm>
-            <a:off x="819925" y="1880738"/>
+            <a:off x="5316412" y="2364589"/>
             <a:ext cx="423900" cy="423900"/>
           </a:xfrm>
           <a:prstGeom prst="ellipse">
@@ -20782,13 +19292,19 @@
       </p:sp>
       <p:sp>
         <p:nvSpPr>
-          <p:cNvPr id="409" name="Google Shape;409;p28"/>
+          <p:cNvPr id="33" name="Google Shape;411;p28">
+            <a:extLst>
+              <a:ext uri="{FF2B5EF4-FFF2-40B4-BE49-F238E27FC236}">
+                <a16:creationId xmlns:a16="http://schemas.microsoft.com/office/drawing/2014/main" id="{F26B03DF-21C9-1B61-E1C4-D478B19C4A6B}"/>
+              </a:ext>
+            </a:extLst>
+          </p:cNvPr>
           <p:cNvSpPr/>
           <p:nvPr/>
         </p:nvSpPr>
         <p:spPr>
           <a:xfrm>
-            <a:off x="819925" y="2582088"/>
+            <a:off x="5316412" y="3023039"/>
             <a:ext cx="423900" cy="423900"/>
           </a:xfrm>
           <a:prstGeom prst="ellipse">
@@ -20816,50 +19332,6 @@
               </a:spcAft>
               <a:buNone/>
             </a:pPr>
-            <a:endParaRPr>
-              <a:solidFill>
-                <a:srgbClr val="48FFD5"/>
-              </a:solidFill>
-            </a:endParaRPr>
-          </a:p>
-        </p:txBody>
-      </p:sp>
-      <p:sp>
-        <p:nvSpPr>
-          <p:cNvPr id="411" name="Google Shape;411;p28"/>
-          <p:cNvSpPr/>
-          <p:nvPr/>
-        </p:nvSpPr>
-        <p:spPr>
-          <a:xfrm>
-            <a:off x="819925" y="3283438"/>
-            <a:ext cx="423900" cy="423900"/>
-          </a:xfrm>
-          <a:prstGeom prst="ellipse">
-            <a:avLst/>
-          </a:prstGeom>
-          <a:solidFill>
-            <a:schemeClr val="accent1"/>
-          </a:solidFill>
-          <a:ln>
-            <a:noFill/>
-          </a:ln>
-        </p:spPr>
-        <p:txBody>
-          <a:bodyPr spcFirstLastPara="1" wrap="square" lIns="91425" tIns="91425" rIns="91425" bIns="91425" anchor="ctr" anchorCtr="0">
-            <a:noAutofit/>
-          </a:bodyPr>
-          <a:lstStyle/>
-          <a:p>
-            <a:pPr marL="0" lvl="0" indent="0" algn="l" rtl="0">
-              <a:spcBef>
-                <a:spcPts val="0"/>
-              </a:spcBef>
-              <a:spcAft>
-                <a:spcPts val="0"/>
-              </a:spcAft>
-              <a:buNone/>
-            </a:pPr>
             <a:endParaRPr dirty="0">
               <a:solidFill>
                 <a:srgbClr val="48FFD5"/>
@@ -20868,2345 +19340,12 @@
           </a:p>
         </p:txBody>
       </p:sp>
-      <p:grpSp>
-        <p:nvGrpSpPr>
-          <p:cNvPr id="412" name="Google Shape;412;p28"/>
-          <p:cNvGrpSpPr/>
-          <p:nvPr/>
-        </p:nvGrpSpPr>
-        <p:grpSpPr>
-          <a:xfrm rot="10800000" flipH="1">
-            <a:off x="880550" y="2712182"/>
-            <a:ext cx="302125" cy="163726"/>
-            <a:chOff x="1319675" y="779200"/>
-            <a:chExt cx="2343875" cy="1270175"/>
-          </a:xfrm>
-        </p:grpSpPr>
-        <p:sp>
-          <p:nvSpPr>
-            <p:cNvPr id="413" name="Google Shape;413;p28"/>
-            <p:cNvSpPr/>
-            <p:nvPr/>
-          </p:nvSpPr>
-          <p:spPr>
-            <a:xfrm>
-              <a:off x="1319675" y="915950"/>
-              <a:ext cx="717150" cy="996650"/>
-            </a:xfrm>
-            <a:custGeom>
-              <a:avLst/>
-              <a:gdLst/>
-              <a:ahLst/>
-              <a:cxnLst/>
-              <a:rect l="l" t="t" r="r" b="b"/>
-              <a:pathLst>
-                <a:path w="28686" h="39866" extrusionOk="0">
-                  <a:moveTo>
-                    <a:pt x="28685" y="1"/>
-                  </a:moveTo>
-                  <a:lnTo>
-                    <a:pt x="0" y="15557"/>
-                  </a:lnTo>
-                  <a:lnTo>
-                    <a:pt x="0" y="24230"/>
-                  </a:lnTo>
-                  <a:lnTo>
-                    <a:pt x="28685" y="39866"/>
-                  </a:lnTo>
-                  <a:lnTo>
-                    <a:pt x="28685" y="29740"/>
-                  </a:lnTo>
-                  <a:lnTo>
-                    <a:pt x="8713" y="19774"/>
-                  </a:lnTo>
-                  <a:lnTo>
-                    <a:pt x="28685" y="10186"/>
-                  </a:lnTo>
-                  <a:lnTo>
-                    <a:pt x="28685" y="1"/>
-                  </a:lnTo>
-                  <a:close/>
-                </a:path>
-              </a:pathLst>
-            </a:custGeom>
-            <a:solidFill>
-              <a:schemeClr val="dk1"/>
-            </a:solidFill>
-            <a:ln>
-              <a:noFill/>
-            </a:ln>
-          </p:spPr>
-          <p:txBody>
-            <a:bodyPr spcFirstLastPara="1" wrap="square" lIns="91425" tIns="91425" rIns="91425" bIns="91425" anchor="ctr" anchorCtr="0">
-              <a:noAutofit/>
-            </a:bodyPr>
-            <a:lstStyle/>
-            <a:p>
-              <a:pPr marL="0" lvl="0" indent="0" algn="l" rtl="0">
-                <a:spcBef>
-                  <a:spcPts val="0"/>
-                </a:spcBef>
-                <a:spcAft>
-                  <a:spcPts val="0"/>
-                </a:spcAft>
-                <a:buNone/>
-              </a:pPr>
-              <a:endParaRPr>
-                <a:solidFill>
-                  <a:schemeClr val="dk1"/>
-                </a:solidFill>
-              </a:endParaRPr>
-            </a:p>
-          </p:txBody>
-        </p:sp>
-        <p:sp>
-          <p:nvSpPr>
-            <p:cNvPr id="414" name="Google Shape;414;p28"/>
-            <p:cNvSpPr/>
-            <p:nvPr/>
-          </p:nvSpPr>
-          <p:spPr>
-            <a:xfrm>
-              <a:off x="2159125" y="779200"/>
-              <a:ext cx="626150" cy="1270175"/>
-            </a:xfrm>
-            <a:custGeom>
-              <a:avLst/>
-              <a:gdLst/>
-              <a:ahLst/>
-              <a:cxnLst/>
-              <a:rect l="l" t="t" r="r" b="b"/>
-              <a:pathLst>
-                <a:path w="25046" h="50807" extrusionOk="0">
-                  <a:moveTo>
-                    <a:pt x="19038" y="0"/>
-                  </a:moveTo>
-                  <a:lnTo>
-                    <a:pt x="1" y="50806"/>
-                  </a:lnTo>
-                  <a:lnTo>
-                    <a:pt x="5969" y="50806"/>
-                  </a:lnTo>
-                  <a:lnTo>
-                    <a:pt x="25046" y="0"/>
-                  </a:lnTo>
-                  <a:close/>
-                </a:path>
-              </a:pathLst>
-            </a:custGeom>
-            <a:solidFill>
-              <a:schemeClr val="dk1"/>
-            </a:solidFill>
-            <a:ln>
-              <a:noFill/>
-            </a:ln>
-          </p:spPr>
-          <p:txBody>
-            <a:bodyPr spcFirstLastPara="1" wrap="square" lIns="91425" tIns="91425" rIns="91425" bIns="91425" anchor="ctr" anchorCtr="0">
-              <a:noAutofit/>
-            </a:bodyPr>
-            <a:lstStyle/>
-            <a:p>
-              <a:pPr marL="0" lvl="0" indent="0" algn="l" rtl="0">
-                <a:spcBef>
-                  <a:spcPts val="0"/>
-                </a:spcBef>
-                <a:spcAft>
-                  <a:spcPts val="0"/>
-                </a:spcAft>
-                <a:buNone/>
-              </a:pPr>
-              <a:endParaRPr>
-                <a:solidFill>
-                  <a:schemeClr val="dk1"/>
-                </a:solidFill>
-              </a:endParaRPr>
-            </a:p>
-          </p:txBody>
-        </p:sp>
-        <p:sp>
-          <p:nvSpPr>
-            <p:cNvPr id="415" name="Google Shape;415;p28"/>
-            <p:cNvSpPr/>
-            <p:nvPr/>
-          </p:nvSpPr>
-          <p:spPr>
-            <a:xfrm>
-              <a:off x="2945900" y="915950"/>
-              <a:ext cx="717650" cy="996650"/>
-            </a:xfrm>
-            <a:custGeom>
-              <a:avLst/>
-              <a:gdLst/>
-              <a:ahLst/>
-              <a:cxnLst/>
-              <a:rect l="l" t="t" r="r" b="b"/>
-              <a:pathLst>
-                <a:path w="28706" h="39866" extrusionOk="0">
-                  <a:moveTo>
-                    <a:pt x="0" y="1"/>
-                  </a:moveTo>
-                  <a:lnTo>
-                    <a:pt x="0" y="10047"/>
-                  </a:lnTo>
-                  <a:lnTo>
-                    <a:pt x="19992" y="19854"/>
-                  </a:lnTo>
-                  <a:lnTo>
-                    <a:pt x="0" y="29740"/>
-                  </a:lnTo>
-                  <a:lnTo>
-                    <a:pt x="0" y="39866"/>
-                  </a:lnTo>
-                  <a:lnTo>
-                    <a:pt x="28705" y="24190"/>
-                  </a:lnTo>
-                  <a:lnTo>
-                    <a:pt x="28705" y="15577"/>
-                  </a:lnTo>
-                  <a:lnTo>
-                    <a:pt x="0" y="1"/>
-                  </a:lnTo>
-                  <a:close/>
-                </a:path>
-              </a:pathLst>
-            </a:custGeom>
-            <a:solidFill>
-              <a:schemeClr val="dk1"/>
-            </a:solidFill>
-            <a:ln>
-              <a:noFill/>
-            </a:ln>
-          </p:spPr>
-          <p:txBody>
-            <a:bodyPr spcFirstLastPara="1" wrap="square" lIns="91425" tIns="91425" rIns="91425" bIns="91425" anchor="ctr" anchorCtr="0">
-              <a:noAutofit/>
-            </a:bodyPr>
-            <a:lstStyle/>
-            <a:p>
-              <a:pPr marL="0" lvl="0" indent="0" algn="l" rtl="0">
-                <a:spcBef>
-                  <a:spcPts val="0"/>
-                </a:spcBef>
-                <a:spcAft>
-                  <a:spcPts val="0"/>
-                </a:spcAft>
-                <a:buNone/>
-              </a:pPr>
-              <a:endParaRPr>
-                <a:solidFill>
-                  <a:schemeClr val="dk1"/>
-                </a:solidFill>
-              </a:endParaRPr>
-            </a:p>
-          </p:txBody>
-        </p:sp>
-      </p:grpSp>
-      <p:sp>
-        <p:nvSpPr>
-          <p:cNvPr id="419" name="Google Shape;419;p28"/>
-          <p:cNvSpPr/>
-          <p:nvPr/>
-        </p:nvSpPr>
-        <p:spPr>
-          <a:xfrm>
-            <a:off x="4876837" y="2409598"/>
-            <a:ext cx="2681532" cy="1732190"/>
-          </a:xfrm>
-          <a:custGeom>
-            <a:avLst/>
-            <a:gdLst/>
-            <a:ahLst/>
-            <a:cxnLst/>
-            <a:rect l="l" t="t" r="r" b="b"/>
-            <a:pathLst>
-              <a:path w="176649" h="114110" extrusionOk="0">
-                <a:moveTo>
-                  <a:pt x="5275" y="0"/>
-                </a:moveTo>
-                <a:cubicBezTo>
-                  <a:pt x="2345" y="0"/>
-                  <a:pt x="1" y="2344"/>
-                  <a:pt x="1" y="5274"/>
-                </a:cubicBezTo>
-                <a:lnTo>
-                  <a:pt x="1" y="108835"/>
-                </a:lnTo>
-                <a:cubicBezTo>
-                  <a:pt x="1" y="111766"/>
-                  <a:pt x="2345" y="114110"/>
-                  <a:pt x="5275" y="114110"/>
-                </a:cubicBezTo>
-                <a:lnTo>
-                  <a:pt x="171374" y="114110"/>
-                </a:lnTo>
-                <a:cubicBezTo>
-                  <a:pt x="174304" y="114110"/>
-                  <a:pt x="176648" y="111766"/>
-                  <a:pt x="176648" y="108835"/>
-                </a:cubicBezTo>
-                <a:lnTo>
-                  <a:pt x="176648" y="5274"/>
-                </a:lnTo>
-                <a:cubicBezTo>
-                  <a:pt x="176648" y="2344"/>
-                  <a:pt x="174304" y="0"/>
-                  <a:pt x="171374" y="0"/>
-                </a:cubicBezTo>
-                <a:close/>
-              </a:path>
-            </a:pathLst>
-          </a:custGeom>
-          <a:solidFill>
-            <a:schemeClr val="accent1"/>
-          </a:solidFill>
-          <a:ln>
-            <a:noFill/>
-          </a:ln>
-        </p:spPr>
-        <p:txBody>
-          <a:bodyPr spcFirstLastPara="1" wrap="square" lIns="91425" tIns="91425" rIns="91425" bIns="91425" anchor="ctr" anchorCtr="0">
-            <a:noAutofit/>
-          </a:bodyPr>
-          <a:lstStyle/>
-          <a:p>
-            <a:pPr marL="0" lvl="0" indent="0" algn="l" rtl="0">
-              <a:spcBef>
-                <a:spcPts val="0"/>
-              </a:spcBef>
-              <a:spcAft>
-                <a:spcPts val="0"/>
-              </a:spcAft>
-              <a:buNone/>
-            </a:pPr>
-            <a:endParaRPr/>
-          </a:p>
-        </p:txBody>
-      </p:sp>
-      <p:sp>
-        <p:nvSpPr>
-          <p:cNvPr id="420" name="Google Shape;420;p28"/>
-          <p:cNvSpPr/>
-          <p:nvPr/>
-        </p:nvSpPr>
-        <p:spPr>
-          <a:xfrm>
-            <a:off x="5005199" y="2541755"/>
-            <a:ext cx="2424808" cy="1467860"/>
-          </a:xfrm>
-          <a:custGeom>
-            <a:avLst/>
-            <a:gdLst/>
-            <a:ahLst/>
-            <a:cxnLst/>
-            <a:rect l="l" t="t" r="r" b="b"/>
-            <a:pathLst>
-              <a:path w="159737" h="96697" extrusionOk="0">
-                <a:moveTo>
-                  <a:pt x="0" y="1"/>
-                </a:moveTo>
-                <a:lnTo>
-                  <a:pt x="0" y="96697"/>
-                </a:lnTo>
-                <a:lnTo>
-                  <a:pt x="159737" y="96697"/>
-                </a:lnTo>
-                <a:lnTo>
-                  <a:pt x="159737" y="1"/>
-                </a:lnTo>
-                <a:close/>
-              </a:path>
-            </a:pathLst>
-          </a:custGeom>
-          <a:solidFill>
-            <a:srgbClr val="0E2A47"/>
-          </a:solidFill>
-          <a:ln>
-            <a:noFill/>
-          </a:ln>
-        </p:spPr>
-        <p:txBody>
-          <a:bodyPr spcFirstLastPara="1" wrap="square" lIns="91425" tIns="91425" rIns="91425" bIns="91425" anchor="ctr" anchorCtr="0">
-            <a:noAutofit/>
-          </a:bodyPr>
-          <a:lstStyle/>
-          <a:p>
-            <a:pPr marL="0" lvl="0" indent="0" algn="l" rtl="0">
-              <a:spcBef>
-                <a:spcPts val="0"/>
-              </a:spcBef>
-              <a:spcAft>
-                <a:spcPts val="0"/>
-              </a:spcAft>
-              <a:buNone/>
-            </a:pPr>
-            <a:endParaRPr>
-              <a:solidFill>
-                <a:srgbClr val="091A51"/>
-              </a:solidFill>
-            </a:endParaRPr>
-          </a:p>
-        </p:txBody>
-      </p:sp>
-      <p:sp>
-        <p:nvSpPr>
-          <p:cNvPr id="421" name="Google Shape;421;p28"/>
-          <p:cNvSpPr/>
-          <p:nvPr/>
-        </p:nvSpPr>
-        <p:spPr>
-          <a:xfrm>
-            <a:off x="4636011" y="4136703"/>
-            <a:ext cx="3163178" cy="83900"/>
-          </a:xfrm>
-          <a:custGeom>
-            <a:avLst/>
-            <a:gdLst/>
-            <a:ahLst/>
-            <a:cxnLst/>
-            <a:rect l="l" t="t" r="r" b="b"/>
-            <a:pathLst>
-              <a:path w="208378" h="5527" extrusionOk="0">
-                <a:moveTo>
-                  <a:pt x="0" y="1"/>
-                </a:moveTo>
-                <a:lnTo>
-                  <a:pt x="0" y="5526"/>
-                </a:lnTo>
-                <a:lnTo>
-                  <a:pt x="208377" y="5526"/>
-                </a:lnTo>
-                <a:lnTo>
-                  <a:pt x="208377" y="1"/>
-                </a:lnTo>
-                <a:close/>
-              </a:path>
-            </a:pathLst>
-          </a:custGeom>
-          <a:solidFill>
-            <a:schemeClr val="accent1"/>
-          </a:solidFill>
-          <a:ln>
-            <a:noFill/>
-          </a:ln>
-        </p:spPr>
-        <p:txBody>
-          <a:bodyPr spcFirstLastPara="1" wrap="square" lIns="91425" tIns="91425" rIns="91425" bIns="91425" anchor="ctr" anchorCtr="0">
-            <a:noAutofit/>
-          </a:bodyPr>
-          <a:lstStyle/>
-          <a:p>
-            <a:pPr marL="0" lvl="0" indent="0" algn="l" rtl="0">
-              <a:spcBef>
-                <a:spcPts val="0"/>
-              </a:spcBef>
-              <a:spcAft>
-                <a:spcPts val="0"/>
-              </a:spcAft>
-              <a:buNone/>
-            </a:pPr>
-            <a:endParaRPr>
-              <a:solidFill>
-                <a:srgbClr val="48FFD5"/>
-              </a:solidFill>
-            </a:endParaRPr>
-          </a:p>
-        </p:txBody>
-      </p:sp>
-      <p:sp>
-        <p:nvSpPr>
-          <p:cNvPr id="422" name="Google Shape;422;p28"/>
-          <p:cNvSpPr/>
-          <p:nvPr/>
-        </p:nvSpPr>
-        <p:spPr>
-          <a:xfrm>
-            <a:off x="5005199" y="2541755"/>
-            <a:ext cx="2424808" cy="141083"/>
-          </a:xfrm>
-          <a:custGeom>
-            <a:avLst/>
-            <a:gdLst/>
-            <a:ahLst/>
-            <a:cxnLst/>
-            <a:rect l="l" t="t" r="r" b="b"/>
-            <a:pathLst>
-              <a:path w="159737" h="9294" extrusionOk="0">
-                <a:moveTo>
-                  <a:pt x="0" y="1"/>
-                </a:moveTo>
-                <a:lnTo>
-                  <a:pt x="0" y="9294"/>
-                </a:lnTo>
-                <a:lnTo>
-                  <a:pt x="159737" y="9294"/>
-                </a:lnTo>
-                <a:lnTo>
-                  <a:pt x="159737" y="1"/>
-                </a:lnTo>
-                <a:close/>
-              </a:path>
-            </a:pathLst>
-          </a:custGeom>
-          <a:solidFill>
-            <a:srgbClr val="0E2A47"/>
-          </a:solidFill>
-          <a:ln>
-            <a:noFill/>
-          </a:ln>
-        </p:spPr>
-        <p:txBody>
-          <a:bodyPr spcFirstLastPara="1" wrap="square" lIns="91425" tIns="91425" rIns="91425" bIns="91425" anchor="ctr" anchorCtr="0">
-            <a:noAutofit/>
-          </a:bodyPr>
-          <a:lstStyle/>
-          <a:p>
-            <a:pPr marL="0" lvl="0" indent="0" algn="l" rtl="0">
-              <a:spcBef>
-                <a:spcPts val="0"/>
-              </a:spcBef>
-              <a:spcAft>
-                <a:spcPts val="0"/>
-              </a:spcAft>
-              <a:buNone/>
-            </a:pPr>
-            <a:endParaRPr/>
-          </a:p>
-        </p:txBody>
-      </p:sp>
-      <p:sp>
-        <p:nvSpPr>
-          <p:cNvPr id="423" name="Google Shape;423;p28"/>
-          <p:cNvSpPr/>
-          <p:nvPr/>
-        </p:nvSpPr>
-        <p:spPr>
-          <a:xfrm>
-            <a:off x="5143716" y="2742556"/>
-            <a:ext cx="1029417" cy="521069"/>
-          </a:xfrm>
-          <a:custGeom>
-            <a:avLst/>
-            <a:gdLst/>
-            <a:ahLst/>
-            <a:cxnLst/>
-            <a:rect l="l" t="t" r="r" b="b"/>
-            <a:pathLst>
-              <a:path w="67814" h="34326" extrusionOk="0">
-                <a:moveTo>
-                  <a:pt x="1" y="1"/>
-                </a:moveTo>
-                <a:lnTo>
-                  <a:pt x="1" y="34326"/>
-                </a:lnTo>
-                <a:lnTo>
-                  <a:pt x="67813" y="34326"/>
-                </a:lnTo>
-                <a:lnTo>
-                  <a:pt x="67813" y="1"/>
-                </a:lnTo>
-                <a:close/>
-              </a:path>
-            </a:pathLst>
-          </a:custGeom>
-          <a:solidFill>
-            <a:schemeClr val="accent1"/>
-          </a:solidFill>
-          <a:ln>
-            <a:noFill/>
-          </a:ln>
-        </p:spPr>
-        <p:txBody>
-          <a:bodyPr spcFirstLastPara="1" wrap="square" lIns="91425" tIns="91425" rIns="91425" bIns="91425" anchor="ctr" anchorCtr="0">
-            <a:noAutofit/>
-          </a:bodyPr>
-          <a:lstStyle/>
-          <a:p>
-            <a:pPr marL="0" lvl="0" indent="0" algn="l" rtl="0">
-              <a:spcBef>
-                <a:spcPts val="0"/>
-              </a:spcBef>
-              <a:spcAft>
-                <a:spcPts val="0"/>
-              </a:spcAft>
-              <a:buNone/>
-            </a:pPr>
-            <a:endParaRPr/>
-          </a:p>
-        </p:txBody>
-      </p:sp>
-      <p:sp>
-        <p:nvSpPr>
-          <p:cNvPr id="424" name="Google Shape;424;p28"/>
-          <p:cNvSpPr/>
-          <p:nvPr/>
-        </p:nvSpPr>
-        <p:spPr>
-          <a:xfrm>
-            <a:off x="5221240" y="2834061"/>
-            <a:ext cx="297407" cy="297391"/>
-          </a:xfrm>
-          <a:custGeom>
-            <a:avLst/>
-            <a:gdLst/>
-            <a:ahLst/>
-            <a:cxnLst/>
-            <a:rect l="l" t="t" r="r" b="b"/>
-            <a:pathLst>
-              <a:path w="19592" h="19591" extrusionOk="0">
-                <a:moveTo>
-                  <a:pt x="1" y="0"/>
-                </a:moveTo>
-                <a:lnTo>
-                  <a:pt x="1" y="19591"/>
-                </a:lnTo>
-                <a:lnTo>
-                  <a:pt x="19591" y="19591"/>
-                </a:lnTo>
-                <a:lnTo>
-                  <a:pt x="19591" y="0"/>
-                </a:lnTo>
-                <a:close/>
-              </a:path>
-            </a:pathLst>
-          </a:custGeom>
-          <a:solidFill>
-            <a:srgbClr val="FFFFFF"/>
-          </a:solidFill>
-          <a:ln>
-            <a:noFill/>
-          </a:ln>
-        </p:spPr>
-        <p:txBody>
-          <a:bodyPr spcFirstLastPara="1" wrap="square" lIns="91425" tIns="91425" rIns="91425" bIns="91425" anchor="ctr" anchorCtr="0">
-            <a:noAutofit/>
-          </a:bodyPr>
-          <a:lstStyle/>
-          <a:p>
-            <a:pPr marL="0" lvl="0" indent="0" algn="l" rtl="0">
-              <a:spcBef>
-                <a:spcPts val="0"/>
-              </a:spcBef>
-              <a:spcAft>
-                <a:spcPts val="0"/>
-              </a:spcAft>
-              <a:buNone/>
-            </a:pPr>
-            <a:endParaRPr/>
-          </a:p>
-        </p:txBody>
-      </p:sp>
-      <p:sp>
-        <p:nvSpPr>
-          <p:cNvPr id="425" name="Google Shape;425;p28"/>
-          <p:cNvSpPr/>
-          <p:nvPr/>
-        </p:nvSpPr>
-        <p:spPr>
-          <a:xfrm>
-            <a:off x="5500826" y="3535575"/>
-            <a:ext cx="908690" cy="329163"/>
-          </a:xfrm>
-          <a:custGeom>
-            <a:avLst/>
-            <a:gdLst/>
-            <a:ahLst/>
-            <a:cxnLst/>
-            <a:rect l="l" t="t" r="r" b="b"/>
-            <a:pathLst>
-              <a:path w="59861" h="21684" extrusionOk="0">
-                <a:moveTo>
-                  <a:pt x="1" y="1"/>
-                </a:moveTo>
-                <a:lnTo>
-                  <a:pt x="1" y="21684"/>
-                </a:lnTo>
-                <a:lnTo>
-                  <a:pt x="59860" y="21684"/>
-                </a:lnTo>
-                <a:lnTo>
-                  <a:pt x="59860" y="1"/>
-                </a:lnTo>
-                <a:close/>
-              </a:path>
-            </a:pathLst>
-          </a:custGeom>
-          <a:solidFill>
-            <a:schemeClr val="accent1"/>
-          </a:solidFill>
-          <a:ln>
-            <a:noFill/>
-          </a:ln>
-        </p:spPr>
-        <p:txBody>
-          <a:bodyPr spcFirstLastPara="1" wrap="square" lIns="91425" tIns="91425" rIns="91425" bIns="91425" anchor="ctr" anchorCtr="0">
-            <a:noAutofit/>
-          </a:bodyPr>
-          <a:lstStyle/>
-          <a:p>
-            <a:pPr marL="0" lvl="0" indent="0" algn="l" rtl="0">
-              <a:spcBef>
-                <a:spcPts val="0"/>
-              </a:spcBef>
-              <a:spcAft>
-                <a:spcPts val="0"/>
-              </a:spcAft>
-              <a:buNone/>
-            </a:pPr>
-            <a:endParaRPr/>
-          </a:p>
-        </p:txBody>
-      </p:sp>
-      <p:sp>
-        <p:nvSpPr>
-          <p:cNvPr id="426" name="Google Shape;426;p28"/>
-          <p:cNvSpPr/>
-          <p:nvPr/>
-        </p:nvSpPr>
-        <p:spPr>
-          <a:xfrm>
-            <a:off x="5560559" y="3610549"/>
-            <a:ext cx="679927" cy="53403"/>
-          </a:xfrm>
-          <a:custGeom>
-            <a:avLst/>
-            <a:gdLst/>
-            <a:ahLst/>
-            <a:cxnLst/>
-            <a:rect l="l" t="t" r="r" b="b"/>
-            <a:pathLst>
-              <a:path w="44791" h="3518" extrusionOk="0">
-                <a:moveTo>
-                  <a:pt x="1" y="1"/>
-                </a:moveTo>
-                <a:lnTo>
-                  <a:pt x="1" y="3517"/>
-                </a:lnTo>
-                <a:lnTo>
-                  <a:pt x="44791" y="3517"/>
-                </a:lnTo>
-                <a:lnTo>
-                  <a:pt x="44791" y="1"/>
-                </a:lnTo>
-                <a:close/>
-              </a:path>
-            </a:pathLst>
-          </a:custGeom>
-          <a:solidFill>
-            <a:srgbClr val="0E2A47"/>
-          </a:solidFill>
-          <a:ln>
-            <a:noFill/>
-          </a:ln>
-        </p:spPr>
-        <p:txBody>
-          <a:bodyPr spcFirstLastPara="1" wrap="square" lIns="91425" tIns="91425" rIns="91425" bIns="91425" anchor="ctr" anchorCtr="0">
-            <a:noAutofit/>
-          </a:bodyPr>
-          <a:lstStyle/>
-          <a:p>
-            <a:pPr marL="0" lvl="0" indent="0" algn="l" rtl="0">
-              <a:spcBef>
-                <a:spcPts val="0"/>
-              </a:spcBef>
-              <a:spcAft>
-                <a:spcPts val="0"/>
-              </a:spcAft>
-              <a:buNone/>
-            </a:pPr>
-            <a:endParaRPr>
-              <a:solidFill>
-                <a:srgbClr val="0E2A47"/>
-              </a:solidFill>
-            </a:endParaRPr>
-          </a:p>
-        </p:txBody>
-      </p:sp>
-      <p:sp>
-        <p:nvSpPr>
-          <p:cNvPr id="427" name="Google Shape;427;p28"/>
-          <p:cNvSpPr/>
-          <p:nvPr/>
-        </p:nvSpPr>
-        <p:spPr>
-          <a:xfrm>
-            <a:off x="5560559" y="3710949"/>
-            <a:ext cx="526154" cy="52128"/>
-          </a:xfrm>
-          <a:custGeom>
-            <a:avLst/>
-            <a:gdLst/>
-            <a:ahLst/>
-            <a:cxnLst/>
-            <a:rect l="l" t="t" r="r" b="b"/>
-            <a:pathLst>
-              <a:path w="34661" h="3434" extrusionOk="0">
-                <a:moveTo>
-                  <a:pt x="1" y="1"/>
-                </a:moveTo>
-                <a:lnTo>
-                  <a:pt x="1" y="3433"/>
-                </a:lnTo>
-                <a:lnTo>
-                  <a:pt x="34661" y="3433"/>
-                </a:lnTo>
-                <a:lnTo>
-                  <a:pt x="34661" y="1"/>
-                </a:lnTo>
-                <a:close/>
-              </a:path>
-            </a:pathLst>
-          </a:custGeom>
-          <a:solidFill>
-            <a:srgbClr val="0E2A47"/>
-          </a:solidFill>
-          <a:ln>
-            <a:noFill/>
-          </a:ln>
-        </p:spPr>
-        <p:txBody>
-          <a:bodyPr spcFirstLastPara="1" wrap="square" lIns="91425" tIns="91425" rIns="91425" bIns="91425" anchor="ctr" anchorCtr="0">
-            <a:noAutofit/>
-          </a:bodyPr>
-          <a:lstStyle/>
-          <a:p>
-            <a:pPr marL="0" lvl="0" indent="0" algn="l" rtl="0">
-              <a:spcBef>
-                <a:spcPts val="0"/>
-              </a:spcBef>
-              <a:spcAft>
-                <a:spcPts val="0"/>
-              </a:spcAft>
-              <a:buNone/>
-            </a:pPr>
-            <a:endParaRPr>
-              <a:solidFill>
-                <a:srgbClr val="0E2A47"/>
-              </a:solidFill>
-            </a:endParaRPr>
-          </a:p>
-        </p:txBody>
-      </p:sp>
-      <p:sp>
-        <p:nvSpPr>
-          <p:cNvPr id="428" name="Google Shape;428;p28"/>
-          <p:cNvSpPr/>
-          <p:nvPr/>
-        </p:nvSpPr>
-        <p:spPr>
-          <a:xfrm>
-            <a:off x="5180573" y="3535575"/>
-            <a:ext cx="322818" cy="329163"/>
-          </a:xfrm>
-          <a:custGeom>
-            <a:avLst/>
-            <a:gdLst/>
-            <a:ahLst/>
-            <a:cxnLst/>
-            <a:rect l="l" t="t" r="r" b="b"/>
-            <a:pathLst>
-              <a:path w="21266" h="21684" extrusionOk="0">
-                <a:moveTo>
-                  <a:pt x="1" y="1"/>
-                </a:moveTo>
-                <a:lnTo>
-                  <a:pt x="1" y="21684"/>
-                </a:lnTo>
-                <a:lnTo>
-                  <a:pt x="21265" y="21684"/>
-                </a:lnTo>
-                <a:lnTo>
-                  <a:pt x="21265" y="1"/>
-                </a:lnTo>
-                <a:close/>
-              </a:path>
-            </a:pathLst>
-          </a:custGeom>
-          <a:solidFill>
-            <a:schemeClr val="accent1"/>
-          </a:solidFill>
-          <a:ln>
-            <a:noFill/>
-          </a:ln>
-        </p:spPr>
-        <p:txBody>
-          <a:bodyPr spcFirstLastPara="1" wrap="square" lIns="91425" tIns="91425" rIns="91425" bIns="91425" anchor="ctr" anchorCtr="0">
-            <a:noAutofit/>
-          </a:bodyPr>
-          <a:lstStyle/>
-          <a:p>
-            <a:pPr marL="0" lvl="0" indent="0" algn="l" rtl="0">
-              <a:spcBef>
-                <a:spcPts val="0"/>
-              </a:spcBef>
-              <a:spcAft>
-                <a:spcPts val="0"/>
-              </a:spcAft>
-              <a:buNone/>
-            </a:pPr>
-            <a:endParaRPr/>
-          </a:p>
-        </p:txBody>
-      </p:sp>
-      <p:sp>
-        <p:nvSpPr>
-          <p:cNvPr id="429" name="Google Shape;429;p28"/>
-          <p:cNvSpPr/>
-          <p:nvPr/>
-        </p:nvSpPr>
-        <p:spPr>
-          <a:xfrm>
-            <a:off x="5242842" y="3644719"/>
-            <a:ext cx="218729" cy="109463"/>
-          </a:xfrm>
-          <a:custGeom>
-            <a:avLst/>
-            <a:gdLst/>
-            <a:ahLst/>
-            <a:cxnLst/>
-            <a:rect l="l" t="t" r="r" b="b"/>
-            <a:pathLst>
-              <a:path w="14409" h="7211" extrusionOk="0">
-                <a:moveTo>
-                  <a:pt x="13060" y="1"/>
-                </a:moveTo>
-                <a:cubicBezTo>
-                  <a:pt x="12832" y="1"/>
-                  <a:pt x="12594" y="102"/>
-                  <a:pt x="12391" y="345"/>
-                </a:cubicBezTo>
-                <a:lnTo>
-                  <a:pt x="6950" y="5117"/>
-                </a:lnTo>
-                <a:lnTo>
-                  <a:pt x="1592" y="345"/>
-                </a:lnTo>
-                <a:cubicBezTo>
-                  <a:pt x="1424" y="178"/>
-                  <a:pt x="1194" y="94"/>
-                  <a:pt x="964" y="94"/>
-                </a:cubicBezTo>
-                <a:cubicBezTo>
-                  <a:pt x="734" y="94"/>
-                  <a:pt x="503" y="178"/>
-                  <a:pt x="336" y="345"/>
-                </a:cubicBezTo>
-                <a:cubicBezTo>
-                  <a:pt x="1" y="764"/>
-                  <a:pt x="1" y="1266"/>
-                  <a:pt x="336" y="1601"/>
-                </a:cubicBezTo>
-                <a:lnTo>
-                  <a:pt x="6364" y="6959"/>
-                </a:lnTo>
-                <a:cubicBezTo>
-                  <a:pt x="6531" y="7127"/>
-                  <a:pt x="6761" y="7210"/>
-                  <a:pt x="6992" y="7210"/>
-                </a:cubicBezTo>
-                <a:cubicBezTo>
-                  <a:pt x="7222" y="7210"/>
-                  <a:pt x="7452" y="7127"/>
-                  <a:pt x="7619" y="6959"/>
-                </a:cubicBezTo>
-                <a:lnTo>
-                  <a:pt x="13647" y="1685"/>
-                </a:lnTo>
-                <a:cubicBezTo>
-                  <a:pt x="14408" y="987"/>
-                  <a:pt x="13776" y="1"/>
-                  <a:pt x="13060" y="1"/>
-                </a:cubicBezTo>
-                <a:close/>
-              </a:path>
-            </a:pathLst>
-          </a:custGeom>
-          <a:solidFill>
-            <a:srgbClr val="FFFFFF"/>
-          </a:solidFill>
-          <a:ln>
-            <a:noFill/>
-          </a:ln>
-        </p:spPr>
-        <p:txBody>
-          <a:bodyPr spcFirstLastPara="1" wrap="square" lIns="91425" tIns="91425" rIns="91425" bIns="91425" anchor="ctr" anchorCtr="0">
-            <a:noAutofit/>
-          </a:bodyPr>
-          <a:lstStyle/>
-          <a:p>
-            <a:pPr marL="0" lvl="0" indent="0" algn="l" rtl="0">
-              <a:spcBef>
-                <a:spcPts val="0"/>
-              </a:spcBef>
-              <a:spcAft>
-                <a:spcPts val="0"/>
-              </a:spcAft>
-              <a:buNone/>
-            </a:pPr>
-            <a:endParaRPr/>
-          </a:p>
-        </p:txBody>
-      </p:sp>
-      <p:sp>
-        <p:nvSpPr>
-          <p:cNvPr id="430" name="Google Shape;430;p28"/>
-          <p:cNvSpPr/>
-          <p:nvPr/>
-        </p:nvSpPr>
-        <p:spPr>
-          <a:xfrm>
-            <a:off x="5683836" y="3292847"/>
-            <a:ext cx="704079" cy="155049"/>
-          </a:xfrm>
-          <a:custGeom>
-            <a:avLst/>
-            <a:gdLst/>
-            <a:ahLst/>
-            <a:cxnLst/>
-            <a:rect l="l" t="t" r="r" b="b"/>
-            <a:pathLst>
-              <a:path w="46382" h="10214" extrusionOk="0">
-                <a:moveTo>
-                  <a:pt x="1" y="0"/>
-                </a:moveTo>
-                <a:lnTo>
-                  <a:pt x="1" y="10214"/>
-                </a:lnTo>
-                <a:lnTo>
-                  <a:pt x="46381" y="10214"/>
-                </a:lnTo>
-                <a:lnTo>
-                  <a:pt x="46381" y="0"/>
-                </a:lnTo>
-                <a:close/>
-              </a:path>
-            </a:pathLst>
-          </a:custGeom>
-          <a:solidFill>
-            <a:schemeClr val="accent1"/>
-          </a:solidFill>
-          <a:ln>
-            <a:noFill/>
-          </a:ln>
-        </p:spPr>
-        <p:txBody>
-          <a:bodyPr spcFirstLastPara="1" wrap="square" lIns="91425" tIns="91425" rIns="91425" bIns="91425" anchor="ctr" anchorCtr="0">
-            <a:noAutofit/>
-          </a:bodyPr>
-          <a:lstStyle/>
-          <a:p>
-            <a:pPr marL="0" lvl="0" indent="0" algn="l" rtl="0">
-              <a:spcBef>
-                <a:spcPts val="0"/>
-              </a:spcBef>
-              <a:spcAft>
-                <a:spcPts val="0"/>
-              </a:spcAft>
-              <a:buNone/>
-            </a:pPr>
-            <a:endParaRPr/>
-          </a:p>
-        </p:txBody>
-      </p:sp>
-      <p:sp>
-        <p:nvSpPr>
-          <p:cNvPr id="431" name="Google Shape;431;p28"/>
-          <p:cNvSpPr/>
-          <p:nvPr/>
-        </p:nvSpPr>
-        <p:spPr>
-          <a:xfrm>
-            <a:off x="5683836" y="3100941"/>
-            <a:ext cx="704079" cy="155064"/>
-          </a:xfrm>
-          <a:custGeom>
-            <a:avLst/>
-            <a:gdLst/>
-            <a:ahLst/>
-            <a:cxnLst/>
-            <a:rect l="l" t="t" r="r" b="b"/>
-            <a:pathLst>
-              <a:path w="46382" h="10215" extrusionOk="0">
-                <a:moveTo>
-                  <a:pt x="1" y="0"/>
-                </a:moveTo>
-                <a:lnTo>
-                  <a:pt x="1" y="10214"/>
-                </a:lnTo>
-                <a:lnTo>
-                  <a:pt x="46381" y="10214"/>
-                </a:lnTo>
-                <a:lnTo>
-                  <a:pt x="46381" y="0"/>
-                </a:lnTo>
-                <a:close/>
-              </a:path>
-            </a:pathLst>
-          </a:custGeom>
-          <a:solidFill>
-            <a:srgbClr val="FFFFFF"/>
-          </a:solidFill>
-          <a:ln>
-            <a:noFill/>
-          </a:ln>
-        </p:spPr>
-        <p:txBody>
-          <a:bodyPr spcFirstLastPara="1" wrap="square" lIns="91425" tIns="91425" rIns="91425" bIns="91425" anchor="ctr" anchorCtr="0">
-            <a:noAutofit/>
-          </a:bodyPr>
-          <a:lstStyle/>
-          <a:p>
-            <a:pPr marL="0" lvl="0" indent="0" algn="l" rtl="0">
-              <a:spcBef>
-                <a:spcPts val="0"/>
-              </a:spcBef>
-              <a:spcAft>
-                <a:spcPts val="0"/>
-              </a:spcAft>
-              <a:buNone/>
-            </a:pPr>
-            <a:endParaRPr/>
-          </a:p>
-        </p:txBody>
-      </p:sp>
-      <p:sp>
-        <p:nvSpPr>
-          <p:cNvPr id="432" name="Google Shape;432;p28"/>
-          <p:cNvSpPr/>
-          <p:nvPr/>
-        </p:nvSpPr>
-        <p:spPr>
-          <a:xfrm>
-            <a:off x="6387899" y="3102216"/>
-            <a:ext cx="155049" cy="155049"/>
-          </a:xfrm>
-          <a:custGeom>
-            <a:avLst/>
-            <a:gdLst/>
-            <a:ahLst/>
-            <a:cxnLst/>
-            <a:rect l="l" t="t" r="r" b="b"/>
-            <a:pathLst>
-              <a:path w="10214" h="10214" extrusionOk="0">
-                <a:moveTo>
-                  <a:pt x="0" y="0"/>
-                </a:moveTo>
-                <a:lnTo>
-                  <a:pt x="0" y="10214"/>
-                </a:lnTo>
-                <a:lnTo>
-                  <a:pt x="10214" y="10214"/>
-                </a:lnTo>
-                <a:lnTo>
-                  <a:pt x="10214" y="0"/>
-                </a:lnTo>
-                <a:close/>
-              </a:path>
-            </a:pathLst>
-          </a:custGeom>
-          <a:solidFill>
-            <a:schemeClr val="accent1"/>
-          </a:solidFill>
-          <a:ln w="9525" cap="flat" cmpd="sng">
-            <a:solidFill>
-              <a:srgbClr val="48FFD5"/>
-            </a:solidFill>
-            <a:prstDash val="solid"/>
-            <a:round/>
-            <a:headEnd type="none" w="sm" len="sm"/>
-            <a:tailEnd type="none" w="sm" len="sm"/>
-          </a:ln>
-        </p:spPr>
-        <p:txBody>
-          <a:bodyPr spcFirstLastPara="1" wrap="square" lIns="91425" tIns="91425" rIns="91425" bIns="91425" anchor="ctr" anchorCtr="0">
-            <a:noAutofit/>
-          </a:bodyPr>
-          <a:lstStyle/>
-          <a:p>
-            <a:pPr marL="0" lvl="0" indent="0" algn="l" rtl="0">
-              <a:spcBef>
-                <a:spcPts val="0"/>
-              </a:spcBef>
-              <a:spcAft>
-                <a:spcPts val="0"/>
-              </a:spcAft>
-              <a:buNone/>
-            </a:pPr>
-            <a:endParaRPr/>
-          </a:p>
-        </p:txBody>
-      </p:sp>
-      <p:sp>
-        <p:nvSpPr>
-          <p:cNvPr id="433" name="Google Shape;433;p28"/>
-          <p:cNvSpPr/>
-          <p:nvPr/>
-        </p:nvSpPr>
-        <p:spPr>
-          <a:xfrm>
-            <a:off x="6579790" y="3182275"/>
-            <a:ext cx="744746" cy="714234"/>
-          </a:xfrm>
-          <a:custGeom>
-            <a:avLst/>
-            <a:gdLst/>
-            <a:ahLst/>
-            <a:cxnLst/>
-            <a:rect l="l" t="t" r="r" b="b"/>
-            <a:pathLst>
-              <a:path w="49061" h="47051" extrusionOk="0">
-                <a:moveTo>
-                  <a:pt x="1" y="1"/>
-                </a:moveTo>
-                <a:lnTo>
-                  <a:pt x="1" y="47051"/>
-                </a:lnTo>
-                <a:lnTo>
-                  <a:pt x="49060" y="47051"/>
-                </a:lnTo>
-                <a:lnTo>
-                  <a:pt x="49060" y="1"/>
-                </a:lnTo>
-                <a:close/>
-              </a:path>
-            </a:pathLst>
-          </a:custGeom>
-          <a:solidFill>
-            <a:srgbClr val="FFFFFF"/>
-          </a:solidFill>
-          <a:ln>
-            <a:noFill/>
-          </a:ln>
-        </p:spPr>
-        <p:txBody>
-          <a:bodyPr spcFirstLastPara="1" wrap="square" lIns="91425" tIns="91425" rIns="91425" bIns="91425" anchor="ctr" anchorCtr="0">
-            <a:noAutofit/>
-          </a:bodyPr>
-          <a:lstStyle/>
-          <a:p>
-            <a:pPr marL="0" lvl="0" indent="0" algn="l" rtl="0">
-              <a:spcBef>
-                <a:spcPts val="0"/>
-              </a:spcBef>
-              <a:spcAft>
-                <a:spcPts val="0"/>
-              </a:spcAft>
-              <a:buNone/>
-            </a:pPr>
-            <a:endParaRPr/>
-          </a:p>
-        </p:txBody>
-      </p:sp>
-      <p:sp>
-        <p:nvSpPr>
-          <p:cNvPr id="434" name="Google Shape;434;p28"/>
-          <p:cNvSpPr/>
-          <p:nvPr/>
-        </p:nvSpPr>
-        <p:spPr>
-          <a:xfrm>
-            <a:off x="6668745" y="3215322"/>
-            <a:ext cx="728230" cy="623427"/>
-          </a:xfrm>
-          <a:custGeom>
-            <a:avLst/>
-            <a:gdLst/>
-            <a:ahLst/>
-            <a:cxnLst/>
-            <a:rect l="l" t="t" r="r" b="b"/>
-            <a:pathLst>
-              <a:path w="47973" h="41069" extrusionOk="0">
-                <a:moveTo>
-                  <a:pt x="20698" y="2821"/>
-                </a:moveTo>
-                <a:cubicBezTo>
-                  <a:pt x="25039" y="2821"/>
-                  <a:pt x="29467" y="4434"/>
-                  <a:pt x="33070" y="8037"/>
-                </a:cubicBezTo>
-                <a:cubicBezTo>
-                  <a:pt x="44121" y="19172"/>
-                  <a:pt x="36251" y="38176"/>
-                  <a:pt x="20512" y="38176"/>
-                </a:cubicBezTo>
-                <a:cubicBezTo>
-                  <a:pt x="10801" y="38176"/>
-                  <a:pt x="2931" y="30223"/>
-                  <a:pt x="2931" y="20512"/>
-                </a:cubicBezTo>
-                <a:cubicBezTo>
-                  <a:pt x="2931" y="9866"/>
-                  <a:pt x="11625" y="2821"/>
-                  <a:pt x="20698" y="2821"/>
-                </a:cubicBezTo>
-                <a:close/>
-                <a:moveTo>
-                  <a:pt x="20512" y="0"/>
-                </a:moveTo>
-                <a:cubicBezTo>
-                  <a:pt x="9210" y="0"/>
-                  <a:pt x="1" y="9126"/>
-                  <a:pt x="1" y="20512"/>
-                </a:cubicBezTo>
-                <a:cubicBezTo>
-                  <a:pt x="1" y="32859"/>
-                  <a:pt x="10118" y="41068"/>
-                  <a:pt x="20681" y="41068"/>
-                </a:cubicBezTo>
-                <a:cubicBezTo>
-                  <a:pt x="25730" y="41068"/>
-                  <a:pt x="30882" y="39192"/>
-                  <a:pt x="35079" y="34995"/>
-                </a:cubicBezTo>
-                <a:cubicBezTo>
-                  <a:pt x="47972" y="22102"/>
-                  <a:pt x="38847" y="0"/>
-                  <a:pt x="20512" y="0"/>
-                </a:cubicBezTo>
-                <a:close/>
-              </a:path>
-            </a:pathLst>
-          </a:custGeom>
-          <a:solidFill>
-            <a:srgbClr val="0E2A47"/>
-          </a:solidFill>
-          <a:ln>
-            <a:noFill/>
-          </a:ln>
-        </p:spPr>
-        <p:txBody>
-          <a:bodyPr spcFirstLastPara="1" wrap="square" lIns="91425" tIns="91425" rIns="91425" bIns="91425" anchor="ctr" anchorCtr="0">
-            <a:noAutofit/>
-          </a:bodyPr>
-          <a:lstStyle/>
-          <a:p>
-            <a:pPr marL="0" lvl="0" indent="0" algn="l" rtl="0">
-              <a:spcBef>
-                <a:spcPts val="0"/>
-              </a:spcBef>
-              <a:spcAft>
-                <a:spcPts val="0"/>
-              </a:spcAft>
-              <a:buNone/>
-            </a:pPr>
-            <a:endParaRPr>
-              <a:solidFill>
-                <a:srgbClr val="0E2A47"/>
-              </a:solidFill>
-            </a:endParaRPr>
-          </a:p>
-        </p:txBody>
-      </p:sp>
-      <p:sp>
-        <p:nvSpPr>
-          <p:cNvPr id="435" name="Google Shape;435;p28"/>
-          <p:cNvSpPr/>
-          <p:nvPr/>
-        </p:nvSpPr>
-        <p:spPr>
-          <a:xfrm>
-            <a:off x="6905128" y="3364010"/>
-            <a:ext cx="186835" cy="328040"/>
-          </a:xfrm>
-          <a:custGeom>
-            <a:avLst/>
-            <a:gdLst/>
-            <a:ahLst/>
-            <a:cxnLst/>
-            <a:rect l="l" t="t" r="r" b="b"/>
-            <a:pathLst>
-              <a:path w="12308" h="21610" extrusionOk="0">
-                <a:moveTo>
-                  <a:pt x="1508" y="0"/>
-                </a:moveTo>
-                <a:cubicBezTo>
-                  <a:pt x="671" y="0"/>
-                  <a:pt x="1" y="670"/>
-                  <a:pt x="1" y="1507"/>
-                </a:cubicBezTo>
-                <a:lnTo>
-                  <a:pt x="84" y="1507"/>
-                </a:lnTo>
-                <a:lnTo>
-                  <a:pt x="84" y="20177"/>
-                </a:lnTo>
-                <a:cubicBezTo>
-                  <a:pt x="28" y="21028"/>
-                  <a:pt x="740" y="21610"/>
-                  <a:pt x="1492" y="21610"/>
-                </a:cubicBezTo>
-                <a:cubicBezTo>
-                  <a:pt x="1849" y="21610"/>
-                  <a:pt x="2216" y="21478"/>
-                  <a:pt x="2512" y="21181"/>
-                </a:cubicBezTo>
-                <a:lnTo>
-                  <a:pt x="11889" y="11889"/>
-                </a:lnTo>
-                <a:cubicBezTo>
-                  <a:pt x="12140" y="11554"/>
-                  <a:pt x="12307" y="11219"/>
-                  <a:pt x="12307" y="10800"/>
-                </a:cubicBezTo>
-                <a:cubicBezTo>
-                  <a:pt x="12307" y="10465"/>
-                  <a:pt x="12140" y="10047"/>
-                  <a:pt x="11889" y="9796"/>
-                </a:cubicBezTo>
-                <a:lnTo>
-                  <a:pt x="2512" y="419"/>
-                </a:lnTo>
-                <a:cubicBezTo>
-                  <a:pt x="2261" y="168"/>
-                  <a:pt x="1843" y="0"/>
-                  <a:pt x="1508" y="0"/>
-                </a:cubicBezTo>
-                <a:close/>
-              </a:path>
-            </a:pathLst>
-          </a:custGeom>
-          <a:solidFill>
-            <a:srgbClr val="0E2A47"/>
-          </a:solidFill>
-          <a:ln>
-            <a:noFill/>
-          </a:ln>
-        </p:spPr>
-        <p:txBody>
-          <a:bodyPr spcFirstLastPara="1" wrap="square" lIns="91425" tIns="91425" rIns="91425" bIns="91425" anchor="ctr" anchorCtr="0">
-            <a:noAutofit/>
-          </a:bodyPr>
-          <a:lstStyle/>
-          <a:p>
-            <a:pPr marL="0" lvl="0" indent="0" algn="l" rtl="0">
-              <a:spcBef>
-                <a:spcPts val="0"/>
-              </a:spcBef>
-              <a:spcAft>
-                <a:spcPts val="0"/>
-              </a:spcAft>
-              <a:buNone/>
-            </a:pPr>
-            <a:endParaRPr>
-              <a:solidFill>
-                <a:srgbClr val="0E2A47"/>
-              </a:solidFill>
-            </a:endParaRPr>
-          </a:p>
-        </p:txBody>
-      </p:sp>
-      <p:sp>
-        <p:nvSpPr>
-          <p:cNvPr id="436" name="Google Shape;436;p28"/>
-          <p:cNvSpPr/>
-          <p:nvPr/>
-        </p:nvSpPr>
-        <p:spPr>
-          <a:xfrm>
-            <a:off x="6858115" y="1367491"/>
-            <a:ext cx="1476741" cy="1959677"/>
-          </a:xfrm>
-          <a:custGeom>
-            <a:avLst/>
-            <a:gdLst/>
-            <a:ahLst/>
-            <a:cxnLst/>
-            <a:rect l="l" t="t" r="r" b="b"/>
-            <a:pathLst>
-              <a:path w="97282" h="129096" extrusionOk="0">
-                <a:moveTo>
-                  <a:pt x="7702" y="0"/>
-                </a:moveTo>
-                <a:cubicBezTo>
-                  <a:pt x="3433" y="84"/>
-                  <a:pt x="0" y="3684"/>
-                  <a:pt x="84" y="7953"/>
-                </a:cubicBezTo>
-                <a:lnTo>
-                  <a:pt x="84" y="120807"/>
-                </a:lnTo>
-                <a:cubicBezTo>
-                  <a:pt x="84" y="125161"/>
-                  <a:pt x="3349" y="129096"/>
-                  <a:pt x="7702" y="129096"/>
-                </a:cubicBezTo>
-                <a:lnTo>
-                  <a:pt x="89161" y="129096"/>
-                </a:lnTo>
-                <a:cubicBezTo>
-                  <a:pt x="93682" y="128928"/>
-                  <a:pt x="97198" y="125244"/>
-                  <a:pt x="97282" y="120807"/>
-                </a:cubicBezTo>
-                <a:lnTo>
-                  <a:pt x="97282" y="7953"/>
-                </a:lnTo>
-                <a:cubicBezTo>
-                  <a:pt x="97198" y="3600"/>
-                  <a:pt x="93598" y="0"/>
-                  <a:pt x="89161" y="0"/>
-                </a:cubicBezTo>
-                <a:close/>
-              </a:path>
-            </a:pathLst>
-          </a:custGeom>
-          <a:solidFill>
-            <a:schemeClr val="accent1"/>
-          </a:solidFill>
-          <a:ln>
-            <a:noFill/>
-          </a:ln>
-        </p:spPr>
-        <p:txBody>
-          <a:bodyPr spcFirstLastPara="1" wrap="square" lIns="91425" tIns="91425" rIns="91425" bIns="91425" anchor="ctr" anchorCtr="0">
-            <a:noAutofit/>
-          </a:bodyPr>
-          <a:lstStyle/>
-          <a:p>
-            <a:pPr marL="0" lvl="0" indent="0" algn="l" rtl="0">
-              <a:spcBef>
-                <a:spcPts val="0"/>
-              </a:spcBef>
-              <a:spcAft>
-                <a:spcPts val="0"/>
-              </a:spcAft>
-              <a:buNone/>
-            </a:pPr>
-            <a:endParaRPr/>
-          </a:p>
-        </p:txBody>
-      </p:sp>
-      <p:sp>
-        <p:nvSpPr>
-          <p:cNvPr id="437" name="Google Shape;437;p28"/>
-          <p:cNvSpPr/>
-          <p:nvPr/>
-        </p:nvSpPr>
-        <p:spPr>
-          <a:xfrm>
-            <a:off x="6976307" y="1511094"/>
-            <a:ext cx="1241633" cy="1500907"/>
-          </a:xfrm>
-          <a:custGeom>
-            <a:avLst/>
-            <a:gdLst/>
-            <a:ahLst/>
-            <a:cxnLst/>
-            <a:rect l="l" t="t" r="r" b="b"/>
-            <a:pathLst>
-              <a:path w="81794" h="98874" extrusionOk="0">
-                <a:moveTo>
-                  <a:pt x="0" y="0"/>
-                </a:moveTo>
-                <a:lnTo>
-                  <a:pt x="0" y="98873"/>
-                </a:lnTo>
-                <a:lnTo>
-                  <a:pt x="81794" y="98873"/>
-                </a:lnTo>
-                <a:lnTo>
-                  <a:pt x="81794" y="0"/>
-                </a:lnTo>
-                <a:close/>
-              </a:path>
-            </a:pathLst>
-          </a:custGeom>
-          <a:solidFill>
-            <a:srgbClr val="0E2A47"/>
-          </a:solidFill>
-          <a:ln>
-            <a:noFill/>
-          </a:ln>
-        </p:spPr>
-        <p:txBody>
-          <a:bodyPr spcFirstLastPara="1" wrap="square" lIns="91425" tIns="91425" rIns="91425" bIns="91425" anchor="ctr" anchorCtr="0">
-            <a:noAutofit/>
-          </a:bodyPr>
-          <a:lstStyle/>
-          <a:p>
-            <a:pPr marL="0" lvl="0" indent="0" algn="l" rtl="0">
-              <a:spcBef>
-                <a:spcPts val="0"/>
-              </a:spcBef>
-              <a:spcAft>
-                <a:spcPts val="0"/>
-              </a:spcAft>
-              <a:buNone/>
-            </a:pPr>
-            <a:endParaRPr/>
-          </a:p>
-        </p:txBody>
-      </p:sp>
-      <p:sp>
-        <p:nvSpPr>
-          <p:cNvPr id="438" name="Google Shape;438;p28"/>
-          <p:cNvSpPr/>
-          <p:nvPr/>
-        </p:nvSpPr>
-        <p:spPr>
-          <a:xfrm>
-            <a:off x="7513876" y="3086960"/>
-            <a:ext cx="185560" cy="159086"/>
-          </a:xfrm>
-          <a:custGeom>
-            <a:avLst/>
-            <a:gdLst/>
-            <a:ahLst/>
-            <a:cxnLst/>
-            <a:rect l="l" t="t" r="r" b="b"/>
-            <a:pathLst>
-              <a:path w="12224" h="10480" extrusionOk="0">
-                <a:moveTo>
-                  <a:pt x="5275" y="1"/>
-                </a:moveTo>
-                <a:cubicBezTo>
-                  <a:pt x="2344" y="1"/>
-                  <a:pt x="0" y="2345"/>
-                  <a:pt x="0" y="5275"/>
-                </a:cubicBezTo>
-                <a:cubicBezTo>
-                  <a:pt x="0" y="8397"/>
-                  <a:pt x="2579" y="10480"/>
-                  <a:pt x="5283" y="10480"/>
-                </a:cubicBezTo>
-                <a:cubicBezTo>
-                  <a:pt x="6567" y="10480"/>
-                  <a:pt x="7880" y="10010"/>
-                  <a:pt x="8958" y="8959"/>
-                </a:cubicBezTo>
-                <a:cubicBezTo>
-                  <a:pt x="12223" y="5693"/>
-                  <a:pt x="9879" y="1"/>
-                  <a:pt x="5275" y="1"/>
-                </a:cubicBezTo>
-                <a:close/>
-              </a:path>
-            </a:pathLst>
-          </a:custGeom>
-          <a:solidFill>
-            <a:srgbClr val="0E2A47"/>
-          </a:solidFill>
-          <a:ln>
-            <a:noFill/>
-          </a:ln>
-        </p:spPr>
-        <p:txBody>
-          <a:bodyPr spcFirstLastPara="1" wrap="square" lIns="91425" tIns="91425" rIns="91425" bIns="91425" anchor="ctr" anchorCtr="0">
-            <a:noAutofit/>
-          </a:bodyPr>
-          <a:lstStyle/>
-          <a:p>
-            <a:pPr marL="0" lvl="0" indent="0" algn="l" rtl="0">
-              <a:spcBef>
-                <a:spcPts val="0"/>
-              </a:spcBef>
-              <a:spcAft>
-                <a:spcPts val="0"/>
-              </a:spcAft>
-              <a:buNone/>
-            </a:pPr>
-            <a:endParaRPr/>
-          </a:p>
-        </p:txBody>
-      </p:sp>
-      <p:sp>
-        <p:nvSpPr>
-          <p:cNvPr id="439" name="Google Shape;439;p28"/>
-          <p:cNvSpPr/>
-          <p:nvPr/>
-        </p:nvSpPr>
-        <p:spPr>
-          <a:xfrm>
-            <a:off x="7577419" y="1730946"/>
-            <a:ext cx="584612" cy="583352"/>
-          </a:xfrm>
-          <a:custGeom>
-            <a:avLst/>
-            <a:gdLst/>
-            <a:ahLst/>
-            <a:cxnLst/>
-            <a:rect l="l" t="t" r="r" b="b"/>
-            <a:pathLst>
-              <a:path w="38512" h="38429" extrusionOk="0">
-                <a:moveTo>
-                  <a:pt x="19339" y="14484"/>
-                </a:moveTo>
-                <a:cubicBezTo>
-                  <a:pt x="16577" y="14484"/>
-                  <a:pt x="14316" y="16745"/>
-                  <a:pt x="14316" y="19507"/>
-                </a:cubicBezTo>
-                <a:cubicBezTo>
-                  <a:pt x="14316" y="22569"/>
-                  <a:pt x="16812" y="24594"/>
-                  <a:pt x="19411" y="24594"/>
-                </a:cubicBezTo>
-                <a:cubicBezTo>
-                  <a:pt x="20650" y="24594"/>
-                  <a:pt x="21913" y="24134"/>
-                  <a:pt x="22939" y="23107"/>
-                </a:cubicBezTo>
-                <a:cubicBezTo>
-                  <a:pt x="26037" y="19926"/>
-                  <a:pt x="23860" y="14484"/>
-                  <a:pt x="19339" y="14484"/>
-                </a:cubicBezTo>
-                <a:close/>
-                <a:moveTo>
-                  <a:pt x="19256" y="9629"/>
-                </a:moveTo>
-                <a:cubicBezTo>
-                  <a:pt x="25786" y="9629"/>
-                  <a:pt x="30390" y="16075"/>
-                  <a:pt x="28381" y="22354"/>
-                </a:cubicBezTo>
-                <a:cubicBezTo>
-                  <a:pt x="27062" y="26229"/>
-                  <a:pt x="23469" y="28886"/>
-                  <a:pt x="19363" y="28886"/>
-                </a:cubicBezTo>
-                <a:cubicBezTo>
-                  <a:pt x="19299" y="28886"/>
-                  <a:pt x="19236" y="28885"/>
-                  <a:pt x="19172" y="28884"/>
-                </a:cubicBezTo>
-                <a:cubicBezTo>
-                  <a:pt x="12558" y="28884"/>
-                  <a:pt x="7954" y="22438"/>
-                  <a:pt x="10047" y="16159"/>
-                </a:cubicBezTo>
-                <a:cubicBezTo>
-                  <a:pt x="11386" y="12224"/>
-                  <a:pt x="15070" y="9629"/>
-                  <a:pt x="19256" y="9629"/>
-                </a:cubicBezTo>
-                <a:close/>
-                <a:moveTo>
-                  <a:pt x="16242" y="1"/>
-                </a:moveTo>
-                <a:lnTo>
-                  <a:pt x="16242" y="2847"/>
-                </a:lnTo>
-                <a:cubicBezTo>
-                  <a:pt x="13898" y="3266"/>
-                  <a:pt x="11721" y="4187"/>
-                  <a:pt x="9879" y="5526"/>
-                </a:cubicBezTo>
-                <a:lnTo>
-                  <a:pt x="7786" y="3517"/>
-                </a:lnTo>
-                <a:lnTo>
-                  <a:pt x="3433" y="7787"/>
-                </a:lnTo>
-                <a:lnTo>
-                  <a:pt x="5526" y="9796"/>
-                </a:lnTo>
-                <a:cubicBezTo>
-                  <a:pt x="4186" y="11722"/>
-                  <a:pt x="3265" y="13898"/>
-                  <a:pt x="2847" y="16159"/>
-                </a:cubicBezTo>
-                <a:lnTo>
-                  <a:pt x="0" y="16159"/>
-                </a:lnTo>
-                <a:lnTo>
-                  <a:pt x="0" y="22270"/>
-                </a:lnTo>
-                <a:lnTo>
-                  <a:pt x="2847" y="22270"/>
-                </a:lnTo>
-                <a:cubicBezTo>
-                  <a:pt x="3265" y="24531"/>
-                  <a:pt x="4186" y="26707"/>
-                  <a:pt x="5526" y="28633"/>
-                </a:cubicBezTo>
-                <a:lnTo>
-                  <a:pt x="3433" y="30642"/>
-                </a:lnTo>
-                <a:lnTo>
-                  <a:pt x="7786" y="34912"/>
-                </a:lnTo>
-                <a:lnTo>
-                  <a:pt x="9879" y="32903"/>
-                </a:lnTo>
-                <a:cubicBezTo>
-                  <a:pt x="11721" y="34242"/>
-                  <a:pt x="13898" y="35163"/>
-                  <a:pt x="16242" y="35582"/>
-                </a:cubicBezTo>
-                <a:lnTo>
-                  <a:pt x="16242" y="38428"/>
-                </a:lnTo>
-                <a:lnTo>
-                  <a:pt x="22270" y="38428"/>
-                </a:lnTo>
-                <a:lnTo>
-                  <a:pt x="22270" y="35582"/>
-                </a:lnTo>
-                <a:cubicBezTo>
-                  <a:pt x="24614" y="35163"/>
-                  <a:pt x="26790" y="34242"/>
-                  <a:pt x="28716" y="32903"/>
-                </a:cubicBezTo>
-                <a:lnTo>
-                  <a:pt x="30809" y="34996"/>
-                </a:lnTo>
-                <a:lnTo>
-                  <a:pt x="35079" y="30642"/>
-                </a:lnTo>
-                <a:lnTo>
-                  <a:pt x="33069" y="28633"/>
-                </a:lnTo>
-                <a:cubicBezTo>
-                  <a:pt x="34325" y="26707"/>
-                  <a:pt x="35246" y="24531"/>
-                  <a:pt x="35665" y="22270"/>
-                </a:cubicBezTo>
-                <a:lnTo>
-                  <a:pt x="38511" y="22270"/>
-                </a:lnTo>
-                <a:lnTo>
-                  <a:pt x="38511" y="16242"/>
-                </a:lnTo>
-                <a:lnTo>
-                  <a:pt x="35665" y="16242"/>
-                </a:lnTo>
-                <a:cubicBezTo>
-                  <a:pt x="35246" y="13898"/>
-                  <a:pt x="34325" y="11722"/>
-                  <a:pt x="33069" y="9796"/>
-                </a:cubicBezTo>
-                <a:lnTo>
-                  <a:pt x="35079" y="7787"/>
-                </a:lnTo>
-                <a:lnTo>
-                  <a:pt x="30809" y="3517"/>
-                </a:lnTo>
-                <a:lnTo>
-                  <a:pt x="28716" y="5526"/>
-                </a:lnTo>
-                <a:cubicBezTo>
-                  <a:pt x="26790" y="4187"/>
-                  <a:pt x="24614" y="3350"/>
-                  <a:pt x="22270" y="2847"/>
-                </a:cubicBezTo>
-                <a:lnTo>
-                  <a:pt x="22270" y="1"/>
-                </a:lnTo>
-                <a:close/>
-              </a:path>
-            </a:pathLst>
-          </a:custGeom>
-          <a:solidFill>
-            <a:schemeClr val="accent1"/>
-          </a:solidFill>
-          <a:ln>
-            <a:noFill/>
-          </a:ln>
-        </p:spPr>
-        <p:txBody>
-          <a:bodyPr spcFirstLastPara="1" wrap="square" lIns="91425" tIns="91425" rIns="91425" bIns="91425" anchor="ctr" anchorCtr="0">
-            <a:noAutofit/>
-          </a:bodyPr>
-          <a:lstStyle/>
-          <a:p>
-            <a:pPr marL="0" lvl="0" indent="0" algn="l" rtl="0">
-              <a:spcBef>
-                <a:spcPts val="0"/>
-              </a:spcBef>
-              <a:spcAft>
-                <a:spcPts val="0"/>
-              </a:spcAft>
-              <a:buNone/>
-            </a:pPr>
-            <a:endParaRPr/>
-          </a:p>
-        </p:txBody>
-      </p:sp>
-      <p:sp>
-        <p:nvSpPr>
-          <p:cNvPr id="440" name="Google Shape;440;p28"/>
-          <p:cNvSpPr/>
-          <p:nvPr/>
-        </p:nvSpPr>
-        <p:spPr>
-          <a:xfrm>
-            <a:off x="7107204" y="1832622"/>
-            <a:ext cx="432099" cy="430839"/>
-          </a:xfrm>
-          <a:custGeom>
-            <a:avLst/>
-            <a:gdLst/>
-            <a:ahLst/>
-            <a:cxnLst/>
-            <a:rect l="l" t="t" r="r" b="b"/>
-            <a:pathLst>
-              <a:path w="28465" h="28382" extrusionOk="0">
-                <a:moveTo>
-                  <a:pt x="14316" y="10633"/>
-                </a:moveTo>
-                <a:cubicBezTo>
-                  <a:pt x="12307" y="10633"/>
-                  <a:pt x="10632" y="12307"/>
-                  <a:pt x="10632" y="14400"/>
-                </a:cubicBezTo>
-                <a:cubicBezTo>
-                  <a:pt x="10632" y="16628"/>
-                  <a:pt x="12504" y="18154"/>
-                  <a:pt x="14437" y="18154"/>
-                </a:cubicBezTo>
-                <a:cubicBezTo>
-                  <a:pt x="15337" y="18154"/>
-                  <a:pt x="16251" y="17824"/>
-                  <a:pt x="16995" y="17079"/>
-                </a:cubicBezTo>
-                <a:cubicBezTo>
-                  <a:pt x="19339" y="14651"/>
-                  <a:pt x="17665" y="10633"/>
-                  <a:pt x="14316" y="10633"/>
-                </a:cubicBezTo>
-                <a:close/>
-                <a:moveTo>
-                  <a:pt x="14232" y="7033"/>
-                </a:moveTo>
-                <a:cubicBezTo>
-                  <a:pt x="19088" y="7033"/>
-                  <a:pt x="22521" y="11805"/>
-                  <a:pt x="21014" y="16493"/>
-                </a:cubicBezTo>
-                <a:cubicBezTo>
-                  <a:pt x="20093" y="19340"/>
-                  <a:pt x="17330" y="21349"/>
-                  <a:pt x="14232" y="21349"/>
-                </a:cubicBezTo>
-                <a:cubicBezTo>
-                  <a:pt x="9377" y="21265"/>
-                  <a:pt x="5944" y="16493"/>
-                  <a:pt x="7535" y="11889"/>
-                </a:cubicBezTo>
-                <a:lnTo>
-                  <a:pt x="7451" y="11889"/>
-                </a:lnTo>
-                <a:cubicBezTo>
-                  <a:pt x="8372" y="8958"/>
-                  <a:pt x="11135" y="7033"/>
-                  <a:pt x="14232" y="7033"/>
-                </a:cubicBezTo>
-                <a:close/>
-                <a:moveTo>
-                  <a:pt x="11972" y="0"/>
-                </a:moveTo>
-                <a:lnTo>
-                  <a:pt x="11972" y="2093"/>
-                </a:lnTo>
-                <a:cubicBezTo>
-                  <a:pt x="10298" y="2428"/>
-                  <a:pt x="8707" y="3098"/>
-                  <a:pt x="7284" y="4103"/>
-                </a:cubicBezTo>
-                <a:lnTo>
-                  <a:pt x="5777" y="2596"/>
-                </a:lnTo>
-                <a:lnTo>
-                  <a:pt x="2595" y="5693"/>
-                </a:lnTo>
-                <a:lnTo>
-                  <a:pt x="4102" y="7200"/>
-                </a:lnTo>
-                <a:cubicBezTo>
-                  <a:pt x="3098" y="8623"/>
-                  <a:pt x="2428" y="10214"/>
-                  <a:pt x="2177" y="11972"/>
-                </a:cubicBezTo>
-                <a:lnTo>
-                  <a:pt x="2093" y="11889"/>
-                </a:lnTo>
-                <a:lnTo>
-                  <a:pt x="0" y="11889"/>
-                </a:lnTo>
-                <a:lnTo>
-                  <a:pt x="0" y="16493"/>
-                </a:lnTo>
-                <a:lnTo>
-                  <a:pt x="2093" y="16493"/>
-                </a:lnTo>
-                <a:cubicBezTo>
-                  <a:pt x="2428" y="18167"/>
-                  <a:pt x="3098" y="19758"/>
-                  <a:pt x="4102" y="21181"/>
-                </a:cubicBezTo>
-                <a:lnTo>
-                  <a:pt x="2595" y="22688"/>
-                </a:lnTo>
-                <a:lnTo>
-                  <a:pt x="5693" y="25786"/>
-                </a:lnTo>
-                <a:lnTo>
-                  <a:pt x="7200" y="24363"/>
-                </a:lnTo>
-                <a:cubicBezTo>
-                  <a:pt x="8623" y="25284"/>
-                  <a:pt x="10214" y="25953"/>
-                  <a:pt x="11972" y="26288"/>
-                </a:cubicBezTo>
-                <a:lnTo>
-                  <a:pt x="11972" y="28381"/>
-                </a:lnTo>
-                <a:lnTo>
-                  <a:pt x="16493" y="28381"/>
-                </a:lnTo>
-                <a:lnTo>
-                  <a:pt x="16493" y="26288"/>
-                </a:lnTo>
-                <a:cubicBezTo>
-                  <a:pt x="18167" y="25953"/>
-                  <a:pt x="19758" y="25284"/>
-                  <a:pt x="21181" y="24363"/>
-                </a:cubicBezTo>
-                <a:lnTo>
-                  <a:pt x="22772" y="25870"/>
-                </a:lnTo>
-                <a:lnTo>
-                  <a:pt x="25869" y="22772"/>
-                </a:lnTo>
-                <a:lnTo>
-                  <a:pt x="24362" y="21265"/>
-                </a:lnTo>
-                <a:cubicBezTo>
-                  <a:pt x="25367" y="19758"/>
-                  <a:pt x="26037" y="18167"/>
-                  <a:pt x="26372" y="16493"/>
-                </a:cubicBezTo>
-                <a:lnTo>
-                  <a:pt x="28465" y="16493"/>
-                </a:lnTo>
-                <a:lnTo>
-                  <a:pt x="28465" y="11972"/>
-                </a:lnTo>
-                <a:lnTo>
-                  <a:pt x="26372" y="11972"/>
-                </a:lnTo>
-                <a:cubicBezTo>
-                  <a:pt x="26037" y="10214"/>
-                  <a:pt x="25367" y="8623"/>
-                  <a:pt x="24362" y="7200"/>
-                </a:cubicBezTo>
-                <a:lnTo>
-                  <a:pt x="25869" y="5693"/>
-                </a:lnTo>
-                <a:lnTo>
-                  <a:pt x="22772" y="2596"/>
-                </a:lnTo>
-                <a:lnTo>
-                  <a:pt x="21265" y="4103"/>
-                </a:lnTo>
-                <a:cubicBezTo>
-                  <a:pt x="19842" y="3098"/>
-                  <a:pt x="18167" y="2428"/>
-                  <a:pt x="16493" y="2093"/>
-                </a:cubicBezTo>
-                <a:lnTo>
-                  <a:pt x="16493" y="0"/>
-                </a:lnTo>
-                <a:close/>
-              </a:path>
-            </a:pathLst>
-          </a:custGeom>
-          <a:solidFill>
-            <a:srgbClr val="FFFFFF"/>
-          </a:solidFill>
-          <a:ln>
-            <a:noFill/>
-          </a:ln>
-        </p:spPr>
-        <p:txBody>
-          <a:bodyPr spcFirstLastPara="1" wrap="square" lIns="91425" tIns="91425" rIns="91425" bIns="91425" anchor="ctr" anchorCtr="0">
-            <a:noAutofit/>
-          </a:bodyPr>
-          <a:lstStyle/>
-          <a:p>
-            <a:pPr marL="0" lvl="0" indent="0" algn="l" rtl="0">
-              <a:spcBef>
-                <a:spcPts val="0"/>
-              </a:spcBef>
-              <a:spcAft>
-                <a:spcPts val="0"/>
-              </a:spcAft>
-              <a:buNone/>
-            </a:pPr>
-            <a:endParaRPr/>
-          </a:p>
-        </p:txBody>
-      </p:sp>
-      <p:sp>
-        <p:nvSpPr>
-          <p:cNvPr id="441" name="Google Shape;441;p28"/>
-          <p:cNvSpPr/>
-          <p:nvPr/>
-        </p:nvSpPr>
-        <p:spPr>
-          <a:xfrm>
-            <a:off x="7225395" y="2240569"/>
-            <a:ext cx="636710" cy="635450"/>
-          </a:xfrm>
-          <a:custGeom>
-            <a:avLst/>
-            <a:gdLst/>
-            <a:ahLst/>
-            <a:cxnLst/>
-            <a:rect l="l" t="t" r="r" b="b"/>
-            <a:pathLst>
-              <a:path w="41944" h="41861" extrusionOk="0">
-                <a:moveTo>
-                  <a:pt x="21243" y="15752"/>
-                </a:moveTo>
-                <a:cubicBezTo>
-                  <a:pt x="20950" y="15752"/>
-                  <a:pt x="20650" y="15775"/>
-                  <a:pt x="20344" y="15823"/>
-                </a:cubicBezTo>
-                <a:cubicBezTo>
-                  <a:pt x="17414" y="16242"/>
-                  <a:pt x="15321" y="19005"/>
-                  <a:pt x="15823" y="22019"/>
-                </a:cubicBezTo>
-                <a:cubicBezTo>
-                  <a:pt x="16280" y="24914"/>
-                  <a:pt x="18709" y="26576"/>
-                  <a:pt x="21185" y="26576"/>
-                </a:cubicBezTo>
-                <a:cubicBezTo>
-                  <a:pt x="22790" y="26576"/>
-                  <a:pt x="24415" y="25877"/>
-                  <a:pt x="25534" y="24363"/>
-                </a:cubicBezTo>
-                <a:cubicBezTo>
-                  <a:pt x="28198" y="20680"/>
-                  <a:pt x="25510" y="15752"/>
-                  <a:pt x="21243" y="15752"/>
-                </a:cubicBezTo>
-                <a:close/>
-                <a:moveTo>
-                  <a:pt x="21052" y="10506"/>
-                </a:moveTo>
-                <a:cubicBezTo>
-                  <a:pt x="27354" y="10506"/>
-                  <a:pt x="32385" y="16206"/>
-                  <a:pt x="31227" y="22688"/>
-                </a:cubicBezTo>
-                <a:cubicBezTo>
-                  <a:pt x="30474" y="27125"/>
-                  <a:pt x="26958" y="30474"/>
-                  <a:pt x="22604" y="31144"/>
-                </a:cubicBezTo>
-                <a:cubicBezTo>
-                  <a:pt x="22054" y="31229"/>
-                  <a:pt x="21510" y="31270"/>
-                  <a:pt x="20975" y="31270"/>
-                </a:cubicBezTo>
-                <a:cubicBezTo>
-                  <a:pt x="14673" y="31270"/>
-                  <a:pt x="9642" y="25571"/>
-                  <a:pt x="10800" y="19088"/>
-                </a:cubicBezTo>
-                <a:cubicBezTo>
-                  <a:pt x="11470" y="14735"/>
-                  <a:pt x="14986" y="11302"/>
-                  <a:pt x="19423" y="10633"/>
-                </a:cubicBezTo>
-                <a:cubicBezTo>
-                  <a:pt x="19973" y="10548"/>
-                  <a:pt x="20517" y="10506"/>
-                  <a:pt x="21052" y="10506"/>
-                </a:cubicBezTo>
-                <a:close/>
-                <a:moveTo>
-                  <a:pt x="21097" y="0"/>
-                </a:moveTo>
-                <a:lnTo>
-                  <a:pt x="17916" y="503"/>
-                </a:lnTo>
-                <a:lnTo>
-                  <a:pt x="14651" y="1005"/>
-                </a:lnTo>
-                <a:lnTo>
-                  <a:pt x="15153" y="4019"/>
-                </a:lnTo>
-                <a:cubicBezTo>
-                  <a:pt x="12725" y="4856"/>
-                  <a:pt x="10632" y="6196"/>
-                  <a:pt x="8791" y="7870"/>
-                </a:cubicBezTo>
-                <a:lnTo>
-                  <a:pt x="6279" y="6112"/>
-                </a:lnTo>
-                <a:lnTo>
-                  <a:pt x="2428" y="11302"/>
-                </a:lnTo>
-                <a:lnTo>
-                  <a:pt x="4856" y="13144"/>
-                </a:lnTo>
-                <a:cubicBezTo>
-                  <a:pt x="3767" y="15405"/>
-                  <a:pt x="3181" y="17833"/>
-                  <a:pt x="3098" y="20344"/>
-                </a:cubicBezTo>
-                <a:lnTo>
-                  <a:pt x="0" y="20846"/>
-                </a:lnTo>
-                <a:lnTo>
-                  <a:pt x="1005" y="27293"/>
-                </a:lnTo>
-                <a:lnTo>
-                  <a:pt x="4102" y="26791"/>
-                </a:lnTo>
-                <a:cubicBezTo>
-                  <a:pt x="4939" y="29135"/>
-                  <a:pt x="6195" y="31311"/>
-                  <a:pt x="7953" y="33153"/>
-                </a:cubicBezTo>
-                <a:lnTo>
-                  <a:pt x="6112" y="35665"/>
-                </a:lnTo>
-                <a:lnTo>
-                  <a:pt x="11386" y="39516"/>
-                </a:lnTo>
-                <a:lnTo>
-                  <a:pt x="13144" y="37004"/>
-                </a:lnTo>
-                <a:cubicBezTo>
-                  <a:pt x="15404" y="38093"/>
-                  <a:pt x="17916" y="38679"/>
-                  <a:pt x="20428" y="38762"/>
-                </a:cubicBezTo>
-                <a:lnTo>
-                  <a:pt x="20930" y="41860"/>
-                </a:lnTo>
-                <a:lnTo>
-                  <a:pt x="24195" y="41358"/>
-                </a:lnTo>
-                <a:lnTo>
-                  <a:pt x="27376" y="40855"/>
-                </a:lnTo>
-                <a:lnTo>
-                  <a:pt x="26958" y="37842"/>
-                </a:lnTo>
-                <a:cubicBezTo>
-                  <a:pt x="29302" y="37004"/>
-                  <a:pt x="31478" y="35665"/>
-                  <a:pt x="33237" y="33990"/>
-                </a:cubicBezTo>
-                <a:lnTo>
-                  <a:pt x="35748" y="35832"/>
-                </a:lnTo>
-                <a:lnTo>
-                  <a:pt x="39599" y="30558"/>
-                </a:lnTo>
-                <a:lnTo>
-                  <a:pt x="37088" y="28716"/>
-                </a:lnTo>
-                <a:cubicBezTo>
-                  <a:pt x="38176" y="26456"/>
-                  <a:pt x="38846" y="24028"/>
-                  <a:pt x="38929" y="21516"/>
-                </a:cubicBezTo>
-                <a:lnTo>
-                  <a:pt x="41943" y="21014"/>
-                </a:lnTo>
-                <a:lnTo>
-                  <a:pt x="40939" y="14568"/>
-                </a:lnTo>
-                <a:lnTo>
-                  <a:pt x="37925" y="15070"/>
-                </a:lnTo>
-                <a:cubicBezTo>
-                  <a:pt x="37088" y="12642"/>
-                  <a:pt x="35748" y="10549"/>
-                  <a:pt x="34074" y="8707"/>
-                </a:cubicBezTo>
-                <a:lnTo>
-                  <a:pt x="35916" y="6196"/>
-                </a:lnTo>
-                <a:lnTo>
-                  <a:pt x="30641" y="2344"/>
-                </a:lnTo>
-                <a:lnTo>
-                  <a:pt x="28799" y="4856"/>
-                </a:lnTo>
-                <a:cubicBezTo>
-                  <a:pt x="26539" y="3684"/>
-                  <a:pt x="24111" y="3098"/>
-                  <a:pt x="21600" y="3014"/>
-                </a:cubicBezTo>
-                <a:lnTo>
-                  <a:pt x="21097" y="0"/>
-                </a:lnTo>
-                <a:close/>
-              </a:path>
-            </a:pathLst>
-          </a:custGeom>
-          <a:solidFill>
-            <a:srgbClr val="FFFFFF"/>
-          </a:solidFill>
-          <a:ln>
-            <a:noFill/>
-          </a:ln>
-        </p:spPr>
-        <p:txBody>
-          <a:bodyPr spcFirstLastPara="1" wrap="square" lIns="91425" tIns="91425" rIns="91425" bIns="91425" anchor="ctr" anchorCtr="0">
-            <a:noAutofit/>
-          </a:bodyPr>
-          <a:lstStyle/>
-          <a:p>
-            <a:pPr marL="0" lvl="0" indent="0" algn="l" rtl="0">
-              <a:spcBef>
-                <a:spcPts val="0"/>
-              </a:spcBef>
-              <a:spcAft>
-                <a:spcPts val="0"/>
-              </a:spcAft>
-              <a:buNone/>
-            </a:pPr>
-            <a:endParaRPr/>
-          </a:p>
-        </p:txBody>
-      </p:sp>
       <p:pic>
         <p:nvPicPr>
-          <p:cNvPr id="4" name="Immagine 3">
+          <p:cNvPr id="38" name="Immagine 37">
             <a:extLst>
               <a:ext uri="{FF2B5EF4-FFF2-40B4-BE49-F238E27FC236}">
-                <a16:creationId xmlns:a16="http://schemas.microsoft.com/office/drawing/2014/main" id="{021807A6-1A26-E564-88D8-7957F04BB1B2}"/>
-              </a:ext>
-            </a:extLst>
-          </p:cNvPr>
-          <p:cNvPicPr>
-            <a:picLocks noChangeAspect="1"/>
-          </p:cNvPicPr>
-          <p:nvPr/>
-        </p:nvPicPr>
-        <p:blipFill>
-          <a:blip r:embed="rId3"/>
-          <a:stretch>
-            <a:fillRect/>
-          </a:stretch>
-        </p:blipFill>
-        <p:spPr>
-          <a:xfrm>
-            <a:off x="925155" y="1976697"/>
-            <a:ext cx="221480" cy="221480"/>
-          </a:xfrm>
-          <a:prstGeom prst="rect">
-            <a:avLst/>
-          </a:prstGeom>
-        </p:spPr>
-      </p:pic>
-      <p:pic>
-        <p:nvPicPr>
-          <p:cNvPr id="6" name="Immagine 5">
-            <a:extLst>
-              <a:ext uri="{FF2B5EF4-FFF2-40B4-BE49-F238E27FC236}">
-                <a16:creationId xmlns:a16="http://schemas.microsoft.com/office/drawing/2014/main" id="{00AA03AD-D0BD-65FE-091F-46E89564FFB0}"/>
+                <a16:creationId xmlns:a16="http://schemas.microsoft.com/office/drawing/2014/main" id="{717894A7-0010-741E-C67F-C09424ABFE40}"/>
               </a:ext>
             </a:extLst>
           </p:cNvPr>
@@ -23223,7 +19362,37 @@
         </p:blipFill>
         <p:spPr>
           <a:xfrm>
-            <a:off x="878994" y="3342672"/>
+            <a:off x="5421642" y="2460548"/>
+            <a:ext cx="221480" cy="221480"/>
+          </a:xfrm>
+          <a:prstGeom prst="rect">
+            <a:avLst/>
+          </a:prstGeom>
+        </p:spPr>
+      </p:pic>
+      <p:pic>
+        <p:nvPicPr>
+          <p:cNvPr id="39" name="Immagine 38">
+            <a:extLst>
+              <a:ext uri="{FF2B5EF4-FFF2-40B4-BE49-F238E27FC236}">
+                <a16:creationId xmlns:a16="http://schemas.microsoft.com/office/drawing/2014/main" id="{17889FB5-3D08-A149-8BA1-0C296AE5DDFF}"/>
+              </a:ext>
+            </a:extLst>
+          </p:cNvPr>
+          <p:cNvPicPr>
+            <a:picLocks noChangeAspect="1"/>
+          </p:cNvPicPr>
+          <p:nvPr/>
+        </p:nvPicPr>
+        <p:blipFill>
+          <a:blip r:embed="rId5"/>
+          <a:stretch>
+            <a:fillRect/>
+          </a:stretch>
+        </p:blipFill>
+        <p:spPr>
+          <a:xfrm>
+            <a:off x="5375481" y="3082273"/>
             <a:ext cx="313802" cy="313802"/>
           </a:xfrm>
           <a:prstGeom prst="rect">
@@ -23234,7 +19403,7 @@
     </p:spTree>
     <p:extLst>
       <p:ext uri="{BB962C8B-B14F-4D97-AF65-F5344CB8AC3E}">
-        <p14:creationId xmlns:p14="http://schemas.microsoft.com/office/powerpoint/2010/main" val="2551151037"/>
+        <p14:creationId xmlns:p14="http://schemas.microsoft.com/office/powerpoint/2010/main" val="3462683585"/>
       </p:ext>
     </p:extLst>
   </p:cSld>

--- a/DNSolver.pptx
+++ b/DNSolver.pptx
@@ -16276,7 +16276,7 @@
             </a:r>
             <a:r>
               <a:rPr lang="it-IT" sz="1600" dirty="0"/>
-              <a:t>, </a:t>
+              <a:t>, the </a:t>
             </a:r>
             <a:r>
               <a:rPr lang="it-IT" sz="1600" dirty="0" err="1"/>
@@ -16292,7 +16292,7 @@
             </a:r>
             <a:r>
               <a:rPr lang="it-IT" sz="1600" dirty="0"/>
-              <a:t> to </a:t>
+              <a:t> to the </a:t>
             </a:r>
             <a:r>
               <a:rPr lang="it-IT" sz="1600" dirty="0" err="1"/>
@@ -16316,8 +16316,12 @@
               <a:buChar char="•"/>
             </a:pPr>
             <a:r>
+              <a:rPr lang="it-IT" sz="1600" dirty="0"/>
+              <a:t>The </a:t>
+            </a:r>
+            <a:r>
               <a:rPr lang="it-IT" sz="1600" dirty="0" err="1"/>
-              <a:t>Backend</a:t>
+              <a:t>backend</a:t>
             </a:r>
             <a:r>
               <a:rPr lang="it-IT" sz="1600" dirty="0"/>
@@ -16329,7 +16333,7 @@
             </a:r>
             <a:r>
               <a:rPr lang="it-IT" sz="1600" dirty="0"/>
-              <a:t> calls to the DNS library and query to </a:t>
+              <a:t> calls to the DNS library and queries to </a:t>
             </a:r>
             <a:r>
               <a:rPr lang="it-IT" sz="1600" dirty="0" err="1"/>
@@ -16370,7 +16374,7 @@
             </a:r>
             <a:r>
               <a:rPr lang="it-IT" sz="1600" dirty="0" err="1"/>
-              <a:t>sended</a:t>
+              <a:t>sent</a:t>
             </a:r>
             <a:r>
               <a:rPr lang="it-IT" sz="1600" dirty="0"/>
@@ -16471,7 +16475,7 @@
         </p:nvSpPr>
         <p:spPr>
           <a:xfrm>
-            <a:off x="4893700" y="2571750"/>
+            <a:off x="4893700" y="2470950"/>
             <a:ext cx="3457500" cy="1420500"/>
           </a:xfrm>
           <a:prstGeom prst="rect">
@@ -16536,7 +16540,15 @@
             </a:r>
             <a:r>
               <a:rPr lang="it-IT" sz="1600" dirty="0"/>
-              <a:t> use an </a:t>
+              <a:t> </a:t>
+            </a:r>
+            <a:r>
+              <a:rPr lang="it-IT" sz="1600" dirty="0" err="1"/>
+              <a:t>uses</a:t>
+            </a:r>
+            <a:r>
+              <a:rPr lang="it-IT" sz="1600" dirty="0"/>
+              <a:t> an </a:t>
             </a:r>
             <a:r>
               <a:rPr lang="it-IT" sz="1600" dirty="0" err="1"/>
@@ -16580,15 +16592,23 @@
             </a:r>
             <a:r>
               <a:rPr lang="it-IT" sz="1600" dirty="0" err="1"/>
-              <a:t>remove</a:t>
+              <a:t>increase</a:t>
             </a:r>
             <a:r>
               <a:rPr lang="it-IT" sz="1600" dirty="0"/>
-              <a:t> the </a:t>
+              <a:t> a </a:t>
             </a:r>
             <a:r>
               <a:rPr lang="it-IT" sz="1600" dirty="0" err="1"/>
-              <a:t>annoying</a:t>
+              <a:t>lot</a:t>
+            </a:r>
+            <a:r>
+              <a:rPr lang="it-IT" sz="1600" dirty="0"/>
+              <a:t> the performance and </a:t>
+            </a:r>
+            <a:r>
+              <a:rPr lang="it-IT" sz="1600" dirty="0" err="1"/>
+              <a:t>it</a:t>
             </a:r>
             <a:r>
               <a:rPr lang="it-IT" sz="1600" dirty="0"/>
@@ -16596,24 +16616,20 @@
             </a:r>
             <a:r>
               <a:rPr lang="it-IT" sz="1600" dirty="0" err="1"/>
-              <a:t>classic’s</a:t>
+              <a:t>betters</a:t>
             </a:r>
             <a:r>
               <a:rPr lang="it-IT" sz="1600" dirty="0"/>
-              <a:t> UI page refresh.</a:t>
+              <a:t> the user </a:t>
             </a:r>
-            <a:endParaRPr sz="1600" dirty="0"/>
-          </a:p>
-          <a:p>
-            <a:pPr marL="0" lvl="0" indent="0" algn="l" rtl="0">
-              <a:spcBef>
-                <a:spcPts val="0"/>
-              </a:spcBef>
-              <a:spcAft>
-                <a:spcPts val="0"/>
-              </a:spcAft>
-              <a:buNone/>
-            </a:pPr>
+            <a:r>
+              <a:rPr lang="it-IT" sz="1600" dirty="0" err="1"/>
+              <a:t>experience</a:t>
+            </a:r>
+            <a:r>
+              <a:rPr lang="it-IT" sz="1600" dirty="0"/>
+              <a:t>.</a:t>
+            </a:r>
             <a:endParaRPr dirty="0"/>
           </a:p>
         </p:txBody>
@@ -16753,8 +16769,8 @@
         </p:nvSpPr>
         <p:spPr>
           <a:xfrm>
-            <a:off x="5240287" y="1333344"/>
-            <a:ext cx="3457500" cy="1420500"/>
+            <a:off x="5240286" y="1333344"/>
+            <a:ext cx="3738114" cy="1420500"/>
           </a:xfrm>
           <a:prstGeom prst="rect">
             <a:avLst/>
@@ -17060,7 +17076,7 @@
               </a:spcAft>
               <a:buNone/>
             </a:pPr>
-            <a:endParaRPr>
+            <a:endParaRPr dirty="0">
               <a:solidFill>
                 <a:srgbClr val="48FFD5"/>
               </a:solidFill>
@@ -17084,7 +17100,7 @@
         </p:nvSpPr>
         <p:spPr>
           <a:xfrm>
-            <a:off x="6083212" y="3166294"/>
+            <a:off x="6083212" y="3151894"/>
             <a:ext cx="2076000" cy="196200"/>
           </a:xfrm>
           <a:prstGeom prst="rect">
@@ -17353,7 +17369,7 @@
                   <a:schemeClr val="dk1"/>
                 </a:solidFill>
               </a:rPr>
-              <a:t>Rest</a:t>
+              <a:t>Provides</a:t>
             </a:r>
             <a:r>
               <a:rPr lang="it-IT" sz="1100" dirty="0">
@@ -17361,8 +17377,21 @@
                   <a:schemeClr val="dk1"/>
                 </a:solidFill>
               </a:rPr>
-              <a:t> API</a:t>
+              <a:t> REST </a:t>
             </a:r>
+            <a:r>
+              <a:rPr lang="it-IT" sz="1100" dirty="0" err="1">
+                <a:solidFill>
+                  <a:schemeClr val="dk1"/>
+                </a:solidFill>
+              </a:rPr>
+              <a:t>APIs</a:t>
+            </a:r>
+            <a:endParaRPr lang="it-IT" sz="1100" dirty="0">
+              <a:solidFill>
+                <a:schemeClr val="dk1"/>
+              </a:solidFill>
+            </a:endParaRPr>
           </a:p>
         </p:txBody>
       </p:sp>
@@ -17382,7 +17411,7 @@
         </p:nvSpPr>
         <p:spPr>
           <a:xfrm>
-            <a:off x="6054418" y="4569892"/>
+            <a:off x="6054418" y="4555492"/>
             <a:ext cx="2076000" cy="196200"/>
           </a:xfrm>
           <a:prstGeom prst="rect">
@@ -17669,7 +17698,7 @@
         </p:nvSpPr>
         <p:spPr>
           <a:xfrm>
-            <a:off x="6054418" y="3868548"/>
+            <a:off x="6054418" y="3844623"/>
             <a:ext cx="2076000" cy="196200"/>
           </a:xfrm>
           <a:prstGeom prst="rect">
@@ -18239,7 +18268,7 @@
                 </a:spcAft>
                 <a:buNone/>
               </a:pPr>
-              <a:endParaRPr>
+              <a:endParaRPr dirty="0">
                 <a:solidFill>
                   <a:schemeClr val="dk1"/>
                 </a:solidFill>
@@ -18504,7 +18533,7 @@
             </a:pPr>
             <a:r>
               <a:rPr lang="en-US" sz="1600" dirty="0"/>
-              <a:t>The DNS module provides a way of performing name resolutions</a:t>
+              <a:t>The DNS module provides a way of performing DNS queries, so it acts as DNS resolver.</a:t>
             </a:r>
             <a:endParaRPr sz="1600" dirty="0"/>
           </a:p>
@@ -18955,7 +18984,7 @@
                   <a:schemeClr val="dk1"/>
                 </a:solidFill>
               </a:rPr>
-              <a:t>Link to actual DNS server</a:t>
+              <a:t>Makes DNS queries</a:t>
             </a:r>
           </a:p>
         </p:txBody>
@@ -18976,7 +19005,7 @@
         </p:nvSpPr>
         <p:spPr>
           <a:xfrm>
-            <a:off x="6054418" y="3230187"/>
+            <a:off x="6047218" y="3222987"/>
             <a:ext cx="2076000" cy="196200"/>
           </a:xfrm>
           <a:prstGeom prst="rect">
@@ -19225,7 +19254,7 @@
                 <a:latin typeface="Roboto Black" panose="02000000000000000000" pitchFamily="2" charset="0"/>
                 <a:ea typeface="Roboto Black" panose="02000000000000000000" pitchFamily="2" charset="0"/>
               </a:rPr>
-              <a:t>Reply</a:t>
+              <a:t>Results</a:t>
             </a:r>
             <a:r>
               <a:rPr lang="it-IT" sz="1100" dirty="0">
@@ -19400,6 +19429,683 @@
           </a:prstGeom>
         </p:spPr>
       </p:pic>
+      <p:sp>
+        <p:nvSpPr>
+          <p:cNvPr id="14" name="Google Shape;402;p28">
+            <a:extLst>
+              <a:ext uri="{FF2B5EF4-FFF2-40B4-BE49-F238E27FC236}">
+                <a16:creationId xmlns:a16="http://schemas.microsoft.com/office/drawing/2014/main" id="{D2F2AB31-1A53-464D-B3D4-A6DCF96D264A}"/>
+              </a:ext>
+            </a:extLst>
+          </p:cNvPr>
+          <p:cNvSpPr/>
+          <p:nvPr/>
+        </p:nvSpPr>
+        <p:spPr>
+          <a:xfrm>
+            <a:off x="5832712" y="3680989"/>
+            <a:ext cx="2326500" cy="381000"/>
+          </a:xfrm>
+          <a:prstGeom prst="homePlate">
+            <a:avLst>
+              <a:gd name="adj" fmla="val 50000"/>
+            </a:avLst>
+          </a:prstGeom>
+          <a:solidFill>
+            <a:schemeClr val="accent1"/>
+          </a:solidFill>
+          <a:ln>
+            <a:noFill/>
+          </a:ln>
+        </p:spPr>
+        <p:txBody>
+          <a:bodyPr spcFirstLastPara="1" wrap="square" lIns="91425" tIns="91425" rIns="91425" bIns="91425" anchor="ctr" anchorCtr="0">
+            <a:noAutofit/>
+          </a:bodyPr>
+          <a:lstStyle/>
+          <a:p>
+            <a:pPr marL="0" lvl="0" indent="0" algn="l" rtl="0">
+              <a:spcBef>
+                <a:spcPts val="0"/>
+              </a:spcBef>
+              <a:spcAft>
+                <a:spcPts val="0"/>
+              </a:spcAft>
+              <a:buNone/>
+            </a:pPr>
+            <a:endParaRPr dirty="0">
+              <a:solidFill>
+                <a:srgbClr val="48FFD5"/>
+              </a:solidFill>
+            </a:endParaRPr>
+          </a:p>
+        </p:txBody>
+      </p:sp>
+      <p:sp>
+        <p:nvSpPr>
+          <p:cNvPr id="15" name="Google Shape;408;p28">
+            <a:extLst>
+              <a:ext uri="{FF2B5EF4-FFF2-40B4-BE49-F238E27FC236}">
+                <a16:creationId xmlns:a16="http://schemas.microsoft.com/office/drawing/2014/main" id="{8B70B53A-39E8-44AE-95E6-19C99E8A1E76}"/>
+              </a:ext>
+            </a:extLst>
+          </p:cNvPr>
+          <p:cNvSpPr/>
+          <p:nvPr/>
+        </p:nvSpPr>
+        <p:spPr>
+          <a:xfrm>
+            <a:off x="5316412" y="3659539"/>
+            <a:ext cx="423900" cy="423900"/>
+          </a:xfrm>
+          <a:prstGeom prst="ellipse">
+            <a:avLst/>
+          </a:prstGeom>
+          <a:solidFill>
+            <a:schemeClr val="accent1"/>
+          </a:solidFill>
+          <a:ln>
+            <a:noFill/>
+          </a:ln>
+        </p:spPr>
+        <p:txBody>
+          <a:bodyPr spcFirstLastPara="1" wrap="square" lIns="91425" tIns="91425" rIns="91425" bIns="91425" anchor="ctr" anchorCtr="0">
+            <a:noAutofit/>
+          </a:bodyPr>
+          <a:lstStyle/>
+          <a:p>
+            <a:pPr marL="0" lvl="0" indent="0" algn="l" rtl="0">
+              <a:spcBef>
+                <a:spcPts val="0"/>
+              </a:spcBef>
+              <a:spcAft>
+                <a:spcPts val="0"/>
+              </a:spcAft>
+              <a:buNone/>
+            </a:pPr>
+            <a:endParaRPr>
+              <a:solidFill>
+                <a:srgbClr val="48FFD5"/>
+              </a:solidFill>
+            </a:endParaRPr>
+          </a:p>
+        </p:txBody>
+      </p:sp>
+      <p:grpSp>
+        <p:nvGrpSpPr>
+          <p:cNvPr id="17" name="Google Shape;412;p28">
+            <a:extLst>
+              <a:ext uri="{FF2B5EF4-FFF2-40B4-BE49-F238E27FC236}">
+                <a16:creationId xmlns:a16="http://schemas.microsoft.com/office/drawing/2014/main" id="{0F95C47E-553C-43CD-8B20-40C95291FE05}"/>
+              </a:ext>
+            </a:extLst>
+          </p:cNvPr>
+          <p:cNvGrpSpPr/>
+          <p:nvPr/>
+        </p:nvGrpSpPr>
+        <p:grpSpPr>
+          <a:xfrm rot="10800000" flipH="1">
+            <a:off x="5381094" y="3782831"/>
+            <a:ext cx="302125" cy="163726"/>
+            <a:chOff x="1319675" y="779200"/>
+            <a:chExt cx="2343875" cy="1270175"/>
+          </a:xfrm>
+        </p:grpSpPr>
+        <p:sp>
+          <p:nvSpPr>
+            <p:cNvPr id="18" name="Google Shape;413;p28">
+              <a:extLst>
+                <a:ext uri="{FF2B5EF4-FFF2-40B4-BE49-F238E27FC236}">
+                  <a16:creationId xmlns:a16="http://schemas.microsoft.com/office/drawing/2014/main" id="{49B25A75-B138-4881-BE3A-6EF5F906B03A}"/>
+                </a:ext>
+              </a:extLst>
+            </p:cNvPr>
+            <p:cNvSpPr/>
+            <p:nvPr/>
+          </p:nvSpPr>
+          <p:spPr>
+            <a:xfrm>
+              <a:off x="1319675" y="915950"/>
+              <a:ext cx="717150" cy="996650"/>
+            </a:xfrm>
+            <a:custGeom>
+              <a:avLst/>
+              <a:gdLst/>
+              <a:ahLst/>
+              <a:cxnLst/>
+              <a:rect l="l" t="t" r="r" b="b"/>
+              <a:pathLst>
+                <a:path w="28686" h="39866" extrusionOk="0">
+                  <a:moveTo>
+                    <a:pt x="28685" y="1"/>
+                  </a:moveTo>
+                  <a:lnTo>
+                    <a:pt x="0" y="15557"/>
+                  </a:lnTo>
+                  <a:lnTo>
+                    <a:pt x="0" y="24230"/>
+                  </a:lnTo>
+                  <a:lnTo>
+                    <a:pt x="28685" y="39866"/>
+                  </a:lnTo>
+                  <a:lnTo>
+                    <a:pt x="28685" y="29740"/>
+                  </a:lnTo>
+                  <a:lnTo>
+                    <a:pt x="8713" y="19774"/>
+                  </a:lnTo>
+                  <a:lnTo>
+                    <a:pt x="28685" y="10186"/>
+                  </a:lnTo>
+                  <a:lnTo>
+                    <a:pt x="28685" y="1"/>
+                  </a:lnTo>
+                  <a:close/>
+                </a:path>
+              </a:pathLst>
+            </a:custGeom>
+            <a:solidFill>
+              <a:schemeClr val="dk1"/>
+            </a:solidFill>
+            <a:ln>
+              <a:noFill/>
+            </a:ln>
+          </p:spPr>
+          <p:txBody>
+            <a:bodyPr spcFirstLastPara="1" wrap="square" lIns="91425" tIns="91425" rIns="91425" bIns="91425" anchor="ctr" anchorCtr="0">
+              <a:noAutofit/>
+            </a:bodyPr>
+            <a:lstStyle/>
+            <a:p>
+              <a:pPr marL="0" lvl="0" indent="0" algn="l" rtl="0">
+                <a:spcBef>
+                  <a:spcPts val="0"/>
+                </a:spcBef>
+                <a:spcAft>
+                  <a:spcPts val="0"/>
+                </a:spcAft>
+                <a:buNone/>
+              </a:pPr>
+              <a:endParaRPr>
+                <a:solidFill>
+                  <a:schemeClr val="dk1"/>
+                </a:solidFill>
+              </a:endParaRPr>
+            </a:p>
+          </p:txBody>
+        </p:sp>
+        <p:sp>
+          <p:nvSpPr>
+            <p:cNvPr id="19" name="Google Shape;414;p28">
+              <a:extLst>
+                <a:ext uri="{FF2B5EF4-FFF2-40B4-BE49-F238E27FC236}">
+                  <a16:creationId xmlns:a16="http://schemas.microsoft.com/office/drawing/2014/main" id="{50E00B26-ECFF-4DC9-9E56-89B785EAF73F}"/>
+                </a:ext>
+              </a:extLst>
+            </p:cNvPr>
+            <p:cNvSpPr/>
+            <p:nvPr/>
+          </p:nvSpPr>
+          <p:spPr>
+            <a:xfrm>
+              <a:off x="2159125" y="779200"/>
+              <a:ext cx="626150" cy="1270175"/>
+            </a:xfrm>
+            <a:custGeom>
+              <a:avLst/>
+              <a:gdLst/>
+              <a:ahLst/>
+              <a:cxnLst/>
+              <a:rect l="l" t="t" r="r" b="b"/>
+              <a:pathLst>
+                <a:path w="25046" h="50807" extrusionOk="0">
+                  <a:moveTo>
+                    <a:pt x="19038" y="0"/>
+                  </a:moveTo>
+                  <a:lnTo>
+                    <a:pt x="1" y="50806"/>
+                  </a:lnTo>
+                  <a:lnTo>
+                    <a:pt x="5969" y="50806"/>
+                  </a:lnTo>
+                  <a:lnTo>
+                    <a:pt x="25046" y="0"/>
+                  </a:lnTo>
+                  <a:close/>
+                </a:path>
+              </a:pathLst>
+            </a:custGeom>
+            <a:solidFill>
+              <a:schemeClr val="dk1"/>
+            </a:solidFill>
+            <a:ln>
+              <a:noFill/>
+            </a:ln>
+          </p:spPr>
+          <p:txBody>
+            <a:bodyPr spcFirstLastPara="1" wrap="square" lIns="91425" tIns="91425" rIns="91425" bIns="91425" anchor="ctr" anchorCtr="0">
+              <a:noAutofit/>
+            </a:bodyPr>
+            <a:lstStyle/>
+            <a:p>
+              <a:pPr marL="0" lvl="0" indent="0" algn="l" rtl="0">
+                <a:spcBef>
+                  <a:spcPts val="0"/>
+                </a:spcBef>
+                <a:spcAft>
+                  <a:spcPts val="0"/>
+                </a:spcAft>
+                <a:buNone/>
+              </a:pPr>
+              <a:endParaRPr dirty="0">
+                <a:solidFill>
+                  <a:schemeClr val="dk1"/>
+                </a:solidFill>
+              </a:endParaRPr>
+            </a:p>
+          </p:txBody>
+        </p:sp>
+        <p:sp>
+          <p:nvSpPr>
+            <p:cNvPr id="20" name="Google Shape;415;p28">
+              <a:extLst>
+                <a:ext uri="{FF2B5EF4-FFF2-40B4-BE49-F238E27FC236}">
+                  <a16:creationId xmlns:a16="http://schemas.microsoft.com/office/drawing/2014/main" id="{600228E0-B616-4564-9726-73BF6660847D}"/>
+                </a:ext>
+              </a:extLst>
+            </p:cNvPr>
+            <p:cNvSpPr/>
+            <p:nvPr/>
+          </p:nvSpPr>
+          <p:spPr>
+            <a:xfrm>
+              <a:off x="2945900" y="915950"/>
+              <a:ext cx="717650" cy="996650"/>
+            </a:xfrm>
+            <a:custGeom>
+              <a:avLst/>
+              <a:gdLst/>
+              <a:ahLst/>
+              <a:cxnLst/>
+              <a:rect l="l" t="t" r="r" b="b"/>
+              <a:pathLst>
+                <a:path w="28706" h="39866" extrusionOk="0">
+                  <a:moveTo>
+                    <a:pt x="0" y="1"/>
+                  </a:moveTo>
+                  <a:lnTo>
+                    <a:pt x="0" y="10047"/>
+                  </a:lnTo>
+                  <a:lnTo>
+                    <a:pt x="19992" y="19854"/>
+                  </a:lnTo>
+                  <a:lnTo>
+                    <a:pt x="0" y="29740"/>
+                  </a:lnTo>
+                  <a:lnTo>
+                    <a:pt x="0" y="39866"/>
+                  </a:lnTo>
+                  <a:lnTo>
+                    <a:pt x="28705" y="24190"/>
+                  </a:lnTo>
+                  <a:lnTo>
+                    <a:pt x="28705" y="15577"/>
+                  </a:lnTo>
+                  <a:lnTo>
+                    <a:pt x="0" y="1"/>
+                  </a:lnTo>
+                  <a:close/>
+                </a:path>
+              </a:pathLst>
+            </a:custGeom>
+            <a:solidFill>
+              <a:schemeClr val="dk1"/>
+            </a:solidFill>
+            <a:ln>
+              <a:noFill/>
+            </a:ln>
+          </p:spPr>
+          <p:txBody>
+            <a:bodyPr spcFirstLastPara="1" wrap="square" lIns="91425" tIns="91425" rIns="91425" bIns="91425" anchor="ctr" anchorCtr="0">
+              <a:noAutofit/>
+            </a:bodyPr>
+            <a:lstStyle/>
+            <a:p>
+              <a:pPr marL="0" lvl="0" indent="0" algn="l" rtl="0">
+                <a:spcBef>
+                  <a:spcPts val="0"/>
+                </a:spcBef>
+                <a:spcAft>
+                  <a:spcPts val="0"/>
+                </a:spcAft>
+                <a:buNone/>
+              </a:pPr>
+              <a:endParaRPr>
+                <a:solidFill>
+                  <a:schemeClr val="dk1"/>
+                </a:solidFill>
+              </a:endParaRPr>
+            </a:p>
+          </p:txBody>
+        </p:sp>
+      </p:grpSp>
+      <p:sp>
+        <p:nvSpPr>
+          <p:cNvPr id="21" name="Google Shape;405;p28">
+            <a:extLst>
+              <a:ext uri="{FF2B5EF4-FFF2-40B4-BE49-F238E27FC236}">
+                <a16:creationId xmlns:a16="http://schemas.microsoft.com/office/drawing/2014/main" id="{796E65DE-FF28-4AF4-992A-3D06E5AB580F}"/>
+              </a:ext>
+            </a:extLst>
+          </p:cNvPr>
+          <p:cNvSpPr txBox="1">
+            <a:spLocks/>
+          </p:cNvSpPr>
+          <p:nvPr/>
+        </p:nvSpPr>
+        <p:spPr>
+          <a:xfrm>
+            <a:off x="6054418" y="3848458"/>
+            <a:ext cx="2076000" cy="196200"/>
+          </a:xfrm>
+          <a:prstGeom prst="rect">
+            <a:avLst/>
+          </a:prstGeom>
+        </p:spPr>
+        <p:txBody>
+          <a:bodyPr spcFirstLastPara="1" wrap="square" lIns="91425" tIns="91425" rIns="91425" bIns="91425" anchor="b" anchorCtr="0">
+            <a:noAutofit/>
+          </a:bodyPr>
+          <a:lstStyle>
+            <a:defPPr marR="0" lvl="0" algn="l" rtl="0">
+              <a:lnSpc>
+                <a:spcPct val="100000"/>
+              </a:lnSpc>
+              <a:spcBef>
+                <a:spcPts val="0"/>
+              </a:spcBef>
+              <a:spcAft>
+                <a:spcPts val="0"/>
+              </a:spcAft>
+            </a:defPPr>
+            <a:lvl1pPr marR="0" lvl="0" algn="l" rtl="0">
+              <a:lnSpc>
+                <a:spcPct val="100000"/>
+              </a:lnSpc>
+              <a:spcBef>
+                <a:spcPts val="0"/>
+              </a:spcBef>
+              <a:spcAft>
+                <a:spcPts val="0"/>
+              </a:spcAft>
+              <a:buClr>
+                <a:srgbClr val="000000"/>
+              </a:buClr>
+              <a:buFont typeface="Arial"/>
+              <a:defRPr sz="1400" b="0" i="0" u="none" strike="noStrike" cap="none">
+                <a:solidFill>
+                  <a:srgbClr val="000000"/>
+                </a:solidFill>
+                <a:latin typeface="Arial"/>
+                <a:ea typeface="Arial"/>
+                <a:cs typeface="Arial"/>
+                <a:sym typeface="Arial"/>
+              </a:defRPr>
+            </a:lvl1pPr>
+            <a:lvl2pPr marR="0" lvl="1" algn="l" rtl="0">
+              <a:lnSpc>
+                <a:spcPct val="100000"/>
+              </a:lnSpc>
+              <a:spcBef>
+                <a:spcPts val="0"/>
+              </a:spcBef>
+              <a:spcAft>
+                <a:spcPts val="0"/>
+              </a:spcAft>
+              <a:buClr>
+                <a:srgbClr val="000000"/>
+              </a:buClr>
+              <a:buFont typeface="Arial"/>
+              <a:defRPr sz="1400" b="0" i="0" u="none" strike="noStrike" cap="none">
+                <a:solidFill>
+                  <a:srgbClr val="000000"/>
+                </a:solidFill>
+                <a:latin typeface="Arial"/>
+                <a:ea typeface="Arial"/>
+                <a:cs typeface="Arial"/>
+                <a:sym typeface="Arial"/>
+              </a:defRPr>
+            </a:lvl2pPr>
+            <a:lvl3pPr marR="0" lvl="2" algn="l" rtl="0">
+              <a:lnSpc>
+                <a:spcPct val="100000"/>
+              </a:lnSpc>
+              <a:spcBef>
+                <a:spcPts val="0"/>
+              </a:spcBef>
+              <a:spcAft>
+                <a:spcPts val="0"/>
+              </a:spcAft>
+              <a:buClr>
+                <a:srgbClr val="000000"/>
+              </a:buClr>
+              <a:buFont typeface="Arial"/>
+              <a:defRPr sz="1400" b="0" i="0" u="none" strike="noStrike" cap="none">
+                <a:solidFill>
+                  <a:srgbClr val="000000"/>
+                </a:solidFill>
+                <a:latin typeface="Arial"/>
+                <a:ea typeface="Arial"/>
+                <a:cs typeface="Arial"/>
+                <a:sym typeface="Arial"/>
+              </a:defRPr>
+            </a:lvl3pPr>
+            <a:lvl4pPr marR="0" lvl="3" algn="l" rtl="0">
+              <a:lnSpc>
+                <a:spcPct val="100000"/>
+              </a:lnSpc>
+              <a:spcBef>
+                <a:spcPts val="0"/>
+              </a:spcBef>
+              <a:spcAft>
+                <a:spcPts val="0"/>
+              </a:spcAft>
+              <a:buClr>
+                <a:srgbClr val="000000"/>
+              </a:buClr>
+              <a:buFont typeface="Arial"/>
+              <a:defRPr sz="1400" b="0" i="0" u="none" strike="noStrike" cap="none">
+                <a:solidFill>
+                  <a:srgbClr val="000000"/>
+                </a:solidFill>
+                <a:latin typeface="Arial"/>
+                <a:ea typeface="Arial"/>
+                <a:cs typeface="Arial"/>
+                <a:sym typeface="Arial"/>
+              </a:defRPr>
+            </a:lvl4pPr>
+            <a:lvl5pPr marR="0" lvl="4" algn="l" rtl="0">
+              <a:lnSpc>
+                <a:spcPct val="100000"/>
+              </a:lnSpc>
+              <a:spcBef>
+                <a:spcPts val="0"/>
+              </a:spcBef>
+              <a:spcAft>
+                <a:spcPts val="0"/>
+              </a:spcAft>
+              <a:buClr>
+                <a:srgbClr val="000000"/>
+              </a:buClr>
+              <a:buFont typeface="Arial"/>
+              <a:defRPr sz="1400" b="0" i="0" u="none" strike="noStrike" cap="none">
+                <a:solidFill>
+                  <a:srgbClr val="000000"/>
+                </a:solidFill>
+                <a:latin typeface="Arial"/>
+                <a:ea typeface="Arial"/>
+                <a:cs typeface="Arial"/>
+                <a:sym typeface="Arial"/>
+              </a:defRPr>
+            </a:lvl5pPr>
+            <a:lvl6pPr marR="0" lvl="5" algn="l" rtl="0">
+              <a:lnSpc>
+                <a:spcPct val="100000"/>
+              </a:lnSpc>
+              <a:spcBef>
+                <a:spcPts val="0"/>
+              </a:spcBef>
+              <a:spcAft>
+                <a:spcPts val="0"/>
+              </a:spcAft>
+              <a:buClr>
+                <a:srgbClr val="000000"/>
+              </a:buClr>
+              <a:buFont typeface="Arial"/>
+              <a:defRPr sz="1400" b="0" i="0" u="none" strike="noStrike" cap="none">
+                <a:solidFill>
+                  <a:srgbClr val="000000"/>
+                </a:solidFill>
+                <a:latin typeface="Arial"/>
+                <a:ea typeface="Arial"/>
+                <a:cs typeface="Arial"/>
+                <a:sym typeface="Arial"/>
+              </a:defRPr>
+            </a:lvl6pPr>
+            <a:lvl7pPr marR="0" lvl="6" algn="l" rtl="0">
+              <a:lnSpc>
+                <a:spcPct val="100000"/>
+              </a:lnSpc>
+              <a:spcBef>
+                <a:spcPts val="0"/>
+              </a:spcBef>
+              <a:spcAft>
+                <a:spcPts val="0"/>
+              </a:spcAft>
+              <a:buClr>
+                <a:srgbClr val="000000"/>
+              </a:buClr>
+              <a:buFont typeface="Arial"/>
+              <a:defRPr sz="1400" b="0" i="0" u="none" strike="noStrike" cap="none">
+                <a:solidFill>
+                  <a:srgbClr val="000000"/>
+                </a:solidFill>
+                <a:latin typeface="Arial"/>
+                <a:ea typeface="Arial"/>
+                <a:cs typeface="Arial"/>
+                <a:sym typeface="Arial"/>
+              </a:defRPr>
+            </a:lvl7pPr>
+            <a:lvl8pPr marR="0" lvl="7" algn="l" rtl="0">
+              <a:lnSpc>
+                <a:spcPct val="100000"/>
+              </a:lnSpc>
+              <a:spcBef>
+                <a:spcPts val="0"/>
+              </a:spcBef>
+              <a:spcAft>
+                <a:spcPts val="0"/>
+              </a:spcAft>
+              <a:buClr>
+                <a:srgbClr val="000000"/>
+              </a:buClr>
+              <a:buFont typeface="Arial"/>
+              <a:defRPr sz="1400" b="0" i="0" u="none" strike="noStrike" cap="none">
+                <a:solidFill>
+                  <a:srgbClr val="000000"/>
+                </a:solidFill>
+                <a:latin typeface="Arial"/>
+                <a:ea typeface="Arial"/>
+                <a:cs typeface="Arial"/>
+                <a:sym typeface="Arial"/>
+              </a:defRPr>
+            </a:lvl8pPr>
+            <a:lvl9pPr marR="0" lvl="8" algn="l" rtl="0">
+              <a:lnSpc>
+                <a:spcPct val="100000"/>
+              </a:lnSpc>
+              <a:spcBef>
+                <a:spcPts val="0"/>
+              </a:spcBef>
+              <a:spcAft>
+                <a:spcPts val="0"/>
+              </a:spcAft>
+              <a:buClr>
+                <a:srgbClr val="000000"/>
+              </a:buClr>
+              <a:buFont typeface="Arial"/>
+              <a:defRPr sz="1400" b="0" i="0" u="none" strike="noStrike" cap="none">
+                <a:solidFill>
+                  <a:srgbClr val="000000"/>
+                </a:solidFill>
+                <a:latin typeface="Arial"/>
+                <a:ea typeface="Arial"/>
+                <a:cs typeface="Arial"/>
+                <a:sym typeface="Arial"/>
+              </a:defRPr>
+            </a:lvl9pPr>
+          </a:lstStyle>
+          <a:p>
+            <a:r>
+              <a:rPr lang="it-IT" sz="1100" dirty="0" err="1">
+                <a:solidFill>
+                  <a:schemeClr val="dk1"/>
+                </a:solidFill>
+                <a:latin typeface="Roboto Black" panose="02000000000000000000" pitchFamily="2" charset="0"/>
+                <a:ea typeface="Roboto Black" panose="02000000000000000000" pitchFamily="2" charset="0"/>
+              </a:rPr>
+              <a:t>Fully</a:t>
+            </a:r>
+            <a:r>
+              <a:rPr lang="it-IT" sz="1100" dirty="0">
+                <a:solidFill>
+                  <a:schemeClr val="dk1"/>
+                </a:solidFill>
+                <a:latin typeface="Roboto Black" panose="02000000000000000000" pitchFamily="2" charset="0"/>
+                <a:ea typeface="Roboto Black" panose="02000000000000000000" pitchFamily="2" charset="0"/>
+              </a:rPr>
+              <a:t> </a:t>
+            </a:r>
+            <a:r>
+              <a:rPr lang="it-IT" sz="1100" dirty="0" err="1">
+                <a:solidFill>
+                  <a:schemeClr val="dk1"/>
+                </a:solidFill>
+                <a:latin typeface="Roboto Black" panose="02000000000000000000" pitchFamily="2" charset="0"/>
+                <a:ea typeface="Roboto Black" panose="02000000000000000000" pitchFamily="2" charset="0"/>
+              </a:rPr>
+              <a:t>integrable</a:t>
+            </a:r>
+            <a:r>
+              <a:rPr lang="it-IT" sz="1100" dirty="0">
+                <a:solidFill>
+                  <a:schemeClr val="dk1"/>
+                </a:solidFill>
+                <a:latin typeface="Roboto Black" panose="02000000000000000000" pitchFamily="2" charset="0"/>
+                <a:ea typeface="Roboto Black" panose="02000000000000000000" pitchFamily="2" charset="0"/>
+              </a:rPr>
+              <a:t> with </a:t>
+            </a:r>
+            <a:r>
+              <a:rPr lang="it-IT" sz="1100" dirty="0" err="1">
+                <a:solidFill>
+                  <a:schemeClr val="dk1"/>
+                </a:solidFill>
+                <a:latin typeface="Roboto Black" panose="02000000000000000000" pitchFamily="2" charset="0"/>
+                <a:ea typeface="Roboto Black" panose="02000000000000000000" pitchFamily="2" charset="0"/>
+              </a:rPr>
+              <a:t>NodeJS</a:t>
+            </a:r>
+            <a:endParaRPr lang="it-IT" sz="1100" dirty="0">
+              <a:solidFill>
+                <a:schemeClr val="dk1"/>
+              </a:solidFill>
+              <a:latin typeface="Roboto Black" panose="02000000000000000000" pitchFamily="2" charset="0"/>
+              <a:ea typeface="Roboto Black" panose="02000000000000000000" pitchFamily="2" charset="0"/>
+            </a:endParaRPr>
+          </a:p>
+        </p:txBody>
+      </p:sp>
     </p:spTree>
     <p:extLst>
       <p:ext uri="{BB962C8B-B14F-4D97-AF65-F5344CB8AC3E}">
@@ -38088,8 +38794,8 @@
         </p:nvSpPr>
         <p:spPr>
           <a:xfrm>
-            <a:off x="6618555" y="1721653"/>
-            <a:ext cx="1454700" cy="1314300"/>
+            <a:off x="6611120" y="1684483"/>
+            <a:ext cx="1734110" cy="1314300"/>
           </a:xfrm>
           <a:prstGeom prst="rect">
             <a:avLst/>
@@ -38112,7 +38818,7 @@
             </a:pPr>
             <a:r>
               <a:rPr lang="es" sz="900" dirty="0"/>
-              <a:t>Frontend design: development of the user interface and implementation of any kind of query to backend</a:t>
+              <a:t>Frontend design: development of the user interface and the integration with the backend’s APIs</a:t>
             </a:r>
           </a:p>
         </p:txBody>
@@ -38129,7 +38835,7 @@
         </p:nvSpPr>
         <p:spPr>
           <a:xfrm>
-            <a:off x="6610703" y="1572607"/>
+            <a:off x="6610703" y="1513135"/>
             <a:ext cx="1254600" cy="225600"/>
           </a:xfrm>
           <a:prstGeom prst="rect">
@@ -38152,14 +38858,14 @@
               <a:buNone/>
             </a:pPr>
             <a:r>
-              <a:rPr lang="es" sz="900">
+              <a:rPr lang="es" sz="900" dirty="0">
                 <a:solidFill>
                   <a:srgbClr val="FFFFFF"/>
                 </a:solidFill>
               </a:rPr>
               <a:t>STEP 2</a:t>
             </a:r>
-            <a:endParaRPr sz="900">
+            <a:endParaRPr sz="900" dirty="0">
               <a:solidFill>
                 <a:srgbClr val="FFFFFF"/>
               </a:solidFill>
@@ -38179,7 +38885,7 @@
         </p:nvSpPr>
         <p:spPr>
           <a:xfrm>
-            <a:off x="947775" y="3362550"/>
+            <a:off x="1022115" y="3362550"/>
             <a:ext cx="1454700" cy="744000"/>
           </a:xfrm>
           <a:prstGeom prst="rect">
@@ -38229,7 +38935,7 @@
         </p:nvSpPr>
         <p:spPr>
           <a:xfrm>
-            <a:off x="1186972" y="3149748"/>
+            <a:off x="1283614" y="3209220"/>
             <a:ext cx="1173600" cy="196200"/>
           </a:xfrm>
           <a:prstGeom prst="rect">
@@ -38279,8 +38985,8 @@
         </p:nvSpPr>
         <p:spPr>
           <a:xfrm>
-            <a:off x="6527425" y="3639172"/>
-            <a:ext cx="1254600" cy="744000"/>
+            <a:off x="6475387" y="3683776"/>
+            <a:ext cx="1483966" cy="744000"/>
           </a:xfrm>
           <a:prstGeom prst="rect">
             <a:avLst/>
@@ -38325,7 +39031,7 @@
         </p:nvSpPr>
         <p:spPr>
           <a:xfrm>
-            <a:off x="6527425" y="3408488"/>
+            <a:off x="6475387" y="3519998"/>
             <a:ext cx="2076000" cy="196200"/>
           </a:xfrm>
           <a:prstGeom prst="rect">
@@ -38348,14 +39054,14 @@
               <a:buNone/>
             </a:pPr>
             <a:r>
-              <a:rPr lang="es" sz="900">
+              <a:rPr lang="es" sz="900" dirty="0">
                 <a:solidFill>
                   <a:srgbClr val="FFFFFF"/>
                 </a:solidFill>
               </a:rPr>
               <a:t>STEP 3</a:t>
             </a:r>
-            <a:endParaRPr sz="900">
+            <a:endParaRPr sz="900" dirty="0">
               <a:solidFill>
                 <a:srgbClr val="FFFFFF"/>
               </a:solidFill>
@@ -38575,8 +39281,8 @@
         </p:nvSpPr>
         <p:spPr>
           <a:xfrm>
-            <a:off x="4060561" y="1869383"/>
-            <a:ext cx="1583645" cy="390989"/>
+            <a:off x="4053126" y="1869383"/>
+            <a:ext cx="1827284" cy="390989"/>
           </a:xfrm>
           <a:prstGeom prst="rect">
             <a:avLst/>
@@ -38598,20 +39304,29 @@
               <a:buNone/>
             </a:pPr>
             <a:r>
-              <a:rPr lang="it-IT" sz="1000" dirty="0" err="1"/>
+              <a:rPr lang="it-IT" sz="1200" dirty="0" err="1"/>
               <a:t>Any</a:t>
             </a:r>
             <a:r>
-              <a:rPr lang="it-IT" sz="1000" dirty="0"/>
+              <a:rPr lang="it-IT" sz="1200" dirty="0"/>
               <a:t> </a:t>
             </a:r>
             <a:r>
-              <a:rPr lang="it-IT" sz="1000" dirty="0" err="1"/>
-              <a:t>question</a:t>
+              <a:rPr lang="it-IT" sz="1200" dirty="0" err="1"/>
+              <a:t>questions</a:t>
             </a:r>
             <a:r>
-              <a:rPr lang="it-IT" sz="1000" dirty="0"/>
+              <a:rPr lang="it-IT" sz="1200" dirty="0"/>
               <a:t>?</a:t>
+            </a:r>
+            <a:r>
+              <a:rPr lang="es" sz="1200" dirty="0">
+                <a:uFill>
+                  <a:noFill/>
+                </a:uFill>
+                <a:hlinkClick r:id="rId3"/>
+              </a:rPr>
+              <a:t>epik</a:t>
             </a:r>
             <a:r>
               <a:rPr lang="es" sz="1000" dirty="0">
@@ -38620,7 +39335,7 @@
                 </a:uFill>
                 <a:hlinkClick r:id="rId3"/>
               </a:rPr>
-              <a:t>epik.com</a:t>
+              <a:t>.com</a:t>
             </a:r>
             <a:endParaRPr sz="1000" dirty="0"/>
           </a:p>
